--- a/gitlab/slides/GitLab.pptx
+++ b/gitlab/slides/GitLab.pptx
@@ -5,7 +5,7 @@
     <p:sldMasterId id="2147483686" r:id="rId1"/>
   </p:sldMasterIdLst>
   <p:notesMasterIdLst>
-    <p:notesMasterId r:id="rId25"/>
+    <p:notesMasterId r:id="rId24"/>
   </p:notesMasterIdLst>
   <p:sldIdLst>
     <p:sldId id="2147472568" r:id="rId2"/>
@@ -20,41 +20,40 @@
     <p:sldId id="2147472651" r:id="rId11"/>
     <p:sldId id="2147472652" r:id="rId12"/>
     <p:sldId id="2147472653" r:id="rId13"/>
-    <p:sldId id="2147472629" r:id="rId14"/>
-    <p:sldId id="2147472654" r:id="rId15"/>
-    <p:sldId id="2147472655" r:id="rId16"/>
-    <p:sldId id="2147472656" r:id="rId17"/>
-    <p:sldId id="2147472657" r:id="rId18"/>
-    <p:sldId id="2147472658" r:id="rId19"/>
-    <p:sldId id="2147472659" r:id="rId20"/>
-    <p:sldId id="2147472660" r:id="rId21"/>
-    <p:sldId id="2147472661" r:id="rId22"/>
-    <p:sldId id="2147472662" r:id="rId23"/>
-    <p:sldId id="269" r:id="rId24"/>
+    <p:sldId id="2147472654" r:id="rId14"/>
+    <p:sldId id="2147472655" r:id="rId15"/>
+    <p:sldId id="2147472656" r:id="rId16"/>
+    <p:sldId id="2147472657" r:id="rId17"/>
+    <p:sldId id="2147472658" r:id="rId18"/>
+    <p:sldId id="2147472659" r:id="rId19"/>
+    <p:sldId id="2147472660" r:id="rId20"/>
+    <p:sldId id="2147472661" r:id="rId21"/>
+    <p:sldId id="2147472662" r:id="rId22"/>
+    <p:sldId id="269" r:id="rId23"/>
   </p:sldIdLst>
   <p:sldSz cx="9144000" cy="5143500" type="screen16x9"/>
   <p:notesSz cx="6858000" cy="9144000"/>
   <p:embeddedFontLst>
     <p:embeddedFont>
       <p:font typeface="Helvetica Neue Light" panose="020B0604020202020204" charset="0"/>
-      <p:regular r:id="rId26"/>
-      <p:bold r:id="rId27"/>
-      <p:italic r:id="rId28"/>
-      <p:boldItalic r:id="rId29"/>
+      <p:regular r:id="rId25"/>
+      <p:bold r:id="rId26"/>
+      <p:italic r:id="rId27"/>
+      <p:boldItalic r:id="rId28"/>
     </p:embeddedFont>
     <p:embeddedFont>
       <p:font typeface="Montserrat" panose="00000500000000000000" pitchFamily="2" charset="0"/>
-      <p:regular r:id="rId30"/>
-      <p:bold r:id="rId31"/>
-      <p:italic r:id="rId32"/>
-      <p:boldItalic r:id="rId33"/>
+      <p:regular r:id="rId29"/>
+      <p:bold r:id="rId30"/>
+      <p:italic r:id="rId31"/>
+      <p:boldItalic r:id="rId32"/>
     </p:embeddedFont>
     <p:embeddedFont>
       <p:font typeface="Montserrat Medium" panose="00000600000000000000" pitchFamily="2" charset="0"/>
-      <p:regular r:id="rId34"/>
-      <p:bold r:id="rId35"/>
-      <p:italic r:id="rId36"/>
-      <p:boldItalic r:id="rId37"/>
+      <p:regular r:id="rId33"/>
+      <p:bold r:id="rId34"/>
+      <p:italic r:id="rId35"/>
+      <p:boldItalic r:id="rId36"/>
     </p:embeddedFont>
   </p:embeddedFontLst>
   <p:defaultTextStyle>
@@ -1272,151 +1271,6 @@
         <p:cNvPr id="1" name="Shape 1289">
           <a:extLst>
             <a:ext uri="{FF2B5EF4-FFF2-40B4-BE49-F238E27FC236}">
-              <a16:creationId xmlns:a16="http://schemas.microsoft.com/office/drawing/2014/main" id="{05C22797-6799-F7D0-B3A3-040DE83540BD}"/>
-            </a:ext>
-          </a:extLst>
-        </p:cNvPr>
-        <p:cNvGrpSpPr/>
-        <p:nvPr/>
-      </p:nvGrpSpPr>
-      <p:grpSpPr>
-        <a:xfrm>
-          <a:off x="0" y="0"/>
-          <a:ext cx="0" cy="0"/>
-          <a:chOff x="0" y="0"/>
-          <a:chExt cx="0" cy="0"/>
-        </a:xfrm>
-      </p:grpSpPr>
-      <p:sp>
-        <p:nvSpPr>
-          <p:cNvPr id="1290" name="Google Shape;1290;p112:notes">
-            <a:extLst>
-              <a:ext uri="{FF2B5EF4-FFF2-40B4-BE49-F238E27FC236}">
-                <a16:creationId xmlns:a16="http://schemas.microsoft.com/office/drawing/2014/main" id="{8F5F9B53-68F9-E952-5F36-7C5271D6A579}"/>
-              </a:ext>
-            </a:extLst>
-          </p:cNvPr>
-          <p:cNvSpPr>
-            <a:spLocks noGrp="1" noRot="1" noChangeAspect="1"/>
-          </p:cNvSpPr>
-          <p:nvPr>
-            <p:ph type="sldImg" idx="2"/>
-          </p:nvPr>
-        </p:nvSpPr>
-        <p:spPr>
-          <a:xfrm>
-            <a:off x="381000" y="685800"/>
-            <a:ext cx="6096000" cy="3429000"/>
-          </a:xfrm>
-          <a:custGeom>
-            <a:avLst/>
-            <a:gdLst/>
-            <a:ahLst/>
-            <a:cxnLst/>
-            <a:rect l="l" t="t" r="r" b="b"/>
-            <a:pathLst>
-              <a:path w="120000" h="120000" extrusionOk="0">
-                <a:moveTo>
-                  <a:pt x="0" y="0"/>
-                </a:moveTo>
-                <a:lnTo>
-                  <a:pt x="120000" y="0"/>
-                </a:lnTo>
-                <a:lnTo>
-                  <a:pt x="120000" y="120000"/>
-                </a:lnTo>
-                <a:lnTo>
-                  <a:pt x="0" y="120000"/>
-                </a:lnTo>
-                <a:close/>
-              </a:path>
-            </a:pathLst>
-          </a:custGeom>
-          <a:noFill/>
-          <a:ln w="9525" cap="flat" cmpd="sng">
-            <a:solidFill>
-              <a:srgbClr val="000000"/>
-            </a:solidFill>
-            <a:prstDash val="solid"/>
-            <a:round/>
-            <a:headEnd type="none" w="sm" len="sm"/>
-            <a:tailEnd type="none" w="sm" len="sm"/>
-          </a:ln>
-        </p:spPr>
-      </p:sp>
-      <p:sp>
-        <p:nvSpPr>
-          <p:cNvPr id="1291" name="Google Shape;1291;p112:notes">
-            <a:extLst>
-              <a:ext uri="{FF2B5EF4-FFF2-40B4-BE49-F238E27FC236}">
-                <a16:creationId xmlns:a16="http://schemas.microsoft.com/office/drawing/2014/main" id="{421B0302-19B4-B726-9AB9-1D8A7A804003}"/>
-              </a:ext>
-            </a:extLst>
-          </p:cNvPr>
-          <p:cNvSpPr txBox="1">
-            <a:spLocks noGrp="1"/>
-          </p:cNvSpPr>
-          <p:nvPr>
-            <p:ph type="body" idx="1"/>
-          </p:nvPr>
-        </p:nvSpPr>
-        <p:spPr>
-          <a:xfrm>
-            <a:off x="685800" y="4343400"/>
-            <a:ext cx="5486400" cy="4114800"/>
-          </a:xfrm>
-          <a:prstGeom prst="rect">
-            <a:avLst/>
-          </a:prstGeom>
-          <a:noFill/>
-          <a:ln>
-            <a:noFill/>
-          </a:ln>
-        </p:spPr>
-        <p:txBody>
-          <a:bodyPr spcFirstLastPara="1" wrap="square" lIns="91425" tIns="91425" rIns="91425" bIns="91425" anchor="t" anchorCtr="0">
-            <a:noAutofit/>
-          </a:bodyPr>
-          <a:lstStyle/>
-          <a:p>
-            <a:pPr marL="158750" lvl="0" indent="0" algn="l" rtl="0">
-              <a:lnSpc>
-                <a:spcPct val="100000"/>
-              </a:lnSpc>
-              <a:spcBef>
-                <a:spcPts val="0"/>
-              </a:spcBef>
-              <a:spcAft>
-                <a:spcPts val="0"/>
-              </a:spcAft>
-              <a:buSzPts val="1100"/>
-              <a:buNone/>
-            </a:pPr>
-            <a:endParaRPr dirty="0"/>
-          </a:p>
-        </p:txBody>
-      </p:sp>
-    </p:spTree>
-    <p:extLst>
-      <p:ext uri="{BB962C8B-B14F-4D97-AF65-F5344CB8AC3E}">
-        <p14:creationId xmlns:p14="http://schemas.microsoft.com/office/powerpoint/2010/main" val="2988125961"/>
-      </p:ext>
-    </p:extLst>
-  </p:cSld>
-  <p:clrMapOvr>
-    <a:masterClrMapping/>
-  </p:clrMapOvr>
-</p:notes>
-</file>
-
-<file path=ppt/notesSlides/notesSlide14.xml><?xml version="1.0" encoding="utf-8"?>
-<p:notes xmlns:a="http://schemas.openxmlformats.org/drawingml/2006/main" xmlns:r="http://schemas.openxmlformats.org/officeDocument/2006/relationships" xmlns:p="http://schemas.openxmlformats.org/presentationml/2006/main" showMasterSp="0" showMasterPhAnim="0">
-  <p:cSld>
-    <p:spTree>
-      <p:nvGrpSpPr>
-        <p:cNvPr id="1" name="Shape 1289">
-          <a:extLst>
-            <a:ext uri="{FF2B5EF4-FFF2-40B4-BE49-F238E27FC236}">
               <a16:creationId xmlns:a16="http://schemas.microsoft.com/office/drawing/2014/main" id="{39584D02-F340-F70C-01CF-B21625C558FF}"/>
             </a:ext>
           </a:extLst>
@@ -1554,7 +1408,7 @@
 </p:notes>
 </file>
 
-<file path=ppt/notesSlides/notesSlide15.xml><?xml version="1.0" encoding="utf-8"?>
+<file path=ppt/notesSlides/notesSlide14.xml><?xml version="1.0" encoding="utf-8"?>
 <p:notes xmlns:a="http://schemas.openxmlformats.org/drawingml/2006/main" xmlns:r="http://schemas.openxmlformats.org/officeDocument/2006/relationships" xmlns:p="http://schemas.openxmlformats.org/presentationml/2006/main" showMasterSp="0" showMasterPhAnim="0">
   <p:cSld>
     <p:spTree>
@@ -1699,7 +1553,7 @@
 </p:notes>
 </file>
 
-<file path=ppt/notesSlides/notesSlide16.xml><?xml version="1.0" encoding="utf-8"?>
+<file path=ppt/notesSlides/notesSlide15.xml><?xml version="1.0" encoding="utf-8"?>
 <p:notes xmlns:a="http://schemas.openxmlformats.org/drawingml/2006/main" xmlns:r="http://schemas.openxmlformats.org/officeDocument/2006/relationships" xmlns:p="http://schemas.openxmlformats.org/presentationml/2006/main" showMasterSp="0" showMasterPhAnim="0">
   <p:cSld>
     <p:spTree>
@@ -1844,7 +1698,7 @@
 </p:notes>
 </file>
 
-<file path=ppt/notesSlides/notesSlide17.xml><?xml version="1.0" encoding="utf-8"?>
+<file path=ppt/notesSlides/notesSlide16.xml><?xml version="1.0" encoding="utf-8"?>
 <p:notes xmlns:a="http://schemas.openxmlformats.org/drawingml/2006/main" xmlns:r="http://schemas.openxmlformats.org/officeDocument/2006/relationships" xmlns:p="http://schemas.openxmlformats.org/presentationml/2006/main" showMasterSp="0" showMasterPhAnim="0">
   <p:cSld>
     <p:spTree>
@@ -1989,7 +1843,7 @@
 </p:notes>
 </file>
 
-<file path=ppt/notesSlides/notesSlide18.xml><?xml version="1.0" encoding="utf-8"?>
+<file path=ppt/notesSlides/notesSlide17.xml><?xml version="1.0" encoding="utf-8"?>
 <p:notes xmlns:a="http://schemas.openxmlformats.org/drawingml/2006/main" xmlns:r="http://schemas.openxmlformats.org/officeDocument/2006/relationships" xmlns:p="http://schemas.openxmlformats.org/presentationml/2006/main">
   <p:cSld>
     <p:spTree>
@@ -2073,7 +1927,7 @@
 </p:notes>
 </file>
 
-<file path=ppt/notesSlides/notesSlide19.xml><?xml version="1.0" encoding="utf-8"?>
+<file path=ppt/notesSlides/notesSlide18.xml><?xml version="1.0" encoding="utf-8"?>
 <p:notes xmlns:a="http://schemas.openxmlformats.org/drawingml/2006/main" xmlns:r="http://schemas.openxmlformats.org/officeDocument/2006/relationships" xmlns:p="http://schemas.openxmlformats.org/presentationml/2006/main" showMasterSp="0" showMasterPhAnim="0">
   <p:cSld>
     <p:spTree>
@@ -2218,221 +2072,7 @@
 </p:notes>
 </file>
 
-<file path=ppt/notesSlides/notesSlide2.xml><?xml version="1.0" encoding="utf-8"?>
-<p:notes xmlns:a="http://schemas.openxmlformats.org/drawingml/2006/main" xmlns:r="http://schemas.openxmlformats.org/officeDocument/2006/relationships" xmlns:p="http://schemas.openxmlformats.org/presentationml/2006/main" showMasterSp="0" showMasterPhAnim="0">
-  <p:cSld>
-    <p:spTree>
-      <p:nvGrpSpPr>
-        <p:cNvPr id="1" name="Shape 229"/>
-        <p:cNvGrpSpPr/>
-        <p:nvPr/>
-      </p:nvGrpSpPr>
-      <p:grpSpPr>
-        <a:xfrm>
-          <a:off x="0" y="0"/>
-          <a:ext cx="0" cy="0"/>
-          <a:chOff x="0" y="0"/>
-          <a:chExt cx="0" cy="0"/>
-        </a:xfrm>
-      </p:grpSpPr>
-      <p:sp>
-        <p:nvSpPr>
-          <p:cNvPr id="230" name="Google Shape;230;p2:notes"/>
-          <p:cNvSpPr>
-            <a:spLocks noGrp="1" noRot="1" noChangeAspect="1"/>
-          </p:cNvSpPr>
-          <p:nvPr>
-            <p:ph type="sldImg" idx="2"/>
-          </p:nvPr>
-        </p:nvSpPr>
-        <p:spPr>
-          <a:xfrm>
-            <a:off x="381000" y="685800"/>
-            <a:ext cx="6096000" cy="3429000"/>
-          </a:xfrm>
-          <a:custGeom>
-            <a:avLst/>
-            <a:gdLst/>
-            <a:ahLst/>
-            <a:cxnLst/>
-            <a:rect l="l" t="t" r="r" b="b"/>
-            <a:pathLst>
-              <a:path w="120000" h="120000" extrusionOk="0">
-                <a:moveTo>
-                  <a:pt x="0" y="0"/>
-                </a:moveTo>
-                <a:lnTo>
-                  <a:pt x="120000" y="0"/>
-                </a:lnTo>
-                <a:lnTo>
-                  <a:pt x="120000" y="120000"/>
-                </a:lnTo>
-                <a:lnTo>
-                  <a:pt x="0" y="120000"/>
-                </a:lnTo>
-                <a:close/>
-              </a:path>
-            </a:pathLst>
-          </a:custGeom>
-          <a:noFill/>
-          <a:ln w="9525" cap="flat" cmpd="sng">
-            <a:solidFill>
-              <a:srgbClr val="000000"/>
-            </a:solidFill>
-            <a:prstDash val="solid"/>
-            <a:round/>
-            <a:headEnd type="none" w="sm" len="sm"/>
-            <a:tailEnd type="none" w="sm" len="sm"/>
-          </a:ln>
-        </p:spPr>
-      </p:sp>
-      <p:sp>
-        <p:nvSpPr>
-          <p:cNvPr id="231" name="Google Shape;231;p2:notes"/>
-          <p:cNvSpPr txBox="1">
-            <a:spLocks noGrp="1"/>
-          </p:cNvSpPr>
-          <p:nvPr>
-            <p:ph type="body" idx="1"/>
-          </p:nvPr>
-        </p:nvSpPr>
-        <p:spPr>
-          <a:xfrm>
-            <a:off x="685800" y="4343400"/>
-            <a:ext cx="5486400" cy="4114800"/>
-          </a:xfrm>
-          <a:prstGeom prst="rect">
-            <a:avLst/>
-          </a:prstGeom>
-          <a:noFill/>
-          <a:ln>
-            <a:noFill/>
-          </a:ln>
-        </p:spPr>
-        <p:txBody>
-          <a:bodyPr spcFirstLastPara="1" wrap="square" lIns="91425" tIns="91425" rIns="91425" bIns="91425" anchor="t" anchorCtr="0">
-            <a:noAutofit/>
-          </a:bodyPr>
-          <a:lstStyle/>
-          <a:p>
-            <a:pPr marL="0" lvl="0" indent="0" algn="l" rtl="0">
-              <a:lnSpc>
-                <a:spcPct val="100000"/>
-              </a:lnSpc>
-              <a:spcBef>
-                <a:spcPts val="0"/>
-              </a:spcBef>
-              <a:spcAft>
-                <a:spcPts val="0"/>
-              </a:spcAft>
-              <a:buSzPts val="1100"/>
-              <a:buNone/>
-            </a:pPr>
-            <a:r>
-              <a:rPr lang="en-US" sz="1200" dirty="0">
-                <a:solidFill>
-                  <a:srgbClr val="404040"/>
-                </a:solidFill>
-                <a:latin typeface="Calibri"/>
-                <a:ea typeface="Calibri"/>
-                <a:cs typeface="Calibri"/>
-                <a:sym typeface="Calibri"/>
-              </a:rPr>
-              <a:t>After introducing self, have students introduce themselves:</a:t>
-            </a:r>
-          </a:p>
-          <a:p>
-            <a:pPr marL="228600" lvl="0" indent="-228600" algn="l" rtl="0">
-              <a:lnSpc>
-                <a:spcPct val="100000"/>
-              </a:lnSpc>
-              <a:spcBef>
-                <a:spcPts val="0"/>
-              </a:spcBef>
-              <a:spcAft>
-                <a:spcPts val="0"/>
-              </a:spcAft>
-              <a:buSzPts val="1100"/>
-              <a:buAutoNum type="arabicPeriod"/>
-            </a:pPr>
-            <a:r>
-              <a:rPr lang="en-US" sz="1200" dirty="0">
-                <a:solidFill>
-                  <a:srgbClr val="404040"/>
-                </a:solidFill>
-                <a:latin typeface="Calibri"/>
-                <a:ea typeface="Calibri"/>
-                <a:cs typeface="Calibri"/>
-                <a:sym typeface="Calibri"/>
-              </a:rPr>
-              <a:t>Name?</a:t>
-            </a:r>
-          </a:p>
-          <a:p>
-            <a:pPr marL="228600" lvl="0" indent="-228600" algn="l" rtl="0">
-              <a:lnSpc>
-                <a:spcPct val="100000"/>
-              </a:lnSpc>
-              <a:spcBef>
-                <a:spcPts val="0"/>
-              </a:spcBef>
-              <a:spcAft>
-                <a:spcPts val="0"/>
-              </a:spcAft>
-              <a:buSzPts val="1100"/>
-              <a:buAutoNum type="arabicPeriod"/>
-            </a:pPr>
-            <a:r>
-              <a:rPr lang="en-US" sz="1200" dirty="0">
-                <a:solidFill>
-                  <a:srgbClr val="404040"/>
-                </a:solidFill>
-                <a:latin typeface="Calibri"/>
-                <a:ea typeface="Calibri"/>
-                <a:cs typeface="Calibri"/>
-                <a:sym typeface="Calibri"/>
-              </a:rPr>
-              <a:t>How long with the company?</a:t>
-            </a:r>
-          </a:p>
-          <a:p>
-            <a:pPr marL="228600" lvl="0" indent="-228600" algn="l" rtl="0">
-              <a:lnSpc>
-                <a:spcPct val="100000"/>
-              </a:lnSpc>
-              <a:spcBef>
-                <a:spcPts val="0"/>
-              </a:spcBef>
-              <a:spcAft>
-                <a:spcPts val="0"/>
-              </a:spcAft>
-              <a:buSzPts val="1100"/>
-              <a:buAutoNum type="arabicPeriod"/>
-            </a:pPr>
-            <a:r>
-              <a:rPr lang="en-US" sz="1200" dirty="0">
-                <a:solidFill>
-                  <a:srgbClr val="404040"/>
-                </a:solidFill>
-                <a:latin typeface="Calibri"/>
-                <a:ea typeface="Calibri"/>
-                <a:cs typeface="Calibri"/>
-                <a:sym typeface="Calibri"/>
-              </a:rPr>
-              <a:t>What are you hoping to come away from this training having gained in terms of knowledge and/or information that you can take back with you to your teams and your day-to-day role?</a:t>
-            </a:r>
-          </a:p>
-        </p:txBody>
-      </p:sp>
-    </p:spTree>
-  </p:cSld>
-  <p:clrMapOvr>
-    <a:masterClrMapping/>
-  </p:clrMapOvr>
-</p:notes>
-</file>
-
-<file path=ppt/notesSlides/notesSlide20.xml><?xml version="1.0" encoding="utf-8"?>
+<file path=ppt/notesSlides/notesSlide19.xml><?xml version="1.0" encoding="utf-8"?>
 <p:notes xmlns:a="http://schemas.openxmlformats.org/drawingml/2006/main" xmlns:r="http://schemas.openxmlformats.org/officeDocument/2006/relationships" xmlns:p="http://schemas.openxmlformats.org/presentationml/2006/main" showMasterSp="0" showMasterPhAnim="0">
   <p:cSld>
     <p:spTree>
@@ -2577,7 +2217,221 @@
 </p:notes>
 </file>
 
-<file path=ppt/notesSlides/notesSlide21.xml><?xml version="1.0" encoding="utf-8"?>
+<file path=ppt/notesSlides/notesSlide2.xml><?xml version="1.0" encoding="utf-8"?>
+<p:notes xmlns:a="http://schemas.openxmlformats.org/drawingml/2006/main" xmlns:r="http://schemas.openxmlformats.org/officeDocument/2006/relationships" xmlns:p="http://schemas.openxmlformats.org/presentationml/2006/main" showMasterSp="0" showMasterPhAnim="0">
+  <p:cSld>
+    <p:spTree>
+      <p:nvGrpSpPr>
+        <p:cNvPr id="1" name="Shape 229"/>
+        <p:cNvGrpSpPr/>
+        <p:nvPr/>
+      </p:nvGrpSpPr>
+      <p:grpSpPr>
+        <a:xfrm>
+          <a:off x="0" y="0"/>
+          <a:ext cx="0" cy="0"/>
+          <a:chOff x="0" y="0"/>
+          <a:chExt cx="0" cy="0"/>
+        </a:xfrm>
+      </p:grpSpPr>
+      <p:sp>
+        <p:nvSpPr>
+          <p:cNvPr id="230" name="Google Shape;230;p2:notes"/>
+          <p:cNvSpPr>
+            <a:spLocks noGrp="1" noRot="1" noChangeAspect="1"/>
+          </p:cNvSpPr>
+          <p:nvPr>
+            <p:ph type="sldImg" idx="2"/>
+          </p:nvPr>
+        </p:nvSpPr>
+        <p:spPr>
+          <a:xfrm>
+            <a:off x="381000" y="685800"/>
+            <a:ext cx="6096000" cy="3429000"/>
+          </a:xfrm>
+          <a:custGeom>
+            <a:avLst/>
+            <a:gdLst/>
+            <a:ahLst/>
+            <a:cxnLst/>
+            <a:rect l="l" t="t" r="r" b="b"/>
+            <a:pathLst>
+              <a:path w="120000" h="120000" extrusionOk="0">
+                <a:moveTo>
+                  <a:pt x="0" y="0"/>
+                </a:moveTo>
+                <a:lnTo>
+                  <a:pt x="120000" y="0"/>
+                </a:lnTo>
+                <a:lnTo>
+                  <a:pt x="120000" y="120000"/>
+                </a:lnTo>
+                <a:lnTo>
+                  <a:pt x="0" y="120000"/>
+                </a:lnTo>
+                <a:close/>
+              </a:path>
+            </a:pathLst>
+          </a:custGeom>
+          <a:noFill/>
+          <a:ln w="9525" cap="flat" cmpd="sng">
+            <a:solidFill>
+              <a:srgbClr val="000000"/>
+            </a:solidFill>
+            <a:prstDash val="solid"/>
+            <a:round/>
+            <a:headEnd type="none" w="sm" len="sm"/>
+            <a:tailEnd type="none" w="sm" len="sm"/>
+          </a:ln>
+        </p:spPr>
+      </p:sp>
+      <p:sp>
+        <p:nvSpPr>
+          <p:cNvPr id="231" name="Google Shape;231;p2:notes"/>
+          <p:cNvSpPr txBox="1">
+            <a:spLocks noGrp="1"/>
+          </p:cNvSpPr>
+          <p:nvPr>
+            <p:ph type="body" idx="1"/>
+          </p:nvPr>
+        </p:nvSpPr>
+        <p:spPr>
+          <a:xfrm>
+            <a:off x="685800" y="4343400"/>
+            <a:ext cx="5486400" cy="4114800"/>
+          </a:xfrm>
+          <a:prstGeom prst="rect">
+            <a:avLst/>
+          </a:prstGeom>
+          <a:noFill/>
+          <a:ln>
+            <a:noFill/>
+          </a:ln>
+        </p:spPr>
+        <p:txBody>
+          <a:bodyPr spcFirstLastPara="1" wrap="square" lIns="91425" tIns="91425" rIns="91425" bIns="91425" anchor="t" anchorCtr="0">
+            <a:noAutofit/>
+          </a:bodyPr>
+          <a:lstStyle/>
+          <a:p>
+            <a:pPr marL="0" lvl="0" indent="0" algn="l" rtl="0">
+              <a:lnSpc>
+                <a:spcPct val="100000"/>
+              </a:lnSpc>
+              <a:spcBef>
+                <a:spcPts val="0"/>
+              </a:spcBef>
+              <a:spcAft>
+                <a:spcPts val="0"/>
+              </a:spcAft>
+              <a:buSzPts val="1100"/>
+              <a:buNone/>
+            </a:pPr>
+            <a:r>
+              <a:rPr lang="en-US" sz="1200" dirty="0">
+                <a:solidFill>
+                  <a:srgbClr val="404040"/>
+                </a:solidFill>
+                <a:latin typeface="Calibri"/>
+                <a:ea typeface="Calibri"/>
+                <a:cs typeface="Calibri"/>
+                <a:sym typeface="Calibri"/>
+              </a:rPr>
+              <a:t>After introducing self, have students introduce themselves:</a:t>
+            </a:r>
+          </a:p>
+          <a:p>
+            <a:pPr marL="228600" lvl="0" indent="-228600" algn="l" rtl="0">
+              <a:lnSpc>
+                <a:spcPct val="100000"/>
+              </a:lnSpc>
+              <a:spcBef>
+                <a:spcPts val="0"/>
+              </a:spcBef>
+              <a:spcAft>
+                <a:spcPts val="0"/>
+              </a:spcAft>
+              <a:buSzPts val="1100"/>
+              <a:buAutoNum type="arabicPeriod"/>
+            </a:pPr>
+            <a:r>
+              <a:rPr lang="en-US" sz="1200" dirty="0">
+                <a:solidFill>
+                  <a:srgbClr val="404040"/>
+                </a:solidFill>
+                <a:latin typeface="Calibri"/>
+                <a:ea typeface="Calibri"/>
+                <a:cs typeface="Calibri"/>
+                <a:sym typeface="Calibri"/>
+              </a:rPr>
+              <a:t>Name?</a:t>
+            </a:r>
+          </a:p>
+          <a:p>
+            <a:pPr marL="228600" lvl="0" indent="-228600" algn="l" rtl="0">
+              <a:lnSpc>
+                <a:spcPct val="100000"/>
+              </a:lnSpc>
+              <a:spcBef>
+                <a:spcPts val="0"/>
+              </a:spcBef>
+              <a:spcAft>
+                <a:spcPts val="0"/>
+              </a:spcAft>
+              <a:buSzPts val="1100"/>
+              <a:buAutoNum type="arabicPeriod"/>
+            </a:pPr>
+            <a:r>
+              <a:rPr lang="en-US" sz="1200" dirty="0">
+                <a:solidFill>
+                  <a:srgbClr val="404040"/>
+                </a:solidFill>
+                <a:latin typeface="Calibri"/>
+                <a:ea typeface="Calibri"/>
+                <a:cs typeface="Calibri"/>
+                <a:sym typeface="Calibri"/>
+              </a:rPr>
+              <a:t>How long with the company?</a:t>
+            </a:r>
+          </a:p>
+          <a:p>
+            <a:pPr marL="228600" lvl="0" indent="-228600" algn="l" rtl="0">
+              <a:lnSpc>
+                <a:spcPct val="100000"/>
+              </a:lnSpc>
+              <a:spcBef>
+                <a:spcPts val="0"/>
+              </a:spcBef>
+              <a:spcAft>
+                <a:spcPts val="0"/>
+              </a:spcAft>
+              <a:buSzPts val="1100"/>
+              <a:buAutoNum type="arabicPeriod"/>
+            </a:pPr>
+            <a:r>
+              <a:rPr lang="en-US" sz="1200" dirty="0">
+                <a:solidFill>
+                  <a:srgbClr val="404040"/>
+                </a:solidFill>
+                <a:latin typeface="Calibri"/>
+                <a:ea typeface="Calibri"/>
+                <a:cs typeface="Calibri"/>
+                <a:sym typeface="Calibri"/>
+              </a:rPr>
+              <a:t>What are you hoping to come away from this training having gained in terms of knowledge and/or information that you can take back with you to your teams and your day-to-day role?</a:t>
+            </a:r>
+          </a:p>
+        </p:txBody>
+      </p:sp>
+    </p:spTree>
+  </p:cSld>
+  <p:clrMapOvr>
+    <a:masterClrMapping/>
+  </p:clrMapOvr>
+</p:notes>
+</file>
+
+<file path=ppt/notesSlides/notesSlide20.xml><?xml version="1.0" encoding="utf-8"?>
 <p:notes xmlns:a="http://schemas.openxmlformats.org/drawingml/2006/main" xmlns:r="http://schemas.openxmlformats.org/officeDocument/2006/relationships" xmlns:p="http://schemas.openxmlformats.org/presentationml/2006/main" showMasterSp="0" showMasterPhAnim="0">
   <p:cSld>
     <p:spTree>
@@ -2722,7 +2576,7 @@
 </p:notes>
 </file>
 
-<file path=ppt/notesSlides/notesSlide22.xml><?xml version="1.0" encoding="utf-8"?>
+<file path=ppt/notesSlides/notesSlide21.xml><?xml version="1.0" encoding="utf-8"?>
 <p:notes xmlns:a="http://schemas.openxmlformats.org/drawingml/2006/main" xmlns:r="http://schemas.openxmlformats.org/officeDocument/2006/relationships" xmlns:p="http://schemas.openxmlformats.org/presentationml/2006/main" showMasterSp="0" showMasterPhAnim="0">
   <p:cSld>
     <p:spTree>
@@ -2867,7 +2721,7 @@
 </p:notes>
 </file>
 
-<file path=ppt/notesSlides/notesSlide23.xml><?xml version="1.0" encoding="utf-8"?>
+<file path=ppt/notesSlides/notesSlide22.xml><?xml version="1.0" encoding="utf-8"?>
 <p:notes xmlns:a="http://schemas.openxmlformats.org/drawingml/2006/main" xmlns:r="http://schemas.openxmlformats.org/officeDocument/2006/relationships" xmlns:p="http://schemas.openxmlformats.org/presentationml/2006/main" showMasterSp="0" showMasterPhAnim="0">
   <p:cSld>
     <p:spTree>
@@ -21272,277 +21126,6 @@
         <p:cNvPr id="1" name="Shape 1292">
           <a:extLst>
             <a:ext uri="{FF2B5EF4-FFF2-40B4-BE49-F238E27FC236}">
-              <a16:creationId xmlns:a16="http://schemas.microsoft.com/office/drawing/2014/main" id="{72D26F30-0A27-7875-2979-AA01BB08090F}"/>
-            </a:ext>
-          </a:extLst>
-        </p:cNvPr>
-        <p:cNvGrpSpPr/>
-        <p:nvPr/>
-      </p:nvGrpSpPr>
-      <p:grpSpPr>
-        <a:xfrm>
-          <a:off x="0" y="0"/>
-          <a:ext cx="0" cy="0"/>
-          <a:chOff x="0" y="0"/>
-          <a:chExt cx="0" cy="0"/>
-        </a:xfrm>
-      </p:grpSpPr>
-      <p:sp>
-        <p:nvSpPr>
-          <p:cNvPr id="1293" name="Google Shape;1293;p112">
-            <a:extLst>
-              <a:ext uri="{FF2B5EF4-FFF2-40B4-BE49-F238E27FC236}">
-                <a16:creationId xmlns:a16="http://schemas.microsoft.com/office/drawing/2014/main" id="{E5CAC48E-6CBB-207E-8047-FD35D7CD80D3}"/>
-              </a:ext>
-            </a:extLst>
-          </p:cNvPr>
-          <p:cNvSpPr txBox="1">
-            <a:spLocks noGrp="1"/>
-          </p:cNvSpPr>
-          <p:nvPr>
-            <p:ph type="title"/>
-          </p:nvPr>
-        </p:nvSpPr>
-        <p:spPr>
-          <a:xfrm>
-            <a:off x="256575" y="2094950"/>
-            <a:ext cx="2382000" cy="523200"/>
-          </a:xfrm>
-          <a:prstGeom prst="rect">
-            <a:avLst/>
-          </a:prstGeom>
-          <a:noFill/>
-          <a:ln>
-            <a:noFill/>
-          </a:ln>
-        </p:spPr>
-        <p:txBody>
-          <a:bodyPr spcFirstLastPara="1" wrap="square" lIns="45700" tIns="45700" rIns="45700" bIns="45700" anchor="b" anchorCtr="0">
-            <a:noAutofit/>
-          </a:bodyPr>
-          <a:lstStyle/>
-          <a:p>
-            <a:pPr marL="0" lvl="0" indent="0" algn="r" rtl="0">
-              <a:lnSpc>
-                <a:spcPct val="90000"/>
-              </a:lnSpc>
-              <a:spcBef>
-                <a:spcPts val="0"/>
-              </a:spcBef>
-              <a:spcAft>
-                <a:spcPts val="0"/>
-              </a:spcAft>
-              <a:buClr>
-                <a:schemeClr val="lt1"/>
-              </a:buClr>
-              <a:buSzPts val="1900"/>
-              <a:buNone/>
-            </a:pPr>
-            <a:r>
-              <a:rPr lang="en-US"/>
-              <a:t>LAB:</a:t>
-            </a:r>
-            <a:endParaRPr/>
-          </a:p>
-        </p:txBody>
-      </p:sp>
-      <p:sp>
-        <p:nvSpPr>
-          <p:cNvPr id="1294" name="Google Shape;1294;p112">
-            <a:extLst>
-              <a:ext uri="{FF2B5EF4-FFF2-40B4-BE49-F238E27FC236}">
-                <a16:creationId xmlns:a16="http://schemas.microsoft.com/office/drawing/2014/main" id="{9B0F18D0-8238-2C72-8A59-F2F1CEBDD6A8}"/>
-              </a:ext>
-            </a:extLst>
-          </p:cNvPr>
-          <p:cNvSpPr txBox="1">
-            <a:spLocks noGrp="1"/>
-          </p:cNvSpPr>
-          <p:nvPr>
-            <p:ph type="subTitle" idx="2"/>
-          </p:nvPr>
-        </p:nvSpPr>
-        <p:spPr>
-          <a:xfrm>
-            <a:off x="0" y="2607625"/>
-            <a:ext cx="2638525" cy="523200"/>
-          </a:xfrm>
-          <a:prstGeom prst="rect">
-            <a:avLst/>
-          </a:prstGeom>
-          <a:noFill/>
-          <a:ln>
-            <a:noFill/>
-          </a:ln>
-        </p:spPr>
-        <p:txBody>
-          <a:bodyPr spcFirstLastPara="1" wrap="square" lIns="91400" tIns="91400" rIns="91400" bIns="91400" anchor="t" anchorCtr="0">
-            <a:noAutofit/>
-          </a:bodyPr>
-          <a:lstStyle/>
-          <a:p>
-            <a:pPr marL="457200" lvl="0" indent="-228600" algn="r" rtl="0">
-              <a:lnSpc>
-                <a:spcPct val="100000"/>
-              </a:lnSpc>
-              <a:spcBef>
-                <a:spcPts val="0"/>
-              </a:spcBef>
-              <a:spcAft>
-                <a:spcPts val="0"/>
-              </a:spcAft>
-              <a:buSzPts val="2700"/>
-              <a:buNone/>
-            </a:pPr>
-            <a:r>
-              <a:rPr lang="en-US" dirty="0"/>
-              <a:t>Intro to GitLab CI/CD</a:t>
-            </a:r>
-            <a:endParaRPr dirty="0"/>
-          </a:p>
-        </p:txBody>
-      </p:sp>
-      <p:sp>
-        <p:nvSpPr>
-          <p:cNvPr id="1295" name="Google Shape;1295;p112">
-            <a:extLst>
-              <a:ext uri="{FF2B5EF4-FFF2-40B4-BE49-F238E27FC236}">
-                <a16:creationId xmlns:a16="http://schemas.microsoft.com/office/drawing/2014/main" id="{C5C822E0-883C-0E25-A53A-44EAFD90144C}"/>
-              </a:ext>
-            </a:extLst>
-          </p:cNvPr>
-          <p:cNvSpPr txBox="1">
-            <a:spLocks noGrp="1"/>
-          </p:cNvSpPr>
-          <p:nvPr>
-            <p:ph type="sldNum" idx="12"/>
-          </p:nvPr>
-        </p:nvSpPr>
-        <p:spPr>
-          <a:xfrm>
-            <a:off x="8556784" y="4749851"/>
-            <a:ext cx="548700" cy="393600"/>
-          </a:xfrm>
-          <a:prstGeom prst="rect">
-            <a:avLst/>
-          </a:prstGeom>
-          <a:noFill/>
-          <a:ln>
-            <a:noFill/>
-          </a:ln>
-        </p:spPr>
-        <p:txBody>
-          <a:bodyPr spcFirstLastPara="1" wrap="square" lIns="91425" tIns="91425" rIns="91425" bIns="91425" anchor="t" anchorCtr="0">
-            <a:noAutofit/>
-          </a:bodyPr>
-          <a:lstStyle/>
-          <a:p>
-            <a:pPr marL="0" lvl="0" indent="0" algn="r" rtl="0">
-              <a:lnSpc>
-                <a:spcPct val="100000"/>
-              </a:lnSpc>
-              <a:spcBef>
-                <a:spcPts val="0"/>
-              </a:spcBef>
-              <a:spcAft>
-                <a:spcPts val="0"/>
-              </a:spcAft>
-              <a:buSzPts val="1300"/>
-              <a:buNone/>
-            </a:pPr>
-            <a:fld id="{00000000-1234-1234-1234-123412341234}" type="slidenum">
-              <a:rPr lang="en-US"/>
-              <a:t>13</a:t>
-            </a:fld>
-            <a:endParaRPr/>
-          </a:p>
-        </p:txBody>
-      </p:sp>
-      <p:sp>
-        <p:nvSpPr>
-          <p:cNvPr id="1296" name="Google Shape;1296;p112">
-            <a:extLst>
-              <a:ext uri="{FF2B5EF4-FFF2-40B4-BE49-F238E27FC236}">
-                <a16:creationId xmlns:a16="http://schemas.microsoft.com/office/drawing/2014/main" id="{20E398C2-B039-DEDD-879A-23A6B1D291D6}"/>
-              </a:ext>
-            </a:extLst>
-          </p:cNvPr>
-          <p:cNvSpPr txBox="1"/>
-          <p:nvPr/>
-        </p:nvSpPr>
-        <p:spPr>
-          <a:xfrm>
-            <a:off x="4572000" y="2495059"/>
-            <a:ext cx="4572000" cy="246181"/>
-          </a:xfrm>
-          <a:prstGeom prst="rect">
-            <a:avLst/>
-          </a:prstGeom>
-          <a:noFill/>
-          <a:ln>
-            <a:noFill/>
-          </a:ln>
-        </p:spPr>
-        <p:txBody>
-          <a:bodyPr spcFirstLastPara="1" wrap="square" lIns="91425" tIns="45700" rIns="91425" bIns="45700" anchor="t" anchorCtr="0">
-            <a:spAutoFit/>
-          </a:bodyPr>
-          <a:lstStyle/>
-          <a:p>
-            <a:pPr marL="0" marR="0" lvl="0" indent="0" algn="l" rtl="0">
-              <a:lnSpc>
-                <a:spcPct val="100000"/>
-              </a:lnSpc>
-              <a:spcBef>
-                <a:spcPts val="0"/>
-              </a:spcBef>
-              <a:spcAft>
-                <a:spcPts val="0"/>
-              </a:spcAft>
-              <a:buNone/>
-            </a:pPr>
-            <a:r>
-              <a:rPr lang="en-US" sz="1000" b="0" i="0" u="none" strike="noStrike" cap="none" dirty="0">
-                <a:solidFill>
-                  <a:srgbClr val="D4D4D4"/>
-                </a:solidFill>
-                <a:latin typeface="Arial"/>
-                <a:ea typeface="Arial"/>
-                <a:cs typeface="Arial"/>
-                <a:sym typeface="Arial"/>
-                <a:hlinkClick r:id="rId3"/>
-              </a:rPr>
-              <a:t>https://docs.gitlab.com/ee/ci/quick_start/index.html</a:t>
-            </a:r>
-            <a:endParaRPr lang="en-US" sz="1000" dirty="0">
-              <a:solidFill>
-                <a:srgbClr val="D4D4D4"/>
-              </a:solidFill>
-            </a:endParaRPr>
-          </a:p>
-        </p:txBody>
-      </p:sp>
-    </p:spTree>
-    <p:extLst>
-      <p:ext uri="{BB962C8B-B14F-4D97-AF65-F5344CB8AC3E}">
-        <p14:creationId xmlns:p14="http://schemas.microsoft.com/office/powerpoint/2010/main" val="1475406581"/>
-      </p:ext>
-    </p:extLst>
-  </p:cSld>
-  <p:clrMapOvr>
-    <a:masterClrMapping/>
-  </p:clrMapOvr>
-</p:sld>
-</file>
-
-<file path=ppt/slides/slide14.xml><?xml version="1.0" encoding="utf-8"?>
-<p:sld xmlns:a="http://schemas.openxmlformats.org/drawingml/2006/main" xmlns:r="http://schemas.openxmlformats.org/officeDocument/2006/relationships" xmlns:p="http://schemas.openxmlformats.org/presentationml/2006/main">
-  <p:cSld>
-    <p:spTree>
-      <p:nvGrpSpPr>
-        <p:cNvPr id="1" name="Shape 1292">
-          <a:extLst>
-            <a:ext uri="{FF2B5EF4-FFF2-40B4-BE49-F238E27FC236}">
               <a16:creationId xmlns:a16="http://schemas.microsoft.com/office/drawing/2014/main" id="{58BBE948-8FE0-C82D-BE08-89B948D12B97}"/>
             </a:ext>
           </a:extLst>
@@ -21723,7 +21306,7 @@
             </a:pPr>
             <a:fld id="{00000000-1234-1234-1234-123412341234}" type="slidenum">
               <a:rPr lang="en-US"/>
-              <a:t>14</a:t>
+              <a:t>13</a:t>
             </a:fld>
             <a:endParaRPr/>
           </a:p>
@@ -21802,7 +21385,7 @@
 </p:sld>
 </file>
 
-<file path=ppt/slides/slide15.xml><?xml version="1.0" encoding="utf-8"?>
+<file path=ppt/slides/slide14.xml><?xml version="1.0" encoding="utf-8"?>
 <p:sld xmlns:a="http://schemas.openxmlformats.org/drawingml/2006/main" xmlns:r="http://schemas.openxmlformats.org/officeDocument/2006/relationships" xmlns:p="http://schemas.openxmlformats.org/presentationml/2006/main">
   <p:cSld>
     <p:spTree>
@@ -21990,7 +21573,7 @@
             </a:pPr>
             <a:fld id="{00000000-1234-1234-1234-123412341234}" type="slidenum">
               <a:rPr lang="en-US"/>
-              <a:t>15</a:t>
+              <a:t>14</a:t>
             </a:fld>
             <a:endParaRPr/>
           </a:p>
@@ -22069,7 +21652,7 @@
 </p:sld>
 </file>
 
-<file path=ppt/slides/slide16.xml><?xml version="1.0" encoding="utf-8"?>
+<file path=ppt/slides/slide15.xml><?xml version="1.0" encoding="utf-8"?>
 <p:sld xmlns:a="http://schemas.openxmlformats.org/drawingml/2006/main" xmlns:r="http://schemas.openxmlformats.org/officeDocument/2006/relationships" xmlns:p="http://schemas.openxmlformats.org/presentationml/2006/main">
   <p:cSld>
     <p:spTree>
@@ -22257,7 +21840,7 @@
             </a:pPr>
             <a:fld id="{00000000-1234-1234-1234-123412341234}" type="slidenum">
               <a:rPr lang="en-US"/>
-              <a:t>16</a:t>
+              <a:t>15</a:t>
             </a:fld>
             <a:endParaRPr/>
           </a:p>
@@ -22336,7 +21919,7 @@
 </p:sld>
 </file>
 
-<file path=ppt/slides/slide17.xml><?xml version="1.0" encoding="utf-8"?>
+<file path=ppt/slides/slide16.xml><?xml version="1.0" encoding="utf-8"?>
 <p:sld xmlns:a="http://schemas.openxmlformats.org/drawingml/2006/main" xmlns:r="http://schemas.openxmlformats.org/officeDocument/2006/relationships" xmlns:p="http://schemas.openxmlformats.org/presentationml/2006/main">
   <p:cSld>
     <p:spTree>
@@ -22524,7 +22107,7 @@
             </a:pPr>
             <a:fld id="{00000000-1234-1234-1234-123412341234}" type="slidenum">
               <a:rPr lang="en-US"/>
-              <a:t>17</a:t>
+              <a:t>16</a:t>
             </a:fld>
             <a:endParaRPr/>
           </a:p>
@@ -22603,7 +22186,7 @@
 </p:sld>
 </file>
 
-<file path=ppt/slides/slide18.xml><?xml version="1.0" encoding="utf-8"?>
+<file path=ppt/slides/slide17.xml><?xml version="1.0" encoding="utf-8"?>
 <p:sld xmlns:a="http://schemas.openxmlformats.org/drawingml/2006/main" xmlns:r="http://schemas.openxmlformats.org/officeDocument/2006/relationships" xmlns:p="http://schemas.openxmlformats.org/presentationml/2006/main">
   <p:cSld>
     <p:spTree>
@@ -22667,7 +22250,7 @@
 </p:sld>
 </file>
 
-<file path=ppt/slides/slide19.xml><?xml version="1.0" encoding="utf-8"?>
+<file path=ppt/slides/slide18.xml><?xml version="1.0" encoding="utf-8"?>
 <p:sld xmlns:a="http://schemas.openxmlformats.org/drawingml/2006/main" xmlns:r="http://schemas.openxmlformats.org/officeDocument/2006/relationships" xmlns:p="http://schemas.openxmlformats.org/presentationml/2006/main">
   <p:cSld>
     <p:spTree>
@@ -22870,7 +22453,7 @@
             </a:pPr>
             <a:fld id="{00000000-1234-1234-1234-123412341234}" type="slidenum">
               <a:rPr lang="en-US"/>
-              <a:t>19</a:t>
+              <a:t>18</a:t>
             </a:fld>
             <a:endParaRPr/>
           </a:p>
@@ -22940,6 +22523,288 @@
     <p:extLst>
       <p:ext uri="{BB962C8B-B14F-4D97-AF65-F5344CB8AC3E}">
         <p14:creationId xmlns:p14="http://schemas.microsoft.com/office/powerpoint/2010/main" val="1043319213"/>
+      </p:ext>
+    </p:extLst>
+  </p:cSld>
+  <p:clrMapOvr>
+    <a:masterClrMapping/>
+  </p:clrMapOvr>
+</p:sld>
+</file>
+
+<file path=ppt/slides/slide19.xml><?xml version="1.0" encoding="utf-8"?>
+<p:sld xmlns:a="http://schemas.openxmlformats.org/drawingml/2006/main" xmlns:r="http://schemas.openxmlformats.org/officeDocument/2006/relationships" xmlns:p="http://schemas.openxmlformats.org/presentationml/2006/main">
+  <p:cSld>
+    <p:spTree>
+      <p:nvGrpSpPr>
+        <p:cNvPr id="1" name="Shape 1292">
+          <a:extLst>
+            <a:ext uri="{FF2B5EF4-FFF2-40B4-BE49-F238E27FC236}">
+              <a16:creationId xmlns:a16="http://schemas.microsoft.com/office/drawing/2014/main" id="{A3B21A23-8066-AEA7-A672-4A59BF470215}"/>
+            </a:ext>
+          </a:extLst>
+        </p:cNvPr>
+        <p:cNvGrpSpPr/>
+        <p:nvPr/>
+      </p:nvGrpSpPr>
+      <p:grpSpPr>
+        <a:xfrm>
+          <a:off x="0" y="0"/>
+          <a:ext cx="0" cy="0"/>
+          <a:chOff x="0" y="0"/>
+          <a:chExt cx="0" cy="0"/>
+        </a:xfrm>
+      </p:grpSpPr>
+      <p:sp>
+        <p:nvSpPr>
+          <p:cNvPr id="1293" name="Google Shape;1293;p112">
+            <a:extLst>
+              <a:ext uri="{FF2B5EF4-FFF2-40B4-BE49-F238E27FC236}">
+                <a16:creationId xmlns:a16="http://schemas.microsoft.com/office/drawing/2014/main" id="{25AF4826-8B6F-3D15-38E0-A14FB7058D43}"/>
+              </a:ext>
+            </a:extLst>
+          </p:cNvPr>
+          <p:cNvSpPr txBox="1">
+            <a:spLocks noGrp="1"/>
+          </p:cNvSpPr>
+          <p:nvPr>
+            <p:ph type="title"/>
+          </p:nvPr>
+        </p:nvSpPr>
+        <p:spPr>
+          <a:xfrm>
+            <a:off x="256575" y="2094950"/>
+            <a:ext cx="2382000" cy="523200"/>
+          </a:xfrm>
+          <a:prstGeom prst="rect">
+            <a:avLst/>
+          </a:prstGeom>
+          <a:noFill/>
+          <a:ln>
+            <a:noFill/>
+          </a:ln>
+        </p:spPr>
+        <p:txBody>
+          <a:bodyPr spcFirstLastPara="1" wrap="square" lIns="45700" tIns="45700" rIns="45700" bIns="45700" anchor="b" anchorCtr="0">
+            <a:noAutofit/>
+          </a:bodyPr>
+          <a:lstStyle/>
+          <a:p>
+            <a:pPr marL="0" lvl="0" indent="0" algn="r" rtl="0">
+              <a:lnSpc>
+                <a:spcPct val="90000"/>
+              </a:lnSpc>
+              <a:spcBef>
+                <a:spcPts val="0"/>
+              </a:spcBef>
+              <a:spcAft>
+                <a:spcPts val="0"/>
+              </a:spcAft>
+              <a:buClr>
+                <a:schemeClr val="lt1"/>
+              </a:buClr>
+              <a:buSzPts val="1900"/>
+              <a:buNone/>
+            </a:pPr>
+            <a:r>
+              <a:rPr lang="en-US"/>
+              <a:t>LAB:</a:t>
+            </a:r>
+            <a:endParaRPr/>
+          </a:p>
+        </p:txBody>
+      </p:sp>
+      <p:sp>
+        <p:nvSpPr>
+          <p:cNvPr id="1294" name="Google Shape;1294;p112">
+            <a:extLst>
+              <a:ext uri="{FF2B5EF4-FFF2-40B4-BE49-F238E27FC236}">
+                <a16:creationId xmlns:a16="http://schemas.microsoft.com/office/drawing/2014/main" id="{831ADE7B-6788-13D2-4954-27D13DD13113}"/>
+              </a:ext>
+            </a:extLst>
+          </p:cNvPr>
+          <p:cNvSpPr txBox="1">
+            <a:spLocks noGrp="1"/>
+          </p:cNvSpPr>
+          <p:nvPr>
+            <p:ph type="subTitle" idx="2"/>
+          </p:nvPr>
+        </p:nvSpPr>
+        <p:spPr>
+          <a:xfrm>
+            <a:off x="-285134" y="2607625"/>
+            <a:ext cx="2923660" cy="523200"/>
+          </a:xfrm>
+          <a:prstGeom prst="rect">
+            <a:avLst/>
+          </a:prstGeom>
+          <a:noFill/>
+          <a:ln>
+            <a:noFill/>
+          </a:ln>
+        </p:spPr>
+        <p:txBody>
+          <a:bodyPr spcFirstLastPara="1" wrap="square" lIns="91400" tIns="91400" rIns="91400" bIns="91400" anchor="t" anchorCtr="0">
+            <a:noAutofit/>
+          </a:bodyPr>
+          <a:lstStyle/>
+          <a:p>
+            <a:pPr marL="457200" lvl="0" indent="-228600" algn="r" rtl="0">
+              <a:lnSpc>
+                <a:spcPct val="100000"/>
+              </a:lnSpc>
+              <a:spcBef>
+                <a:spcPts val="0"/>
+              </a:spcBef>
+              <a:spcAft>
+                <a:spcPts val="0"/>
+              </a:spcAft>
+              <a:buSzPts val="2700"/>
+              <a:buNone/>
+            </a:pPr>
+            <a:r>
+              <a:rPr lang="en-US" dirty="0"/>
+              <a:t>Merge Request Approval Policy</a:t>
+            </a:r>
+          </a:p>
+          <a:p>
+            <a:pPr marL="457200" lvl="0" indent="-228600" algn="r" rtl="0">
+              <a:lnSpc>
+                <a:spcPct val="100000"/>
+              </a:lnSpc>
+              <a:spcBef>
+                <a:spcPts val="0"/>
+              </a:spcBef>
+              <a:spcAft>
+                <a:spcPts val="0"/>
+              </a:spcAft>
+              <a:buSzPts val="2700"/>
+              <a:buNone/>
+            </a:pPr>
+            <a:endParaRPr dirty="0"/>
+          </a:p>
+        </p:txBody>
+      </p:sp>
+      <p:sp>
+        <p:nvSpPr>
+          <p:cNvPr id="1295" name="Google Shape;1295;p112">
+            <a:extLst>
+              <a:ext uri="{FF2B5EF4-FFF2-40B4-BE49-F238E27FC236}">
+                <a16:creationId xmlns:a16="http://schemas.microsoft.com/office/drawing/2014/main" id="{56F0686A-0CD9-5C9A-367F-9AB8D07629B4}"/>
+              </a:ext>
+            </a:extLst>
+          </p:cNvPr>
+          <p:cNvSpPr txBox="1">
+            <a:spLocks noGrp="1"/>
+          </p:cNvSpPr>
+          <p:nvPr>
+            <p:ph type="sldNum" idx="12"/>
+          </p:nvPr>
+        </p:nvSpPr>
+        <p:spPr>
+          <a:xfrm>
+            <a:off x="8556784" y="4749851"/>
+            <a:ext cx="548700" cy="393600"/>
+          </a:xfrm>
+          <a:prstGeom prst="rect">
+            <a:avLst/>
+          </a:prstGeom>
+          <a:noFill/>
+          <a:ln>
+            <a:noFill/>
+          </a:ln>
+        </p:spPr>
+        <p:txBody>
+          <a:bodyPr spcFirstLastPara="1" wrap="square" lIns="91425" tIns="91425" rIns="91425" bIns="91425" anchor="t" anchorCtr="0">
+            <a:noAutofit/>
+          </a:bodyPr>
+          <a:lstStyle/>
+          <a:p>
+            <a:pPr marL="0" lvl="0" indent="0" algn="r" rtl="0">
+              <a:lnSpc>
+                <a:spcPct val="100000"/>
+              </a:lnSpc>
+              <a:spcBef>
+                <a:spcPts val="0"/>
+              </a:spcBef>
+              <a:spcAft>
+                <a:spcPts val="0"/>
+              </a:spcAft>
+              <a:buSzPts val="1300"/>
+              <a:buNone/>
+            </a:pPr>
+            <a:fld id="{00000000-1234-1234-1234-123412341234}" type="slidenum">
+              <a:rPr lang="en-US"/>
+              <a:t>19</a:t>
+            </a:fld>
+            <a:endParaRPr/>
+          </a:p>
+        </p:txBody>
+      </p:sp>
+      <p:sp>
+        <p:nvSpPr>
+          <p:cNvPr id="1296" name="Google Shape;1296;p112">
+            <a:extLst>
+              <a:ext uri="{FF2B5EF4-FFF2-40B4-BE49-F238E27FC236}">
+                <a16:creationId xmlns:a16="http://schemas.microsoft.com/office/drawing/2014/main" id="{5096546C-D815-58B1-0297-1E11BFFDAA1A}"/>
+              </a:ext>
+            </a:extLst>
+          </p:cNvPr>
+          <p:cNvSpPr txBox="1"/>
+          <p:nvPr/>
+        </p:nvSpPr>
+        <p:spPr>
+          <a:xfrm>
+            <a:off x="4572000" y="2495059"/>
+            <a:ext cx="4572000" cy="246181"/>
+          </a:xfrm>
+          <a:prstGeom prst="rect">
+            <a:avLst/>
+          </a:prstGeom>
+          <a:noFill/>
+          <a:ln>
+            <a:noFill/>
+          </a:ln>
+        </p:spPr>
+        <p:txBody>
+          <a:bodyPr spcFirstLastPara="1" wrap="square" lIns="91425" tIns="45700" rIns="91425" bIns="45700" anchor="t" anchorCtr="0">
+            <a:spAutoFit/>
+          </a:bodyPr>
+          <a:lstStyle/>
+          <a:p>
+            <a:pPr marL="0" marR="0" lvl="0" indent="0" algn="l" rtl="0">
+              <a:lnSpc>
+                <a:spcPct val="100000"/>
+              </a:lnSpc>
+              <a:spcBef>
+                <a:spcPts val="0"/>
+              </a:spcBef>
+              <a:spcAft>
+                <a:spcPts val="0"/>
+              </a:spcAft>
+              <a:buNone/>
+            </a:pPr>
+            <a:r>
+              <a:rPr lang="en-US" sz="1000" dirty="0">
+                <a:solidFill>
+                  <a:srgbClr val="D4D4D4"/>
+                </a:solidFill>
+                <a:hlinkClick r:id="rId3"/>
+              </a:rPr>
+              <a:t>https://docs.gitlab.com/ee/tutorials/scan_result_policy/index.html</a:t>
+            </a:r>
+            <a:endParaRPr lang="en-US" sz="1000" dirty="0">
+              <a:solidFill>
+                <a:srgbClr val="D4D4D4"/>
+              </a:solidFill>
+            </a:endParaRPr>
+          </a:p>
+        </p:txBody>
+      </p:sp>
+    </p:spTree>
+    <p:extLst>
+      <p:ext uri="{BB962C8B-B14F-4D97-AF65-F5344CB8AC3E}">
+        <p14:creationId xmlns:p14="http://schemas.microsoft.com/office/powerpoint/2010/main" val="348853218"/>
       </p:ext>
     </p:extLst>
   </p:cSld>
@@ -23499,288 +23364,6 @@
         <p:cNvPr id="1" name="Shape 1292">
           <a:extLst>
             <a:ext uri="{FF2B5EF4-FFF2-40B4-BE49-F238E27FC236}">
-              <a16:creationId xmlns:a16="http://schemas.microsoft.com/office/drawing/2014/main" id="{A3B21A23-8066-AEA7-A672-4A59BF470215}"/>
-            </a:ext>
-          </a:extLst>
-        </p:cNvPr>
-        <p:cNvGrpSpPr/>
-        <p:nvPr/>
-      </p:nvGrpSpPr>
-      <p:grpSpPr>
-        <a:xfrm>
-          <a:off x="0" y="0"/>
-          <a:ext cx="0" cy="0"/>
-          <a:chOff x="0" y="0"/>
-          <a:chExt cx="0" cy="0"/>
-        </a:xfrm>
-      </p:grpSpPr>
-      <p:sp>
-        <p:nvSpPr>
-          <p:cNvPr id="1293" name="Google Shape;1293;p112">
-            <a:extLst>
-              <a:ext uri="{FF2B5EF4-FFF2-40B4-BE49-F238E27FC236}">
-                <a16:creationId xmlns:a16="http://schemas.microsoft.com/office/drawing/2014/main" id="{25AF4826-8B6F-3D15-38E0-A14FB7058D43}"/>
-              </a:ext>
-            </a:extLst>
-          </p:cNvPr>
-          <p:cNvSpPr txBox="1">
-            <a:spLocks noGrp="1"/>
-          </p:cNvSpPr>
-          <p:nvPr>
-            <p:ph type="title"/>
-          </p:nvPr>
-        </p:nvSpPr>
-        <p:spPr>
-          <a:xfrm>
-            <a:off x="256575" y="2094950"/>
-            <a:ext cx="2382000" cy="523200"/>
-          </a:xfrm>
-          <a:prstGeom prst="rect">
-            <a:avLst/>
-          </a:prstGeom>
-          <a:noFill/>
-          <a:ln>
-            <a:noFill/>
-          </a:ln>
-        </p:spPr>
-        <p:txBody>
-          <a:bodyPr spcFirstLastPara="1" wrap="square" lIns="45700" tIns="45700" rIns="45700" bIns="45700" anchor="b" anchorCtr="0">
-            <a:noAutofit/>
-          </a:bodyPr>
-          <a:lstStyle/>
-          <a:p>
-            <a:pPr marL="0" lvl="0" indent="0" algn="r" rtl="0">
-              <a:lnSpc>
-                <a:spcPct val="90000"/>
-              </a:lnSpc>
-              <a:spcBef>
-                <a:spcPts val="0"/>
-              </a:spcBef>
-              <a:spcAft>
-                <a:spcPts val="0"/>
-              </a:spcAft>
-              <a:buClr>
-                <a:schemeClr val="lt1"/>
-              </a:buClr>
-              <a:buSzPts val="1900"/>
-              <a:buNone/>
-            </a:pPr>
-            <a:r>
-              <a:rPr lang="en-US"/>
-              <a:t>LAB:</a:t>
-            </a:r>
-            <a:endParaRPr/>
-          </a:p>
-        </p:txBody>
-      </p:sp>
-      <p:sp>
-        <p:nvSpPr>
-          <p:cNvPr id="1294" name="Google Shape;1294;p112">
-            <a:extLst>
-              <a:ext uri="{FF2B5EF4-FFF2-40B4-BE49-F238E27FC236}">
-                <a16:creationId xmlns:a16="http://schemas.microsoft.com/office/drawing/2014/main" id="{831ADE7B-6788-13D2-4954-27D13DD13113}"/>
-              </a:ext>
-            </a:extLst>
-          </p:cNvPr>
-          <p:cNvSpPr txBox="1">
-            <a:spLocks noGrp="1"/>
-          </p:cNvSpPr>
-          <p:nvPr>
-            <p:ph type="subTitle" idx="2"/>
-          </p:nvPr>
-        </p:nvSpPr>
-        <p:spPr>
-          <a:xfrm>
-            <a:off x="-285134" y="2607625"/>
-            <a:ext cx="2923660" cy="523200"/>
-          </a:xfrm>
-          <a:prstGeom prst="rect">
-            <a:avLst/>
-          </a:prstGeom>
-          <a:noFill/>
-          <a:ln>
-            <a:noFill/>
-          </a:ln>
-        </p:spPr>
-        <p:txBody>
-          <a:bodyPr spcFirstLastPara="1" wrap="square" lIns="91400" tIns="91400" rIns="91400" bIns="91400" anchor="t" anchorCtr="0">
-            <a:noAutofit/>
-          </a:bodyPr>
-          <a:lstStyle/>
-          <a:p>
-            <a:pPr marL="457200" lvl="0" indent="-228600" algn="r" rtl="0">
-              <a:lnSpc>
-                <a:spcPct val="100000"/>
-              </a:lnSpc>
-              <a:spcBef>
-                <a:spcPts val="0"/>
-              </a:spcBef>
-              <a:spcAft>
-                <a:spcPts val="0"/>
-              </a:spcAft>
-              <a:buSzPts val="2700"/>
-              <a:buNone/>
-            </a:pPr>
-            <a:r>
-              <a:rPr lang="en-US" dirty="0"/>
-              <a:t>Merge Request Approval Policy</a:t>
-            </a:r>
-          </a:p>
-          <a:p>
-            <a:pPr marL="457200" lvl="0" indent="-228600" algn="r" rtl="0">
-              <a:lnSpc>
-                <a:spcPct val="100000"/>
-              </a:lnSpc>
-              <a:spcBef>
-                <a:spcPts val="0"/>
-              </a:spcBef>
-              <a:spcAft>
-                <a:spcPts val="0"/>
-              </a:spcAft>
-              <a:buSzPts val="2700"/>
-              <a:buNone/>
-            </a:pPr>
-            <a:endParaRPr dirty="0"/>
-          </a:p>
-        </p:txBody>
-      </p:sp>
-      <p:sp>
-        <p:nvSpPr>
-          <p:cNvPr id="1295" name="Google Shape;1295;p112">
-            <a:extLst>
-              <a:ext uri="{FF2B5EF4-FFF2-40B4-BE49-F238E27FC236}">
-                <a16:creationId xmlns:a16="http://schemas.microsoft.com/office/drawing/2014/main" id="{56F0686A-0CD9-5C9A-367F-9AB8D07629B4}"/>
-              </a:ext>
-            </a:extLst>
-          </p:cNvPr>
-          <p:cNvSpPr txBox="1">
-            <a:spLocks noGrp="1"/>
-          </p:cNvSpPr>
-          <p:nvPr>
-            <p:ph type="sldNum" idx="12"/>
-          </p:nvPr>
-        </p:nvSpPr>
-        <p:spPr>
-          <a:xfrm>
-            <a:off x="8556784" y="4749851"/>
-            <a:ext cx="548700" cy="393600"/>
-          </a:xfrm>
-          <a:prstGeom prst="rect">
-            <a:avLst/>
-          </a:prstGeom>
-          <a:noFill/>
-          <a:ln>
-            <a:noFill/>
-          </a:ln>
-        </p:spPr>
-        <p:txBody>
-          <a:bodyPr spcFirstLastPara="1" wrap="square" lIns="91425" tIns="91425" rIns="91425" bIns="91425" anchor="t" anchorCtr="0">
-            <a:noAutofit/>
-          </a:bodyPr>
-          <a:lstStyle/>
-          <a:p>
-            <a:pPr marL="0" lvl="0" indent="0" algn="r" rtl="0">
-              <a:lnSpc>
-                <a:spcPct val="100000"/>
-              </a:lnSpc>
-              <a:spcBef>
-                <a:spcPts val="0"/>
-              </a:spcBef>
-              <a:spcAft>
-                <a:spcPts val="0"/>
-              </a:spcAft>
-              <a:buSzPts val="1300"/>
-              <a:buNone/>
-            </a:pPr>
-            <a:fld id="{00000000-1234-1234-1234-123412341234}" type="slidenum">
-              <a:rPr lang="en-US"/>
-              <a:t>20</a:t>
-            </a:fld>
-            <a:endParaRPr/>
-          </a:p>
-        </p:txBody>
-      </p:sp>
-      <p:sp>
-        <p:nvSpPr>
-          <p:cNvPr id="1296" name="Google Shape;1296;p112">
-            <a:extLst>
-              <a:ext uri="{FF2B5EF4-FFF2-40B4-BE49-F238E27FC236}">
-                <a16:creationId xmlns:a16="http://schemas.microsoft.com/office/drawing/2014/main" id="{5096546C-D815-58B1-0297-1E11BFFDAA1A}"/>
-              </a:ext>
-            </a:extLst>
-          </p:cNvPr>
-          <p:cNvSpPr txBox="1"/>
-          <p:nvPr/>
-        </p:nvSpPr>
-        <p:spPr>
-          <a:xfrm>
-            <a:off x="4572000" y="2495059"/>
-            <a:ext cx="4572000" cy="246181"/>
-          </a:xfrm>
-          <a:prstGeom prst="rect">
-            <a:avLst/>
-          </a:prstGeom>
-          <a:noFill/>
-          <a:ln>
-            <a:noFill/>
-          </a:ln>
-        </p:spPr>
-        <p:txBody>
-          <a:bodyPr spcFirstLastPara="1" wrap="square" lIns="91425" tIns="45700" rIns="91425" bIns="45700" anchor="t" anchorCtr="0">
-            <a:spAutoFit/>
-          </a:bodyPr>
-          <a:lstStyle/>
-          <a:p>
-            <a:pPr marL="0" marR="0" lvl="0" indent="0" algn="l" rtl="0">
-              <a:lnSpc>
-                <a:spcPct val="100000"/>
-              </a:lnSpc>
-              <a:spcBef>
-                <a:spcPts val="0"/>
-              </a:spcBef>
-              <a:spcAft>
-                <a:spcPts val="0"/>
-              </a:spcAft>
-              <a:buNone/>
-            </a:pPr>
-            <a:r>
-              <a:rPr lang="en-US" sz="1000" dirty="0">
-                <a:solidFill>
-                  <a:srgbClr val="D4D4D4"/>
-                </a:solidFill>
-                <a:hlinkClick r:id="rId3"/>
-              </a:rPr>
-              <a:t>https://docs.gitlab.com/ee/tutorials/scan_result_policy/index.html</a:t>
-            </a:r>
-            <a:endParaRPr lang="en-US" sz="1000" dirty="0">
-              <a:solidFill>
-                <a:srgbClr val="D4D4D4"/>
-              </a:solidFill>
-            </a:endParaRPr>
-          </a:p>
-        </p:txBody>
-      </p:sp>
-    </p:spTree>
-    <p:extLst>
-      <p:ext uri="{BB962C8B-B14F-4D97-AF65-F5344CB8AC3E}">
-        <p14:creationId xmlns:p14="http://schemas.microsoft.com/office/powerpoint/2010/main" val="348853218"/>
-      </p:ext>
-    </p:extLst>
-  </p:cSld>
-  <p:clrMapOvr>
-    <a:masterClrMapping/>
-  </p:clrMapOvr>
-</p:sld>
-</file>
-
-<file path=ppt/slides/slide21.xml><?xml version="1.0" encoding="utf-8"?>
-<p:sld xmlns:a="http://schemas.openxmlformats.org/drawingml/2006/main" xmlns:r="http://schemas.openxmlformats.org/officeDocument/2006/relationships" xmlns:p="http://schemas.openxmlformats.org/presentationml/2006/main">
-  <p:cSld>
-    <p:spTree>
-      <p:nvGrpSpPr>
-        <p:cNvPr id="1" name="Shape 1292">
-          <a:extLst>
-            <a:ext uri="{FF2B5EF4-FFF2-40B4-BE49-F238E27FC236}">
               <a16:creationId xmlns:a16="http://schemas.microsoft.com/office/drawing/2014/main" id="{C0F9A049-DA8E-1DAA-9560-9F4BC5AE049F}"/>
             </a:ext>
           </a:extLst>
@@ -23976,7 +23559,7 @@
             </a:pPr>
             <a:fld id="{00000000-1234-1234-1234-123412341234}" type="slidenum">
               <a:rPr lang="en-US"/>
-              <a:t>21</a:t>
+              <a:t>20</a:t>
             </a:fld>
             <a:endParaRPr/>
           </a:p>
@@ -24055,7 +23638,7 @@
 </p:sld>
 </file>
 
-<file path=ppt/slides/slide22.xml><?xml version="1.0" encoding="utf-8"?>
+<file path=ppt/slides/slide21.xml><?xml version="1.0" encoding="utf-8"?>
 <p:sld xmlns:a="http://schemas.openxmlformats.org/drawingml/2006/main" xmlns:r="http://schemas.openxmlformats.org/officeDocument/2006/relationships" xmlns:p="http://schemas.openxmlformats.org/presentationml/2006/main">
   <p:cSld>
     <p:spTree>
@@ -24258,7 +23841,7 @@
             </a:pPr>
             <a:fld id="{00000000-1234-1234-1234-123412341234}" type="slidenum">
               <a:rPr lang="en-US"/>
-              <a:t>22</a:t>
+              <a:t>21</a:t>
             </a:fld>
             <a:endParaRPr/>
           </a:p>
@@ -24337,7 +23920,7 @@
 </p:sld>
 </file>
 
-<file path=ppt/slides/slide23.xml><?xml version="1.0" encoding="utf-8"?>
+<file path=ppt/slides/slide22.xml><?xml version="1.0" encoding="utf-8"?>
 <p:sld xmlns:a="http://schemas.openxmlformats.org/drawingml/2006/main" xmlns:r="http://schemas.openxmlformats.org/officeDocument/2006/relationships" xmlns:p="http://schemas.openxmlformats.org/presentationml/2006/main">
   <p:cSld>
     <p:spTree>

--- a/gitlab/slides/GitLab.pptx
+++ b/gitlab/slides/GitLab.pptx
@@ -26,9 +26,9 @@
     <p:sldId id="2147472657" r:id="rId17"/>
     <p:sldId id="2147472658" r:id="rId18"/>
     <p:sldId id="2147472659" r:id="rId19"/>
-    <p:sldId id="2147472660" r:id="rId20"/>
-    <p:sldId id="2147472661" r:id="rId21"/>
-    <p:sldId id="2147472662" r:id="rId22"/>
+    <p:sldId id="2147472661" r:id="rId20"/>
+    <p:sldId id="2147472662" r:id="rId21"/>
+    <p:sldId id="2147472663" r:id="rId22"/>
     <p:sldId id="269" r:id="rId23"/>
   </p:sldIdLst>
   <p:sldSz cx="9144000" cy="5143500" type="screen16x9"/>
@@ -2055,7 +2055,624 @@
               <a:buSzPts val="1100"/>
               <a:buNone/>
             </a:pPr>
-            <a:endParaRPr dirty="0"/>
+            <a:r>
+              <a:rPr lang="en-US" dirty="0"/>
+              <a:t>stages:</a:t>
+            </a:r>
+          </a:p>
+          <a:p>
+            <a:pPr marL="158750" lvl="0" indent="0" algn="l" rtl="0">
+              <a:lnSpc>
+                <a:spcPct val="100000"/>
+              </a:lnSpc>
+              <a:spcBef>
+                <a:spcPts val="0"/>
+              </a:spcBef>
+              <a:spcAft>
+                <a:spcPts val="0"/>
+              </a:spcAft>
+              <a:buSzPts val="1100"/>
+              <a:buNone/>
+            </a:pPr>
+            <a:r>
+              <a:rPr lang="en-US" dirty="0"/>
+              <a:t>- build</a:t>
+            </a:r>
+          </a:p>
+          <a:p>
+            <a:pPr marL="158750" lvl="0" indent="0" algn="l" rtl="0">
+              <a:lnSpc>
+                <a:spcPct val="100000"/>
+              </a:lnSpc>
+              <a:spcBef>
+                <a:spcPts val="0"/>
+              </a:spcBef>
+              <a:spcAft>
+                <a:spcPts val="0"/>
+              </a:spcAft>
+              <a:buSzPts val="1100"/>
+              <a:buNone/>
+            </a:pPr>
+            <a:r>
+              <a:rPr lang="en-US" dirty="0"/>
+              <a:t>- test</a:t>
+            </a:r>
+          </a:p>
+          <a:p>
+            <a:pPr marL="158750" lvl="0" indent="0" algn="l" rtl="0">
+              <a:lnSpc>
+                <a:spcPct val="100000"/>
+              </a:lnSpc>
+              <a:spcBef>
+                <a:spcPts val="0"/>
+              </a:spcBef>
+              <a:spcAft>
+                <a:spcPts val="0"/>
+              </a:spcAft>
+              <a:buSzPts val="1100"/>
+              <a:buNone/>
+            </a:pPr>
+            <a:r>
+              <a:rPr lang="en-US" dirty="0"/>
+              <a:t>- </a:t>
+            </a:r>
+            <a:r>
+              <a:rPr lang="en-US" dirty="0" err="1"/>
+              <a:t>devsecops</a:t>
+            </a:r>
+            <a:endParaRPr lang="en-US" dirty="0"/>
+          </a:p>
+          <a:p>
+            <a:pPr marL="158750" lvl="0" indent="0" algn="l" rtl="0">
+              <a:lnSpc>
+                <a:spcPct val="100000"/>
+              </a:lnSpc>
+              <a:spcBef>
+                <a:spcPts val="0"/>
+              </a:spcBef>
+              <a:spcAft>
+                <a:spcPts val="0"/>
+              </a:spcAft>
+              <a:buSzPts val="1100"/>
+              <a:buNone/>
+            </a:pPr>
+            <a:endParaRPr lang="en-US" dirty="0"/>
+          </a:p>
+          <a:p>
+            <a:pPr marL="158750" lvl="0" indent="0" algn="l" rtl="0">
+              <a:lnSpc>
+                <a:spcPct val="100000"/>
+              </a:lnSpc>
+              <a:spcBef>
+                <a:spcPts val="0"/>
+              </a:spcBef>
+              <a:spcAft>
+                <a:spcPts val="0"/>
+              </a:spcAft>
+              <a:buSzPts val="1100"/>
+              <a:buNone/>
+            </a:pPr>
+            <a:r>
+              <a:rPr lang="en-US" dirty="0"/>
+              <a:t>include:</a:t>
+            </a:r>
+          </a:p>
+          <a:p>
+            <a:pPr marL="158750" lvl="0" indent="0" algn="l" rtl="0">
+              <a:lnSpc>
+                <a:spcPct val="100000"/>
+              </a:lnSpc>
+              <a:spcBef>
+                <a:spcPts val="0"/>
+              </a:spcBef>
+              <a:spcAft>
+                <a:spcPts val="0"/>
+              </a:spcAft>
+              <a:buSzPts val="1100"/>
+              <a:buNone/>
+            </a:pPr>
+            <a:r>
+              <a:rPr lang="en-US" dirty="0"/>
+              <a:t>- template: Jobs/Dependency-</a:t>
+            </a:r>
+            <a:r>
+              <a:rPr lang="en-US" dirty="0" err="1"/>
+              <a:t>Scanning.gitlab</a:t>
+            </a:r>
+            <a:r>
+              <a:rPr lang="en-US" dirty="0"/>
+              <a:t>-</a:t>
+            </a:r>
+            <a:r>
+              <a:rPr lang="en-US" dirty="0" err="1"/>
+              <a:t>ci.yml</a:t>
+            </a:r>
+            <a:endParaRPr lang="en-US" dirty="0"/>
+          </a:p>
+          <a:p>
+            <a:pPr marL="158750" lvl="0" indent="0" algn="l" rtl="0">
+              <a:lnSpc>
+                <a:spcPct val="100000"/>
+              </a:lnSpc>
+              <a:spcBef>
+                <a:spcPts val="0"/>
+              </a:spcBef>
+              <a:spcAft>
+                <a:spcPts val="0"/>
+              </a:spcAft>
+              <a:buSzPts val="1100"/>
+              <a:buNone/>
+            </a:pPr>
+            <a:endParaRPr lang="en-US" dirty="0"/>
+          </a:p>
+          <a:p>
+            <a:pPr marL="158750" lvl="0" indent="0" algn="l" rtl="0">
+              <a:lnSpc>
+                <a:spcPct val="100000"/>
+              </a:lnSpc>
+              <a:spcBef>
+                <a:spcPts val="0"/>
+              </a:spcBef>
+              <a:spcAft>
+                <a:spcPts val="0"/>
+              </a:spcAft>
+              <a:buSzPts val="1100"/>
+              <a:buNone/>
+            </a:pPr>
+            <a:r>
+              <a:rPr lang="en-US" dirty="0"/>
+              <a:t># override the dependency scanning job</a:t>
+            </a:r>
+          </a:p>
+          <a:p>
+            <a:pPr marL="158750" lvl="0" indent="0" algn="l" rtl="0">
+              <a:lnSpc>
+                <a:spcPct val="100000"/>
+              </a:lnSpc>
+              <a:spcBef>
+                <a:spcPts val="0"/>
+              </a:spcBef>
+              <a:spcAft>
+                <a:spcPts val="0"/>
+              </a:spcAft>
+              <a:buSzPts val="1100"/>
+              <a:buNone/>
+            </a:pPr>
+            <a:r>
+              <a:rPr lang="en-US" dirty="0" err="1"/>
+              <a:t>gemnasium-dependency_scanning</a:t>
+            </a:r>
+            <a:r>
+              <a:rPr lang="en-US" dirty="0"/>
+              <a:t>:</a:t>
+            </a:r>
+          </a:p>
+          <a:p>
+            <a:pPr marL="158750" lvl="0" indent="0" algn="l" rtl="0">
+              <a:lnSpc>
+                <a:spcPct val="100000"/>
+              </a:lnSpc>
+              <a:spcBef>
+                <a:spcPts val="0"/>
+              </a:spcBef>
+              <a:spcAft>
+                <a:spcPts val="0"/>
+              </a:spcAft>
+              <a:buSzPts val="1100"/>
+              <a:buNone/>
+            </a:pPr>
+            <a:r>
+              <a:rPr lang="en-US" dirty="0"/>
+              <a:t>  tags: [ saas-linux-large-amd64 ]</a:t>
+            </a:r>
+          </a:p>
+          <a:p>
+            <a:pPr marL="158750" lvl="0" indent="0" algn="l" rtl="0">
+              <a:lnSpc>
+                <a:spcPct val="100000"/>
+              </a:lnSpc>
+              <a:spcBef>
+                <a:spcPts val="0"/>
+              </a:spcBef>
+              <a:spcAft>
+                <a:spcPts val="0"/>
+              </a:spcAft>
+              <a:buSzPts val="1100"/>
+              <a:buNone/>
+            </a:pPr>
+            <a:r>
+              <a:rPr lang="en-US" dirty="0"/>
+              <a:t>  rules:</a:t>
+            </a:r>
+          </a:p>
+          <a:p>
+            <a:pPr marL="158750" lvl="0" indent="0" algn="l" rtl="0">
+              <a:lnSpc>
+                <a:spcPct val="100000"/>
+              </a:lnSpc>
+              <a:spcBef>
+                <a:spcPts val="0"/>
+              </a:spcBef>
+              <a:spcAft>
+                <a:spcPts val="0"/>
+              </a:spcAft>
+              <a:buSzPts val="1100"/>
+              <a:buNone/>
+            </a:pPr>
+            <a:r>
+              <a:rPr lang="en-US" dirty="0"/>
+              <a:t>    - if: $CI_COMMIT_BRANCH == "main"</a:t>
+            </a:r>
+          </a:p>
+          <a:p>
+            <a:pPr marL="158750" lvl="0" indent="0" algn="l" rtl="0">
+              <a:lnSpc>
+                <a:spcPct val="100000"/>
+              </a:lnSpc>
+              <a:spcBef>
+                <a:spcPts val="0"/>
+              </a:spcBef>
+              <a:spcAft>
+                <a:spcPts val="0"/>
+              </a:spcAft>
+              <a:buSzPts val="1100"/>
+              <a:buNone/>
+            </a:pPr>
+            <a:r>
+              <a:rPr lang="en-US" dirty="0"/>
+              <a:t>    - if: $CI_MERGE_REQUEST_IID</a:t>
+            </a:r>
+          </a:p>
+          <a:p>
+            <a:pPr marL="158750" lvl="0" indent="0" algn="l" rtl="0">
+              <a:lnSpc>
+                <a:spcPct val="100000"/>
+              </a:lnSpc>
+              <a:spcBef>
+                <a:spcPts val="0"/>
+              </a:spcBef>
+              <a:spcAft>
+                <a:spcPts val="0"/>
+              </a:spcAft>
+              <a:buSzPts val="1100"/>
+              <a:buNone/>
+            </a:pPr>
+            <a:r>
+              <a:rPr lang="en-US" dirty="0"/>
+              <a:t>  artifacts:</a:t>
+            </a:r>
+          </a:p>
+          <a:p>
+            <a:pPr marL="158750" lvl="0" indent="0" algn="l" rtl="0">
+              <a:lnSpc>
+                <a:spcPct val="100000"/>
+              </a:lnSpc>
+              <a:spcBef>
+                <a:spcPts val="0"/>
+              </a:spcBef>
+              <a:spcAft>
+                <a:spcPts val="0"/>
+              </a:spcAft>
+              <a:buSzPts val="1100"/>
+              <a:buNone/>
+            </a:pPr>
+            <a:r>
+              <a:rPr lang="en-US" dirty="0"/>
+              <a:t>    paths:</a:t>
+            </a:r>
+          </a:p>
+          <a:p>
+            <a:pPr marL="158750" lvl="0" indent="0" algn="l" rtl="0">
+              <a:lnSpc>
+                <a:spcPct val="100000"/>
+              </a:lnSpc>
+              <a:spcBef>
+                <a:spcPts val="0"/>
+              </a:spcBef>
+              <a:spcAft>
+                <a:spcPts val="0"/>
+              </a:spcAft>
+              <a:buSzPts val="1100"/>
+              <a:buNone/>
+            </a:pPr>
+            <a:r>
+              <a:rPr lang="en-US" dirty="0"/>
+              <a:t>      - </a:t>
+            </a:r>
+            <a:r>
+              <a:rPr lang="en-US" dirty="0" err="1"/>
+              <a:t>gl</a:t>
+            </a:r>
+            <a:r>
+              <a:rPr lang="en-US" dirty="0"/>
+              <a:t>-dependency-scanning-</a:t>
+            </a:r>
+            <a:r>
+              <a:rPr lang="en-US" dirty="0" err="1"/>
+              <a:t>report.json</a:t>
+            </a:r>
+            <a:endParaRPr lang="en-US" dirty="0"/>
+          </a:p>
+          <a:p>
+            <a:pPr marL="158750" lvl="0" indent="0" algn="l" rtl="0">
+              <a:lnSpc>
+                <a:spcPct val="100000"/>
+              </a:lnSpc>
+              <a:spcBef>
+                <a:spcPts val="0"/>
+              </a:spcBef>
+              <a:spcAft>
+                <a:spcPts val="0"/>
+              </a:spcAft>
+              <a:buSzPts val="1100"/>
+              <a:buNone/>
+            </a:pPr>
+            <a:r>
+              <a:rPr lang="en-US" dirty="0"/>
+              <a:t>    reports:</a:t>
+            </a:r>
+          </a:p>
+          <a:p>
+            <a:pPr marL="158750" lvl="0" indent="0" algn="l" rtl="0">
+              <a:lnSpc>
+                <a:spcPct val="100000"/>
+              </a:lnSpc>
+              <a:spcBef>
+                <a:spcPts val="0"/>
+              </a:spcBef>
+              <a:spcAft>
+                <a:spcPts val="0"/>
+              </a:spcAft>
+              <a:buSzPts val="1100"/>
+              <a:buNone/>
+            </a:pPr>
+            <a:r>
+              <a:rPr lang="en-US" dirty="0"/>
+              <a:t>      </a:t>
+            </a:r>
+            <a:r>
+              <a:rPr lang="en-US" dirty="0" err="1"/>
+              <a:t>dependency_scanning</a:t>
+            </a:r>
+            <a:r>
+              <a:rPr lang="en-US" dirty="0"/>
+              <a:t>: </a:t>
+            </a:r>
+            <a:r>
+              <a:rPr lang="en-US" dirty="0" err="1"/>
+              <a:t>gl</a:t>
+            </a:r>
+            <a:r>
+              <a:rPr lang="en-US" dirty="0"/>
+              <a:t>-dependency-scanning-</a:t>
+            </a:r>
+            <a:r>
+              <a:rPr lang="en-US" dirty="0" err="1"/>
+              <a:t>report.json</a:t>
+            </a:r>
+            <a:endParaRPr lang="en-US" dirty="0"/>
+          </a:p>
+          <a:p>
+            <a:pPr marL="158750" lvl="0" indent="0" algn="l" rtl="0">
+              <a:lnSpc>
+                <a:spcPct val="100000"/>
+              </a:lnSpc>
+              <a:spcBef>
+                <a:spcPts val="0"/>
+              </a:spcBef>
+              <a:spcAft>
+                <a:spcPts val="0"/>
+              </a:spcAft>
+              <a:buSzPts val="1100"/>
+              <a:buNone/>
+            </a:pPr>
+            <a:endParaRPr lang="en-US" dirty="0"/>
+          </a:p>
+          <a:p>
+            <a:pPr marL="158750" lvl="0" indent="0" algn="l" rtl="0">
+              <a:lnSpc>
+                <a:spcPct val="100000"/>
+              </a:lnSpc>
+              <a:spcBef>
+                <a:spcPts val="0"/>
+              </a:spcBef>
+              <a:spcAft>
+                <a:spcPts val="0"/>
+              </a:spcAft>
+              <a:buSzPts val="1100"/>
+              <a:buNone/>
+            </a:pPr>
+            <a:r>
+              <a:rPr lang="en-US" dirty="0" err="1"/>
+              <a:t>security_gate</a:t>
+            </a:r>
+            <a:r>
+              <a:rPr lang="en-US" dirty="0"/>
+              <a:t>:</a:t>
+            </a:r>
+          </a:p>
+          <a:p>
+            <a:pPr marL="158750" lvl="0" indent="0" algn="l" rtl="0">
+              <a:lnSpc>
+                <a:spcPct val="100000"/>
+              </a:lnSpc>
+              <a:spcBef>
+                <a:spcPts val="0"/>
+              </a:spcBef>
+              <a:spcAft>
+                <a:spcPts val="0"/>
+              </a:spcAft>
+              <a:buSzPts val="1100"/>
+              <a:buNone/>
+            </a:pPr>
+            <a:r>
+              <a:rPr lang="en-US" dirty="0"/>
+              <a:t>  stage: </a:t>
+            </a:r>
+            <a:r>
+              <a:rPr lang="en-US" dirty="0" err="1"/>
+              <a:t>devsecops</a:t>
+            </a:r>
+            <a:endParaRPr lang="en-US" dirty="0"/>
+          </a:p>
+          <a:p>
+            <a:pPr marL="158750" lvl="0" indent="0" algn="l" rtl="0">
+              <a:lnSpc>
+                <a:spcPct val="100000"/>
+              </a:lnSpc>
+              <a:spcBef>
+                <a:spcPts val="0"/>
+              </a:spcBef>
+              <a:spcAft>
+                <a:spcPts val="0"/>
+              </a:spcAft>
+              <a:buSzPts val="1100"/>
+              <a:buNone/>
+            </a:pPr>
+            <a:r>
+              <a:rPr lang="en-US" dirty="0"/>
+              <a:t>  script:</a:t>
+            </a:r>
+          </a:p>
+          <a:p>
+            <a:pPr marL="158750" lvl="0" indent="0" algn="l" rtl="0">
+              <a:lnSpc>
+                <a:spcPct val="100000"/>
+              </a:lnSpc>
+              <a:spcBef>
+                <a:spcPts val="0"/>
+              </a:spcBef>
+              <a:spcAft>
+                <a:spcPts val="0"/>
+              </a:spcAft>
+              <a:buSzPts val="1100"/>
+              <a:buNone/>
+            </a:pPr>
+            <a:r>
+              <a:rPr lang="en-US" dirty="0"/>
+              <a:t>    - apt-get update &amp;&amp; apt-get -y install </a:t>
+            </a:r>
+            <a:r>
+              <a:rPr lang="en-US" dirty="0" err="1"/>
+              <a:t>jq</a:t>
+            </a:r>
+            <a:endParaRPr lang="en-US" dirty="0"/>
+          </a:p>
+          <a:p>
+            <a:pPr marL="158750" lvl="0" indent="0" algn="l" rtl="0">
+              <a:lnSpc>
+                <a:spcPct val="100000"/>
+              </a:lnSpc>
+              <a:spcBef>
+                <a:spcPts val="0"/>
+              </a:spcBef>
+              <a:spcAft>
+                <a:spcPts val="0"/>
+              </a:spcAft>
+              <a:buSzPts val="1100"/>
+              <a:buNone/>
+            </a:pPr>
+            <a:r>
+              <a:rPr lang="en-US" dirty="0"/>
+              <a:t>    - cat $CI_PROJECT_DIR/</a:t>
+            </a:r>
+            <a:r>
+              <a:rPr lang="en-US" dirty="0" err="1"/>
+              <a:t>gl</a:t>
+            </a:r>
+            <a:r>
+              <a:rPr lang="en-US" dirty="0"/>
+              <a:t>-dependency-scanning-</a:t>
+            </a:r>
+            <a:r>
+              <a:rPr lang="en-US" dirty="0" err="1"/>
+              <a:t>report.json</a:t>
+            </a:r>
+            <a:r>
+              <a:rPr lang="en-US" dirty="0"/>
+              <a:t> | </a:t>
+            </a:r>
+            <a:r>
+              <a:rPr lang="en-US" dirty="0" err="1"/>
+              <a:t>jq</a:t>
+            </a:r>
+            <a:r>
+              <a:rPr lang="en-US" dirty="0"/>
+              <a:t> '.vulnerabilities[] | select(.severity == "High" or .severity == "Critical" or .severity == "Unknown")' | grep . &amp;&amp; exit 1 || exit 0</a:t>
+            </a:r>
+          </a:p>
+          <a:p>
+            <a:pPr marL="158750" lvl="0" indent="0" algn="l" rtl="0">
+              <a:lnSpc>
+                <a:spcPct val="100000"/>
+              </a:lnSpc>
+              <a:spcBef>
+                <a:spcPts val="0"/>
+              </a:spcBef>
+              <a:spcAft>
+                <a:spcPts val="0"/>
+              </a:spcAft>
+              <a:buSzPts val="1100"/>
+              <a:buNone/>
+            </a:pPr>
+            <a:r>
+              <a:rPr lang="en-US" dirty="0"/>
+              <a:t>  rules:</a:t>
+            </a:r>
+          </a:p>
+          <a:p>
+            <a:pPr marL="158750" lvl="0" indent="0" algn="l" rtl="0">
+              <a:lnSpc>
+                <a:spcPct val="100000"/>
+              </a:lnSpc>
+              <a:spcBef>
+                <a:spcPts val="0"/>
+              </a:spcBef>
+              <a:spcAft>
+                <a:spcPts val="0"/>
+              </a:spcAft>
+              <a:buSzPts val="1100"/>
+              <a:buNone/>
+            </a:pPr>
+            <a:r>
+              <a:rPr lang="en-US" dirty="0"/>
+              <a:t>    - if: $CI_COMMIT_BRANCH == "main"</a:t>
+            </a:r>
+          </a:p>
+          <a:p>
+            <a:pPr marL="158750" lvl="0" indent="0" algn="l" rtl="0">
+              <a:lnSpc>
+                <a:spcPct val="100000"/>
+              </a:lnSpc>
+              <a:spcBef>
+                <a:spcPts val="0"/>
+              </a:spcBef>
+              <a:spcAft>
+                <a:spcPts val="0"/>
+              </a:spcAft>
+              <a:buSzPts val="1100"/>
+              <a:buNone/>
+            </a:pPr>
+            <a:r>
+              <a:rPr lang="en-US" dirty="0"/>
+              <a:t>    - if: $CI_MERGE_REQUEST_IID</a:t>
+            </a:r>
+          </a:p>
+          <a:p>
+            <a:pPr marL="158750" lvl="0" indent="0" algn="l" rtl="0">
+              <a:lnSpc>
+                <a:spcPct val="100000"/>
+              </a:lnSpc>
+              <a:spcBef>
+                <a:spcPts val="0"/>
+              </a:spcBef>
+              <a:spcAft>
+                <a:spcPts val="0"/>
+              </a:spcAft>
+              <a:buSzPts val="1100"/>
+              <a:buNone/>
+            </a:pPr>
+            <a:endParaRPr lang="en-US" dirty="0"/>
           </a:p>
         </p:txBody>
       </p:sp>
@@ -2073,365 +2690,6 @@
 </file>
 
 <file path=ppt/notesSlides/notesSlide19.xml><?xml version="1.0" encoding="utf-8"?>
-<p:notes xmlns:a="http://schemas.openxmlformats.org/drawingml/2006/main" xmlns:r="http://schemas.openxmlformats.org/officeDocument/2006/relationships" xmlns:p="http://schemas.openxmlformats.org/presentationml/2006/main" showMasterSp="0" showMasterPhAnim="0">
-  <p:cSld>
-    <p:spTree>
-      <p:nvGrpSpPr>
-        <p:cNvPr id="1" name="Shape 1289">
-          <a:extLst>
-            <a:ext uri="{FF2B5EF4-FFF2-40B4-BE49-F238E27FC236}">
-              <a16:creationId xmlns:a16="http://schemas.microsoft.com/office/drawing/2014/main" id="{04FA588D-A925-6A9F-142B-D1721D2BE717}"/>
-            </a:ext>
-          </a:extLst>
-        </p:cNvPr>
-        <p:cNvGrpSpPr/>
-        <p:nvPr/>
-      </p:nvGrpSpPr>
-      <p:grpSpPr>
-        <a:xfrm>
-          <a:off x="0" y="0"/>
-          <a:ext cx="0" cy="0"/>
-          <a:chOff x="0" y="0"/>
-          <a:chExt cx="0" cy="0"/>
-        </a:xfrm>
-      </p:grpSpPr>
-      <p:sp>
-        <p:nvSpPr>
-          <p:cNvPr id="1290" name="Google Shape;1290;p112:notes">
-            <a:extLst>
-              <a:ext uri="{FF2B5EF4-FFF2-40B4-BE49-F238E27FC236}">
-                <a16:creationId xmlns:a16="http://schemas.microsoft.com/office/drawing/2014/main" id="{E3E291FD-8ED5-4AC4-CAE1-5EE7050E7026}"/>
-              </a:ext>
-            </a:extLst>
-          </p:cNvPr>
-          <p:cNvSpPr>
-            <a:spLocks noGrp="1" noRot="1" noChangeAspect="1"/>
-          </p:cNvSpPr>
-          <p:nvPr>
-            <p:ph type="sldImg" idx="2"/>
-          </p:nvPr>
-        </p:nvSpPr>
-        <p:spPr>
-          <a:xfrm>
-            <a:off x="381000" y="685800"/>
-            <a:ext cx="6096000" cy="3429000"/>
-          </a:xfrm>
-          <a:custGeom>
-            <a:avLst/>
-            <a:gdLst/>
-            <a:ahLst/>
-            <a:cxnLst/>
-            <a:rect l="l" t="t" r="r" b="b"/>
-            <a:pathLst>
-              <a:path w="120000" h="120000" extrusionOk="0">
-                <a:moveTo>
-                  <a:pt x="0" y="0"/>
-                </a:moveTo>
-                <a:lnTo>
-                  <a:pt x="120000" y="0"/>
-                </a:lnTo>
-                <a:lnTo>
-                  <a:pt x="120000" y="120000"/>
-                </a:lnTo>
-                <a:lnTo>
-                  <a:pt x="0" y="120000"/>
-                </a:lnTo>
-                <a:close/>
-              </a:path>
-            </a:pathLst>
-          </a:custGeom>
-          <a:noFill/>
-          <a:ln w="9525" cap="flat" cmpd="sng">
-            <a:solidFill>
-              <a:srgbClr val="000000"/>
-            </a:solidFill>
-            <a:prstDash val="solid"/>
-            <a:round/>
-            <a:headEnd type="none" w="sm" len="sm"/>
-            <a:tailEnd type="none" w="sm" len="sm"/>
-          </a:ln>
-        </p:spPr>
-      </p:sp>
-      <p:sp>
-        <p:nvSpPr>
-          <p:cNvPr id="1291" name="Google Shape;1291;p112:notes">
-            <a:extLst>
-              <a:ext uri="{FF2B5EF4-FFF2-40B4-BE49-F238E27FC236}">
-                <a16:creationId xmlns:a16="http://schemas.microsoft.com/office/drawing/2014/main" id="{8DEB163F-1355-ED86-BB14-E2763721AE3F}"/>
-              </a:ext>
-            </a:extLst>
-          </p:cNvPr>
-          <p:cNvSpPr txBox="1">
-            <a:spLocks noGrp="1"/>
-          </p:cNvSpPr>
-          <p:nvPr>
-            <p:ph type="body" idx="1"/>
-          </p:nvPr>
-        </p:nvSpPr>
-        <p:spPr>
-          <a:xfrm>
-            <a:off x="685800" y="4343400"/>
-            <a:ext cx="5486400" cy="4114800"/>
-          </a:xfrm>
-          <a:prstGeom prst="rect">
-            <a:avLst/>
-          </a:prstGeom>
-          <a:noFill/>
-          <a:ln>
-            <a:noFill/>
-          </a:ln>
-        </p:spPr>
-        <p:txBody>
-          <a:bodyPr spcFirstLastPara="1" wrap="square" lIns="91425" tIns="91425" rIns="91425" bIns="91425" anchor="t" anchorCtr="0">
-            <a:noAutofit/>
-          </a:bodyPr>
-          <a:lstStyle/>
-          <a:p>
-            <a:pPr marL="158750" lvl="0" indent="0" algn="l" rtl="0">
-              <a:lnSpc>
-                <a:spcPct val="100000"/>
-              </a:lnSpc>
-              <a:spcBef>
-                <a:spcPts val="0"/>
-              </a:spcBef>
-              <a:spcAft>
-                <a:spcPts val="0"/>
-              </a:spcAft>
-              <a:buSzPts val="1100"/>
-              <a:buNone/>
-            </a:pPr>
-            <a:endParaRPr dirty="0"/>
-          </a:p>
-        </p:txBody>
-      </p:sp>
-    </p:spTree>
-    <p:extLst>
-      <p:ext uri="{BB962C8B-B14F-4D97-AF65-F5344CB8AC3E}">
-        <p14:creationId xmlns:p14="http://schemas.microsoft.com/office/powerpoint/2010/main" val="1789472613"/>
-      </p:ext>
-    </p:extLst>
-  </p:cSld>
-  <p:clrMapOvr>
-    <a:masterClrMapping/>
-  </p:clrMapOvr>
-</p:notes>
-</file>
-
-<file path=ppt/notesSlides/notesSlide2.xml><?xml version="1.0" encoding="utf-8"?>
-<p:notes xmlns:a="http://schemas.openxmlformats.org/drawingml/2006/main" xmlns:r="http://schemas.openxmlformats.org/officeDocument/2006/relationships" xmlns:p="http://schemas.openxmlformats.org/presentationml/2006/main" showMasterSp="0" showMasterPhAnim="0">
-  <p:cSld>
-    <p:spTree>
-      <p:nvGrpSpPr>
-        <p:cNvPr id="1" name="Shape 229"/>
-        <p:cNvGrpSpPr/>
-        <p:nvPr/>
-      </p:nvGrpSpPr>
-      <p:grpSpPr>
-        <a:xfrm>
-          <a:off x="0" y="0"/>
-          <a:ext cx="0" cy="0"/>
-          <a:chOff x="0" y="0"/>
-          <a:chExt cx="0" cy="0"/>
-        </a:xfrm>
-      </p:grpSpPr>
-      <p:sp>
-        <p:nvSpPr>
-          <p:cNvPr id="230" name="Google Shape;230;p2:notes"/>
-          <p:cNvSpPr>
-            <a:spLocks noGrp="1" noRot="1" noChangeAspect="1"/>
-          </p:cNvSpPr>
-          <p:nvPr>
-            <p:ph type="sldImg" idx="2"/>
-          </p:nvPr>
-        </p:nvSpPr>
-        <p:spPr>
-          <a:xfrm>
-            <a:off x="381000" y="685800"/>
-            <a:ext cx="6096000" cy="3429000"/>
-          </a:xfrm>
-          <a:custGeom>
-            <a:avLst/>
-            <a:gdLst/>
-            <a:ahLst/>
-            <a:cxnLst/>
-            <a:rect l="l" t="t" r="r" b="b"/>
-            <a:pathLst>
-              <a:path w="120000" h="120000" extrusionOk="0">
-                <a:moveTo>
-                  <a:pt x="0" y="0"/>
-                </a:moveTo>
-                <a:lnTo>
-                  <a:pt x="120000" y="0"/>
-                </a:lnTo>
-                <a:lnTo>
-                  <a:pt x="120000" y="120000"/>
-                </a:lnTo>
-                <a:lnTo>
-                  <a:pt x="0" y="120000"/>
-                </a:lnTo>
-                <a:close/>
-              </a:path>
-            </a:pathLst>
-          </a:custGeom>
-          <a:noFill/>
-          <a:ln w="9525" cap="flat" cmpd="sng">
-            <a:solidFill>
-              <a:srgbClr val="000000"/>
-            </a:solidFill>
-            <a:prstDash val="solid"/>
-            <a:round/>
-            <a:headEnd type="none" w="sm" len="sm"/>
-            <a:tailEnd type="none" w="sm" len="sm"/>
-          </a:ln>
-        </p:spPr>
-      </p:sp>
-      <p:sp>
-        <p:nvSpPr>
-          <p:cNvPr id="231" name="Google Shape;231;p2:notes"/>
-          <p:cNvSpPr txBox="1">
-            <a:spLocks noGrp="1"/>
-          </p:cNvSpPr>
-          <p:nvPr>
-            <p:ph type="body" idx="1"/>
-          </p:nvPr>
-        </p:nvSpPr>
-        <p:spPr>
-          <a:xfrm>
-            <a:off x="685800" y="4343400"/>
-            <a:ext cx="5486400" cy="4114800"/>
-          </a:xfrm>
-          <a:prstGeom prst="rect">
-            <a:avLst/>
-          </a:prstGeom>
-          <a:noFill/>
-          <a:ln>
-            <a:noFill/>
-          </a:ln>
-        </p:spPr>
-        <p:txBody>
-          <a:bodyPr spcFirstLastPara="1" wrap="square" lIns="91425" tIns="91425" rIns="91425" bIns="91425" anchor="t" anchorCtr="0">
-            <a:noAutofit/>
-          </a:bodyPr>
-          <a:lstStyle/>
-          <a:p>
-            <a:pPr marL="0" lvl="0" indent="0" algn="l" rtl="0">
-              <a:lnSpc>
-                <a:spcPct val="100000"/>
-              </a:lnSpc>
-              <a:spcBef>
-                <a:spcPts val="0"/>
-              </a:spcBef>
-              <a:spcAft>
-                <a:spcPts val="0"/>
-              </a:spcAft>
-              <a:buSzPts val="1100"/>
-              <a:buNone/>
-            </a:pPr>
-            <a:r>
-              <a:rPr lang="en-US" sz="1200" dirty="0">
-                <a:solidFill>
-                  <a:srgbClr val="404040"/>
-                </a:solidFill>
-                <a:latin typeface="Calibri"/>
-                <a:ea typeface="Calibri"/>
-                <a:cs typeface="Calibri"/>
-                <a:sym typeface="Calibri"/>
-              </a:rPr>
-              <a:t>After introducing self, have students introduce themselves:</a:t>
-            </a:r>
-          </a:p>
-          <a:p>
-            <a:pPr marL="228600" lvl="0" indent="-228600" algn="l" rtl="0">
-              <a:lnSpc>
-                <a:spcPct val="100000"/>
-              </a:lnSpc>
-              <a:spcBef>
-                <a:spcPts val="0"/>
-              </a:spcBef>
-              <a:spcAft>
-                <a:spcPts val="0"/>
-              </a:spcAft>
-              <a:buSzPts val="1100"/>
-              <a:buAutoNum type="arabicPeriod"/>
-            </a:pPr>
-            <a:r>
-              <a:rPr lang="en-US" sz="1200" dirty="0">
-                <a:solidFill>
-                  <a:srgbClr val="404040"/>
-                </a:solidFill>
-                <a:latin typeface="Calibri"/>
-                <a:ea typeface="Calibri"/>
-                <a:cs typeface="Calibri"/>
-                <a:sym typeface="Calibri"/>
-              </a:rPr>
-              <a:t>Name?</a:t>
-            </a:r>
-          </a:p>
-          <a:p>
-            <a:pPr marL="228600" lvl="0" indent="-228600" algn="l" rtl="0">
-              <a:lnSpc>
-                <a:spcPct val="100000"/>
-              </a:lnSpc>
-              <a:spcBef>
-                <a:spcPts val="0"/>
-              </a:spcBef>
-              <a:spcAft>
-                <a:spcPts val="0"/>
-              </a:spcAft>
-              <a:buSzPts val="1100"/>
-              <a:buAutoNum type="arabicPeriod"/>
-            </a:pPr>
-            <a:r>
-              <a:rPr lang="en-US" sz="1200" dirty="0">
-                <a:solidFill>
-                  <a:srgbClr val="404040"/>
-                </a:solidFill>
-                <a:latin typeface="Calibri"/>
-                <a:ea typeface="Calibri"/>
-                <a:cs typeface="Calibri"/>
-                <a:sym typeface="Calibri"/>
-              </a:rPr>
-              <a:t>How long with the company?</a:t>
-            </a:r>
-          </a:p>
-          <a:p>
-            <a:pPr marL="228600" lvl="0" indent="-228600" algn="l" rtl="0">
-              <a:lnSpc>
-                <a:spcPct val="100000"/>
-              </a:lnSpc>
-              <a:spcBef>
-                <a:spcPts val="0"/>
-              </a:spcBef>
-              <a:spcAft>
-                <a:spcPts val="0"/>
-              </a:spcAft>
-              <a:buSzPts val="1100"/>
-              <a:buAutoNum type="arabicPeriod"/>
-            </a:pPr>
-            <a:r>
-              <a:rPr lang="en-US" sz="1200" dirty="0">
-                <a:solidFill>
-                  <a:srgbClr val="404040"/>
-                </a:solidFill>
-                <a:latin typeface="Calibri"/>
-                <a:ea typeface="Calibri"/>
-                <a:cs typeface="Calibri"/>
-                <a:sym typeface="Calibri"/>
-              </a:rPr>
-              <a:t>What are you hoping to come away from this training having gained in terms of knowledge and/or information that you can take back with you to your teams and your day-to-day role?</a:t>
-            </a:r>
-          </a:p>
-        </p:txBody>
-      </p:sp>
-    </p:spTree>
-  </p:cSld>
-  <p:clrMapOvr>
-    <a:masterClrMapping/>
-  </p:clrMapOvr>
-</p:notes>
-</file>
-
-<file path=ppt/notesSlides/notesSlide20.xml><?xml version="1.0" encoding="utf-8"?>
 <p:notes xmlns:a="http://schemas.openxmlformats.org/drawingml/2006/main" xmlns:r="http://schemas.openxmlformats.org/officeDocument/2006/relationships" xmlns:p="http://schemas.openxmlformats.org/presentationml/2006/main" showMasterSp="0" showMasterPhAnim="0">
   <p:cSld>
     <p:spTree>
@@ -2576,7 +2834,221 @@
 </p:notes>
 </file>
 
-<file path=ppt/notesSlides/notesSlide21.xml><?xml version="1.0" encoding="utf-8"?>
+<file path=ppt/notesSlides/notesSlide2.xml><?xml version="1.0" encoding="utf-8"?>
+<p:notes xmlns:a="http://schemas.openxmlformats.org/drawingml/2006/main" xmlns:r="http://schemas.openxmlformats.org/officeDocument/2006/relationships" xmlns:p="http://schemas.openxmlformats.org/presentationml/2006/main" showMasterSp="0" showMasterPhAnim="0">
+  <p:cSld>
+    <p:spTree>
+      <p:nvGrpSpPr>
+        <p:cNvPr id="1" name="Shape 229"/>
+        <p:cNvGrpSpPr/>
+        <p:nvPr/>
+      </p:nvGrpSpPr>
+      <p:grpSpPr>
+        <a:xfrm>
+          <a:off x="0" y="0"/>
+          <a:ext cx="0" cy="0"/>
+          <a:chOff x="0" y="0"/>
+          <a:chExt cx="0" cy="0"/>
+        </a:xfrm>
+      </p:grpSpPr>
+      <p:sp>
+        <p:nvSpPr>
+          <p:cNvPr id="230" name="Google Shape;230;p2:notes"/>
+          <p:cNvSpPr>
+            <a:spLocks noGrp="1" noRot="1" noChangeAspect="1"/>
+          </p:cNvSpPr>
+          <p:nvPr>
+            <p:ph type="sldImg" idx="2"/>
+          </p:nvPr>
+        </p:nvSpPr>
+        <p:spPr>
+          <a:xfrm>
+            <a:off x="381000" y="685800"/>
+            <a:ext cx="6096000" cy="3429000"/>
+          </a:xfrm>
+          <a:custGeom>
+            <a:avLst/>
+            <a:gdLst/>
+            <a:ahLst/>
+            <a:cxnLst/>
+            <a:rect l="l" t="t" r="r" b="b"/>
+            <a:pathLst>
+              <a:path w="120000" h="120000" extrusionOk="0">
+                <a:moveTo>
+                  <a:pt x="0" y="0"/>
+                </a:moveTo>
+                <a:lnTo>
+                  <a:pt x="120000" y="0"/>
+                </a:lnTo>
+                <a:lnTo>
+                  <a:pt x="120000" y="120000"/>
+                </a:lnTo>
+                <a:lnTo>
+                  <a:pt x="0" y="120000"/>
+                </a:lnTo>
+                <a:close/>
+              </a:path>
+            </a:pathLst>
+          </a:custGeom>
+          <a:noFill/>
+          <a:ln w="9525" cap="flat" cmpd="sng">
+            <a:solidFill>
+              <a:srgbClr val="000000"/>
+            </a:solidFill>
+            <a:prstDash val="solid"/>
+            <a:round/>
+            <a:headEnd type="none" w="sm" len="sm"/>
+            <a:tailEnd type="none" w="sm" len="sm"/>
+          </a:ln>
+        </p:spPr>
+      </p:sp>
+      <p:sp>
+        <p:nvSpPr>
+          <p:cNvPr id="231" name="Google Shape;231;p2:notes"/>
+          <p:cNvSpPr txBox="1">
+            <a:spLocks noGrp="1"/>
+          </p:cNvSpPr>
+          <p:nvPr>
+            <p:ph type="body" idx="1"/>
+          </p:nvPr>
+        </p:nvSpPr>
+        <p:spPr>
+          <a:xfrm>
+            <a:off x="685800" y="4343400"/>
+            <a:ext cx="5486400" cy="4114800"/>
+          </a:xfrm>
+          <a:prstGeom prst="rect">
+            <a:avLst/>
+          </a:prstGeom>
+          <a:noFill/>
+          <a:ln>
+            <a:noFill/>
+          </a:ln>
+        </p:spPr>
+        <p:txBody>
+          <a:bodyPr spcFirstLastPara="1" wrap="square" lIns="91425" tIns="91425" rIns="91425" bIns="91425" anchor="t" anchorCtr="0">
+            <a:noAutofit/>
+          </a:bodyPr>
+          <a:lstStyle/>
+          <a:p>
+            <a:pPr marL="0" lvl="0" indent="0" algn="l" rtl="0">
+              <a:lnSpc>
+                <a:spcPct val="100000"/>
+              </a:lnSpc>
+              <a:spcBef>
+                <a:spcPts val="0"/>
+              </a:spcBef>
+              <a:spcAft>
+                <a:spcPts val="0"/>
+              </a:spcAft>
+              <a:buSzPts val="1100"/>
+              <a:buNone/>
+            </a:pPr>
+            <a:r>
+              <a:rPr lang="en-US" sz="1200" dirty="0">
+                <a:solidFill>
+                  <a:srgbClr val="404040"/>
+                </a:solidFill>
+                <a:latin typeface="Calibri"/>
+                <a:ea typeface="Calibri"/>
+                <a:cs typeface="Calibri"/>
+                <a:sym typeface="Calibri"/>
+              </a:rPr>
+              <a:t>After introducing self, have students introduce themselves:</a:t>
+            </a:r>
+          </a:p>
+          <a:p>
+            <a:pPr marL="228600" lvl="0" indent="-228600" algn="l" rtl="0">
+              <a:lnSpc>
+                <a:spcPct val="100000"/>
+              </a:lnSpc>
+              <a:spcBef>
+                <a:spcPts val="0"/>
+              </a:spcBef>
+              <a:spcAft>
+                <a:spcPts val="0"/>
+              </a:spcAft>
+              <a:buSzPts val="1100"/>
+              <a:buAutoNum type="arabicPeriod"/>
+            </a:pPr>
+            <a:r>
+              <a:rPr lang="en-US" sz="1200" dirty="0">
+                <a:solidFill>
+                  <a:srgbClr val="404040"/>
+                </a:solidFill>
+                <a:latin typeface="Calibri"/>
+                <a:ea typeface="Calibri"/>
+                <a:cs typeface="Calibri"/>
+                <a:sym typeface="Calibri"/>
+              </a:rPr>
+              <a:t>Name?</a:t>
+            </a:r>
+          </a:p>
+          <a:p>
+            <a:pPr marL="228600" lvl="0" indent="-228600" algn="l" rtl="0">
+              <a:lnSpc>
+                <a:spcPct val="100000"/>
+              </a:lnSpc>
+              <a:spcBef>
+                <a:spcPts val="0"/>
+              </a:spcBef>
+              <a:spcAft>
+                <a:spcPts val="0"/>
+              </a:spcAft>
+              <a:buSzPts val="1100"/>
+              <a:buAutoNum type="arabicPeriod"/>
+            </a:pPr>
+            <a:r>
+              <a:rPr lang="en-US" sz="1200" dirty="0">
+                <a:solidFill>
+                  <a:srgbClr val="404040"/>
+                </a:solidFill>
+                <a:latin typeface="Calibri"/>
+                <a:ea typeface="Calibri"/>
+                <a:cs typeface="Calibri"/>
+                <a:sym typeface="Calibri"/>
+              </a:rPr>
+              <a:t>How long with the company?</a:t>
+            </a:r>
+          </a:p>
+          <a:p>
+            <a:pPr marL="228600" lvl="0" indent="-228600" algn="l" rtl="0">
+              <a:lnSpc>
+                <a:spcPct val="100000"/>
+              </a:lnSpc>
+              <a:spcBef>
+                <a:spcPts val="0"/>
+              </a:spcBef>
+              <a:spcAft>
+                <a:spcPts val="0"/>
+              </a:spcAft>
+              <a:buSzPts val="1100"/>
+              <a:buAutoNum type="arabicPeriod"/>
+            </a:pPr>
+            <a:r>
+              <a:rPr lang="en-US" sz="1200" dirty="0">
+                <a:solidFill>
+                  <a:srgbClr val="404040"/>
+                </a:solidFill>
+                <a:latin typeface="Calibri"/>
+                <a:ea typeface="Calibri"/>
+                <a:cs typeface="Calibri"/>
+                <a:sym typeface="Calibri"/>
+              </a:rPr>
+              <a:t>What are you hoping to come away from this training having gained in terms of knowledge and/or information that you can take back with you to your teams and your day-to-day role?</a:t>
+            </a:r>
+          </a:p>
+        </p:txBody>
+      </p:sp>
+    </p:spTree>
+  </p:cSld>
+  <p:clrMapOvr>
+    <a:masterClrMapping/>
+  </p:clrMapOvr>
+</p:notes>
+</file>
+
+<file path=ppt/notesSlides/notesSlide20.xml><?xml version="1.0" encoding="utf-8"?>
 <p:notes xmlns:a="http://schemas.openxmlformats.org/drawingml/2006/main" xmlns:r="http://schemas.openxmlformats.org/officeDocument/2006/relationships" xmlns:p="http://schemas.openxmlformats.org/presentationml/2006/main" showMasterSp="0" showMasterPhAnim="0">
   <p:cSld>
     <p:spTree>
@@ -2712,6 +3184,151 @@
     <p:extLst>
       <p:ext uri="{BB962C8B-B14F-4D97-AF65-F5344CB8AC3E}">
         <p14:creationId xmlns:p14="http://schemas.microsoft.com/office/powerpoint/2010/main" val="3159020"/>
+      </p:ext>
+    </p:extLst>
+  </p:cSld>
+  <p:clrMapOvr>
+    <a:masterClrMapping/>
+  </p:clrMapOvr>
+</p:notes>
+</file>
+
+<file path=ppt/notesSlides/notesSlide21.xml><?xml version="1.0" encoding="utf-8"?>
+<p:notes xmlns:a="http://schemas.openxmlformats.org/drawingml/2006/main" xmlns:r="http://schemas.openxmlformats.org/officeDocument/2006/relationships" xmlns:p="http://schemas.openxmlformats.org/presentationml/2006/main" showMasterSp="0" showMasterPhAnim="0">
+  <p:cSld>
+    <p:spTree>
+      <p:nvGrpSpPr>
+        <p:cNvPr id="1" name="Shape 1289">
+          <a:extLst>
+            <a:ext uri="{FF2B5EF4-FFF2-40B4-BE49-F238E27FC236}">
+              <a16:creationId xmlns:a16="http://schemas.microsoft.com/office/drawing/2014/main" id="{DCA32EE1-40AE-0D3C-FD2C-1B1F5B5C40C0}"/>
+            </a:ext>
+          </a:extLst>
+        </p:cNvPr>
+        <p:cNvGrpSpPr/>
+        <p:nvPr/>
+      </p:nvGrpSpPr>
+      <p:grpSpPr>
+        <a:xfrm>
+          <a:off x="0" y="0"/>
+          <a:ext cx="0" cy="0"/>
+          <a:chOff x="0" y="0"/>
+          <a:chExt cx="0" cy="0"/>
+        </a:xfrm>
+      </p:grpSpPr>
+      <p:sp>
+        <p:nvSpPr>
+          <p:cNvPr id="1290" name="Google Shape;1290;p112:notes">
+            <a:extLst>
+              <a:ext uri="{FF2B5EF4-FFF2-40B4-BE49-F238E27FC236}">
+                <a16:creationId xmlns:a16="http://schemas.microsoft.com/office/drawing/2014/main" id="{06E4CE39-26B0-82F8-EE8B-C09F862F7CD3}"/>
+              </a:ext>
+            </a:extLst>
+          </p:cNvPr>
+          <p:cNvSpPr>
+            <a:spLocks noGrp="1" noRot="1" noChangeAspect="1"/>
+          </p:cNvSpPr>
+          <p:nvPr>
+            <p:ph type="sldImg" idx="2"/>
+          </p:nvPr>
+        </p:nvSpPr>
+        <p:spPr>
+          <a:xfrm>
+            <a:off x="381000" y="685800"/>
+            <a:ext cx="6096000" cy="3429000"/>
+          </a:xfrm>
+          <a:custGeom>
+            <a:avLst/>
+            <a:gdLst/>
+            <a:ahLst/>
+            <a:cxnLst/>
+            <a:rect l="l" t="t" r="r" b="b"/>
+            <a:pathLst>
+              <a:path w="120000" h="120000" extrusionOk="0">
+                <a:moveTo>
+                  <a:pt x="0" y="0"/>
+                </a:moveTo>
+                <a:lnTo>
+                  <a:pt x="120000" y="0"/>
+                </a:lnTo>
+                <a:lnTo>
+                  <a:pt x="120000" y="120000"/>
+                </a:lnTo>
+                <a:lnTo>
+                  <a:pt x="0" y="120000"/>
+                </a:lnTo>
+                <a:close/>
+              </a:path>
+            </a:pathLst>
+          </a:custGeom>
+          <a:noFill/>
+          <a:ln w="9525" cap="flat" cmpd="sng">
+            <a:solidFill>
+              <a:srgbClr val="000000"/>
+            </a:solidFill>
+            <a:prstDash val="solid"/>
+            <a:round/>
+            <a:headEnd type="none" w="sm" len="sm"/>
+            <a:tailEnd type="none" w="sm" len="sm"/>
+          </a:ln>
+        </p:spPr>
+      </p:sp>
+      <p:sp>
+        <p:nvSpPr>
+          <p:cNvPr id="1291" name="Google Shape;1291;p112:notes">
+            <a:extLst>
+              <a:ext uri="{FF2B5EF4-FFF2-40B4-BE49-F238E27FC236}">
+                <a16:creationId xmlns:a16="http://schemas.microsoft.com/office/drawing/2014/main" id="{97B369EF-891F-6B66-426C-FB32B3645685}"/>
+              </a:ext>
+            </a:extLst>
+          </p:cNvPr>
+          <p:cNvSpPr txBox="1">
+            <a:spLocks noGrp="1"/>
+          </p:cNvSpPr>
+          <p:nvPr>
+            <p:ph type="body" idx="1"/>
+          </p:nvPr>
+        </p:nvSpPr>
+        <p:spPr>
+          <a:xfrm>
+            <a:off x="685800" y="4343400"/>
+            <a:ext cx="5486400" cy="4114800"/>
+          </a:xfrm>
+          <a:prstGeom prst="rect">
+            <a:avLst/>
+          </a:prstGeom>
+          <a:noFill/>
+          <a:ln>
+            <a:noFill/>
+          </a:ln>
+        </p:spPr>
+        <p:txBody>
+          <a:bodyPr spcFirstLastPara="1" wrap="square" lIns="91425" tIns="91425" rIns="91425" bIns="91425" anchor="t" anchorCtr="0">
+            <a:noAutofit/>
+          </a:bodyPr>
+          <a:lstStyle/>
+          <a:p>
+            <a:pPr marL="158750" lvl="0" indent="0" algn="l" rtl="0">
+              <a:lnSpc>
+                <a:spcPct val="100000"/>
+              </a:lnSpc>
+              <a:spcBef>
+                <a:spcPts val="0"/>
+              </a:spcBef>
+              <a:spcAft>
+                <a:spcPts val="0"/>
+              </a:spcAft>
+              <a:buSzPts val="1100"/>
+              <a:buNone/>
+            </a:pPr>
+            <a:endParaRPr dirty="0"/>
+          </a:p>
+        </p:txBody>
+      </p:sp>
+    </p:spTree>
+    <p:extLst>
+      <p:ext uri="{BB962C8B-B14F-4D97-AF65-F5344CB8AC3E}">
+        <p14:creationId xmlns:p14="http://schemas.microsoft.com/office/powerpoint/2010/main" val="857192003"/>
       </p:ext>
     </p:extLst>
   </p:cSld>
@@ -14913,7 +15530,7 @@
             <a:fld id="{1D8BD707-D9CF-40AE-B4C6-C98DA3205C09}" type="datetimeFigureOut">
               <a:rPr lang="en-US" smtClean="0"/>
               <a:pPr/>
-              <a:t>1/29/2025</a:t>
+              <a:t>1/31/2025</a:t>
             </a:fld>
             <a:endParaRPr lang="en-US"/>
           </a:p>
@@ -21594,7 +22211,7 @@
         <p:spPr>
           <a:xfrm>
             <a:off x="3942735" y="2495059"/>
-            <a:ext cx="5201265" cy="246181"/>
+            <a:ext cx="5201265" cy="553957"/>
           </a:xfrm>
           <a:prstGeom prst="rect">
             <a:avLst/>
@@ -21631,11 +22248,31 @@
               </a:rPr>
               <a:t>https://docs.gitlab.com/ee/user/packages/pypi_repository/auto_publish_tutorial.html</a:t>
             </a:r>
-            <a:endParaRPr lang="en-US" sz="1000" dirty="0">
-              <a:solidFill>
-                <a:srgbClr val="D4D4D4"/>
-              </a:solidFill>
-            </a:endParaRPr>
+            <a:r>
+              <a:rPr lang="en-US" sz="1000" dirty="0">
+                <a:solidFill>
+                  <a:srgbClr val="D4D4D4"/>
+                </a:solidFill>
+              </a:rPr>
+              <a:t>. For the Python app, you can use the app &amp; tests at </a:t>
+            </a:r>
+            <a:r>
+              <a:rPr lang="en-US" sz="1000" dirty="0">
+                <a:solidFill>
+                  <a:srgbClr val="D4D4D4"/>
+                </a:solidFill>
+                <a:hlinkClick r:id="rId4"/>
+              </a:rPr>
+              <a:t>https://github.com/KernelGamut32/python-jenkins</a:t>
+            </a:r>
+            <a:r>
+              <a:rPr lang="en-US" sz="1000" dirty="0">
+                <a:solidFill>
+                  <a:srgbClr val="D4D4D4"/>
+                </a:solidFill>
+              </a:rPr>
+              <a:t>.</a:t>
+            </a:r>
           </a:p>
         </p:txBody>
       </p:sp>
@@ -22540,7 +23177,7 @@
         <p:cNvPr id="1" name="Shape 1292">
           <a:extLst>
             <a:ext uri="{FF2B5EF4-FFF2-40B4-BE49-F238E27FC236}">
-              <a16:creationId xmlns:a16="http://schemas.microsoft.com/office/drawing/2014/main" id="{A3B21A23-8066-AEA7-A672-4A59BF470215}"/>
+              <a16:creationId xmlns:a16="http://schemas.microsoft.com/office/drawing/2014/main" id="{C0F9A049-DA8E-1DAA-9560-9F4BC5AE049F}"/>
             </a:ext>
           </a:extLst>
         </p:cNvPr>
@@ -22560,7 +23197,7 @@
           <p:cNvPr id="1293" name="Google Shape;1293;p112">
             <a:extLst>
               <a:ext uri="{FF2B5EF4-FFF2-40B4-BE49-F238E27FC236}">
-                <a16:creationId xmlns:a16="http://schemas.microsoft.com/office/drawing/2014/main" id="{25AF4826-8B6F-3D15-38E0-A14FB7058D43}"/>
+                <a16:creationId xmlns:a16="http://schemas.microsoft.com/office/drawing/2014/main" id="{7BB5A1F9-7E10-21C3-2453-EC6D78F30E3A}"/>
               </a:ext>
             </a:extLst>
           </p:cNvPr>
@@ -22619,7 +23256,7 @@
           <p:cNvPr id="1294" name="Google Shape;1294;p112">
             <a:extLst>
               <a:ext uri="{FF2B5EF4-FFF2-40B4-BE49-F238E27FC236}">
-                <a16:creationId xmlns:a16="http://schemas.microsoft.com/office/drawing/2014/main" id="{831ADE7B-6788-13D2-4954-27D13DD13113}"/>
+                <a16:creationId xmlns:a16="http://schemas.microsoft.com/office/drawing/2014/main" id="{FA3FCC83-6329-97BF-365B-15EB82F438D7}"/>
               </a:ext>
             </a:extLst>
           </p:cNvPr>
@@ -22664,7 +23301,7 @@
             </a:pPr>
             <a:r>
               <a:rPr lang="en-US" dirty="0"/>
-              <a:t>Merge Request Approval Policy</a:t>
+              <a:t>Docker Container Scanning</a:t>
             </a:r>
           </a:p>
           <a:p>
@@ -22690,7 +23327,7 @@
           <p:cNvPr id="1295" name="Google Shape;1295;p112">
             <a:extLst>
               <a:ext uri="{FF2B5EF4-FFF2-40B4-BE49-F238E27FC236}">
-                <a16:creationId xmlns:a16="http://schemas.microsoft.com/office/drawing/2014/main" id="{56F0686A-0CD9-5C9A-367F-9AB8D07629B4}"/>
+                <a16:creationId xmlns:a16="http://schemas.microsoft.com/office/drawing/2014/main" id="{B687CD8C-02F8-4A13-E286-61D8AC84A3DD}"/>
               </a:ext>
             </a:extLst>
           </p:cNvPr>
@@ -22746,7 +23383,7 @@
           <p:cNvPr id="1296" name="Google Shape;1296;p112">
             <a:extLst>
               <a:ext uri="{FF2B5EF4-FFF2-40B4-BE49-F238E27FC236}">
-                <a16:creationId xmlns:a16="http://schemas.microsoft.com/office/drawing/2014/main" id="{5096546C-D815-58B1-0297-1E11BFFDAA1A}"/>
+                <a16:creationId xmlns:a16="http://schemas.microsoft.com/office/drawing/2014/main" id="{93257B9F-5DB8-6F94-B103-00DBE6C1FF91}"/>
               </a:ext>
             </a:extLst>
           </p:cNvPr>
@@ -22791,7 +23428,7 @@
                 </a:solidFill>
                 <a:hlinkClick r:id="rId3"/>
               </a:rPr>
-              <a:t>https://docs.gitlab.com/ee/tutorials/scan_result_policy/index.html</a:t>
+              <a:t>https://docs.gitlab.com/ee/tutorials/container_scanning/index.html</a:t>
             </a:r>
             <a:endParaRPr lang="en-US" sz="1000" dirty="0">
               <a:solidFill>
@@ -22804,7 +23441,7 @@
     </p:spTree>
     <p:extLst>
       <p:ext uri="{BB962C8B-B14F-4D97-AF65-F5344CB8AC3E}">
-        <p14:creationId xmlns:p14="http://schemas.microsoft.com/office/powerpoint/2010/main" val="348853218"/>
+        <p14:creationId xmlns:p14="http://schemas.microsoft.com/office/powerpoint/2010/main" val="264363935"/>
       </p:ext>
     </p:extLst>
   </p:cSld>
@@ -23364,288 +24001,6 @@
         <p:cNvPr id="1" name="Shape 1292">
           <a:extLst>
             <a:ext uri="{FF2B5EF4-FFF2-40B4-BE49-F238E27FC236}">
-              <a16:creationId xmlns:a16="http://schemas.microsoft.com/office/drawing/2014/main" id="{C0F9A049-DA8E-1DAA-9560-9F4BC5AE049F}"/>
-            </a:ext>
-          </a:extLst>
-        </p:cNvPr>
-        <p:cNvGrpSpPr/>
-        <p:nvPr/>
-      </p:nvGrpSpPr>
-      <p:grpSpPr>
-        <a:xfrm>
-          <a:off x="0" y="0"/>
-          <a:ext cx="0" cy="0"/>
-          <a:chOff x="0" y="0"/>
-          <a:chExt cx="0" cy="0"/>
-        </a:xfrm>
-      </p:grpSpPr>
-      <p:sp>
-        <p:nvSpPr>
-          <p:cNvPr id="1293" name="Google Shape;1293;p112">
-            <a:extLst>
-              <a:ext uri="{FF2B5EF4-FFF2-40B4-BE49-F238E27FC236}">
-                <a16:creationId xmlns:a16="http://schemas.microsoft.com/office/drawing/2014/main" id="{7BB5A1F9-7E10-21C3-2453-EC6D78F30E3A}"/>
-              </a:ext>
-            </a:extLst>
-          </p:cNvPr>
-          <p:cNvSpPr txBox="1">
-            <a:spLocks noGrp="1"/>
-          </p:cNvSpPr>
-          <p:nvPr>
-            <p:ph type="title"/>
-          </p:nvPr>
-        </p:nvSpPr>
-        <p:spPr>
-          <a:xfrm>
-            <a:off x="256575" y="2094950"/>
-            <a:ext cx="2382000" cy="523200"/>
-          </a:xfrm>
-          <a:prstGeom prst="rect">
-            <a:avLst/>
-          </a:prstGeom>
-          <a:noFill/>
-          <a:ln>
-            <a:noFill/>
-          </a:ln>
-        </p:spPr>
-        <p:txBody>
-          <a:bodyPr spcFirstLastPara="1" wrap="square" lIns="45700" tIns="45700" rIns="45700" bIns="45700" anchor="b" anchorCtr="0">
-            <a:noAutofit/>
-          </a:bodyPr>
-          <a:lstStyle/>
-          <a:p>
-            <a:pPr marL="0" lvl="0" indent="0" algn="r" rtl="0">
-              <a:lnSpc>
-                <a:spcPct val="90000"/>
-              </a:lnSpc>
-              <a:spcBef>
-                <a:spcPts val="0"/>
-              </a:spcBef>
-              <a:spcAft>
-                <a:spcPts val="0"/>
-              </a:spcAft>
-              <a:buClr>
-                <a:schemeClr val="lt1"/>
-              </a:buClr>
-              <a:buSzPts val="1900"/>
-              <a:buNone/>
-            </a:pPr>
-            <a:r>
-              <a:rPr lang="en-US"/>
-              <a:t>LAB:</a:t>
-            </a:r>
-            <a:endParaRPr/>
-          </a:p>
-        </p:txBody>
-      </p:sp>
-      <p:sp>
-        <p:nvSpPr>
-          <p:cNvPr id="1294" name="Google Shape;1294;p112">
-            <a:extLst>
-              <a:ext uri="{FF2B5EF4-FFF2-40B4-BE49-F238E27FC236}">
-                <a16:creationId xmlns:a16="http://schemas.microsoft.com/office/drawing/2014/main" id="{FA3FCC83-6329-97BF-365B-15EB82F438D7}"/>
-              </a:ext>
-            </a:extLst>
-          </p:cNvPr>
-          <p:cNvSpPr txBox="1">
-            <a:spLocks noGrp="1"/>
-          </p:cNvSpPr>
-          <p:nvPr>
-            <p:ph type="subTitle" idx="2"/>
-          </p:nvPr>
-        </p:nvSpPr>
-        <p:spPr>
-          <a:xfrm>
-            <a:off x="-285134" y="2607625"/>
-            <a:ext cx="2923660" cy="523200"/>
-          </a:xfrm>
-          <a:prstGeom prst="rect">
-            <a:avLst/>
-          </a:prstGeom>
-          <a:noFill/>
-          <a:ln>
-            <a:noFill/>
-          </a:ln>
-        </p:spPr>
-        <p:txBody>
-          <a:bodyPr spcFirstLastPara="1" wrap="square" lIns="91400" tIns="91400" rIns="91400" bIns="91400" anchor="t" anchorCtr="0">
-            <a:noAutofit/>
-          </a:bodyPr>
-          <a:lstStyle/>
-          <a:p>
-            <a:pPr marL="457200" lvl="0" indent="-228600" algn="r" rtl="0">
-              <a:lnSpc>
-                <a:spcPct val="100000"/>
-              </a:lnSpc>
-              <a:spcBef>
-                <a:spcPts val="0"/>
-              </a:spcBef>
-              <a:spcAft>
-                <a:spcPts val="0"/>
-              </a:spcAft>
-              <a:buSzPts val="2700"/>
-              <a:buNone/>
-            </a:pPr>
-            <a:r>
-              <a:rPr lang="en-US" dirty="0"/>
-              <a:t>Docker Container Scanning</a:t>
-            </a:r>
-          </a:p>
-          <a:p>
-            <a:pPr marL="457200" lvl="0" indent="-228600" algn="r" rtl="0">
-              <a:lnSpc>
-                <a:spcPct val="100000"/>
-              </a:lnSpc>
-              <a:spcBef>
-                <a:spcPts val="0"/>
-              </a:spcBef>
-              <a:spcAft>
-                <a:spcPts val="0"/>
-              </a:spcAft>
-              <a:buSzPts val="2700"/>
-              <a:buNone/>
-            </a:pPr>
-            <a:endParaRPr dirty="0"/>
-          </a:p>
-        </p:txBody>
-      </p:sp>
-      <p:sp>
-        <p:nvSpPr>
-          <p:cNvPr id="1295" name="Google Shape;1295;p112">
-            <a:extLst>
-              <a:ext uri="{FF2B5EF4-FFF2-40B4-BE49-F238E27FC236}">
-                <a16:creationId xmlns:a16="http://schemas.microsoft.com/office/drawing/2014/main" id="{B687CD8C-02F8-4A13-E286-61D8AC84A3DD}"/>
-              </a:ext>
-            </a:extLst>
-          </p:cNvPr>
-          <p:cNvSpPr txBox="1">
-            <a:spLocks noGrp="1"/>
-          </p:cNvSpPr>
-          <p:nvPr>
-            <p:ph type="sldNum" idx="12"/>
-          </p:nvPr>
-        </p:nvSpPr>
-        <p:spPr>
-          <a:xfrm>
-            <a:off x="8556784" y="4749851"/>
-            <a:ext cx="548700" cy="393600"/>
-          </a:xfrm>
-          <a:prstGeom prst="rect">
-            <a:avLst/>
-          </a:prstGeom>
-          <a:noFill/>
-          <a:ln>
-            <a:noFill/>
-          </a:ln>
-        </p:spPr>
-        <p:txBody>
-          <a:bodyPr spcFirstLastPara="1" wrap="square" lIns="91425" tIns="91425" rIns="91425" bIns="91425" anchor="t" anchorCtr="0">
-            <a:noAutofit/>
-          </a:bodyPr>
-          <a:lstStyle/>
-          <a:p>
-            <a:pPr marL="0" lvl="0" indent="0" algn="r" rtl="0">
-              <a:lnSpc>
-                <a:spcPct val="100000"/>
-              </a:lnSpc>
-              <a:spcBef>
-                <a:spcPts val="0"/>
-              </a:spcBef>
-              <a:spcAft>
-                <a:spcPts val="0"/>
-              </a:spcAft>
-              <a:buSzPts val="1300"/>
-              <a:buNone/>
-            </a:pPr>
-            <a:fld id="{00000000-1234-1234-1234-123412341234}" type="slidenum">
-              <a:rPr lang="en-US"/>
-              <a:t>20</a:t>
-            </a:fld>
-            <a:endParaRPr/>
-          </a:p>
-        </p:txBody>
-      </p:sp>
-      <p:sp>
-        <p:nvSpPr>
-          <p:cNvPr id="1296" name="Google Shape;1296;p112">
-            <a:extLst>
-              <a:ext uri="{FF2B5EF4-FFF2-40B4-BE49-F238E27FC236}">
-                <a16:creationId xmlns:a16="http://schemas.microsoft.com/office/drawing/2014/main" id="{93257B9F-5DB8-6F94-B103-00DBE6C1FF91}"/>
-              </a:ext>
-            </a:extLst>
-          </p:cNvPr>
-          <p:cNvSpPr txBox="1"/>
-          <p:nvPr/>
-        </p:nvSpPr>
-        <p:spPr>
-          <a:xfrm>
-            <a:off x="4572000" y="2495059"/>
-            <a:ext cx="4572000" cy="246181"/>
-          </a:xfrm>
-          <a:prstGeom prst="rect">
-            <a:avLst/>
-          </a:prstGeom>
-          <a:noFill/>
-          <a:ln>
-            <a:noFill/>
-          </a:ln>
-        </p:spPr>
-        <p:txBody>
-          <a:bodyPr spcFirstLastPara="1" wrap="square" lIns="91425" tIns="45700" rIns="91425" bIns="45700" anchor="t" anchorCtr="0">
-            <a:spAutoFit/>
-          </a:bodyPr>
-          <a:lstStyle/>
-          <a:p>
-            <a:pPr marL="0" marR="0" lvl="0" indent="0" algn="l" rtl="0">
-              <a:lnSpc>
-                <a:spcPct val="100000"/>
-              </a:lnSpc>
-              <a:spcBef>
-                <a:spcPts val="0"/>
-              </a:spcBef>
-              <a:spcAft>
-                <a:spcPts val="0"/>
-              </a:spcAft>
-              <a:buNone/>
-            </a:pPr>
-            <a:r>
-              <a:rPr lang="en-US" sz="1000" dirty="0">
-                <a:solidFill>
-                  <a:srgbClr val="D4D4D4"/>
-                </a:solidFill>
-                <a:hlinkClick r:id="rId3"/>
-              </a:rPr>
-              <a:t>https://docs.gitlab.com/ee/tutorials/container_scanning/index.html</a:t>
-            </a:r>
-            <a:endParaRPr lang="en-US" sz="1000" dirty="0">
-              <a:solidFill>
-                <a:srgbClr val="D4D4D4"/>
-              </a:solidFill>
-            </a:endParaRPr>
-          </a:p>
-        </p:txBody>
-      </p:sp>
-    </p:spTree>
-    <p:extLst>
-      <p:ext uri="{BB962C8B-B14F-4D97-AF65-F5344CB8AC3E}">
-        <p14:creationId xmlns:p14="http://schemas.microsoft.com/office/powerpoint/2010/main" val="264363935"/>
-      </p:ext>
-    </p:extLst>
-  </p:cSld>
-  <p:clrMapOvr>
-    <a:masterClrMapping/>
-  </p:clrMapOvr>
-</p:sld>
-</file>
-
-<file path=ppt/slides/slide21.xml><?xml version="1.0" encoding="utf-8"?>
-<p:sld xmlns:a="http://schemas.openxmlformats.org/drawingml/2006/main" xmlns:r="http://schemas.openxmlformats.org/officeDocument/2006/relationships" xmlns:p="http://schemas.openxmlformats.org/presentationml/2006/main">
-  <p:cSld>
-    <p:spTree>
-      <p:nvGrpSpPr>
-        <p:cNvPr id="1" name="Shape 1292">
-          <a:extLst>
-            <a:ext uri="{FF2B5EF4-FFF2-40B4-BE49-F238E27FC236}">
               <a16:creationId xmlns:a16="http://schemas.microsoft.com/office/drawing/2014/main" id="{862CFE9A-8B85-865C-67FE-83DAF2E039C7}"/>
             </a:ext>
           </a:extLst>
@@ -23841,7 +24196,7 @@
             </a:pPr>
             <a:fld id="{00000000-1234-1234-1234-123412341234}" type="slidenum">
               <a:rPr lang="en-US"/>
-              <a:t>21</a:t>
+              <a:t>20</a:t>
             </a:fld>
             <a:endParaRPr/>
           </a:p>
@@ -23897,7 +24252,7 @@
                 </a:solidFill>
                 <a:hlinkClick r:id="rId3"/>
               </a:rPr>
-              <a:t>https://university.gitlab.com/learn/course/hands-on-labs-gitlab-with-git-essentials/main/hands-on-challenge-gitlab-with-git-essentials</a:t>
+              <a:t>https://university.gitlab.com/learn/course/hands-on-lab-security-essentials/main/hands-on-challenge-gitlab-security-essentials</a:t>
             </a:r>
             <a:endParaRPr lang="en-US" sz="1000" dirty="0">
               <a:solidFill>
@@ -23911,6 +24266,298 @@
     <p:extLst>
       <p:ext uri="{BB962C8B-B14F-4D97-AF65-F5344CB8AC3E}">
         <p14:creationId xmlns:p14="http://schemas.microsoft.com/office/powerpoint/2010/main" val="3876104701"/>
+      </p:ext>
+    </p:extLst>
+  </p:cSld>
+  <p:clrMapOvr>
+    <a:masterClrMapping/>
+  </p:clrMapOvr>
+</p:sld>
+</file>
+
+<file path=ppt/slides/slide21.xml><?xml version="1.0" encoding="utf-8"?>
+<p:sld xmlns:a="http://schemas.openxmlformats.org/drawingml/2006/main" xmlns:r="http://schemas.openxmlformats.org/officeDocument/2006/relationships" xmlns:p="http://schemas.openxmlformats.org/presentationml/2006/main">
+  <p:cSld>
+    <p:spTree>
+      <p:nvGrpSpPr>
+        <p:cNvPr id="1" name="Shape 1292">
+          <a:extLst>
+            <a:ext uri="{FF2B5EF4-FFF2-40B4-BE49-F238E27FC236}">
+              <a16:creationId xmlns:a16="http://schemas.microsoft.com/office/drawing/2014/main" id="{84565F25-EEB0-AC47-0C58-E9415BEE90A8}"/>
+            </a:ext>
+          </a:extLst>
+        </p:cNvPr>
+        <p:cNvGrpSpPr/>
+        <p:nvPr/>
+      </p:nvGrpSpPr>
+      <p:grpSpPr>
+        <a:xfrm>
+          <a:off x="0" y="0"/>
+          <a:ext cx="0" cy="0"/>
+          <a:chOff x="0" y="0"/>
+          <a:chExt cx="0" cy="0"/>
+        </a:xfrm>
+      </p:grpSpPr>
+      <p:sp>
+        <p:nvSpPr>
+          <p:cNvPr id="1293" name="Google Shape;1293;p112">
+            <a:extLst>
+              <a:ext uri="{FF2B5EF4-FFF2-40B4-BE49-F238E27FC236}">
+                <a16:creationId xmlns:a16="http://schemas.microsoft.com/office/drawing/2014/main" id="{EF683AF4-BF01-BCB4-8E01-82FBB58CA0F2}"/>
+              </a:ext>
+            </a:extLst>
+          </p:cNvPr>
+          <p:cNvSpPr txBox="1">
+            <a:spLocks noGrp="1"/>
+          </p:cNvSpPr>
+          <p:nvPr>
+            <p:ph type="title"/>
+          </p:nvPr>
+        </p:nvSpPr>
+        <p:spPr>
+          <a:xfrm>
+            <a:off x="256575" y="2094950"/>
+            <a:ext cx="2382000" cy="523200"/>
+          </a:xfrm>
+          <a:prstGeom prst="rect">
+            <a:avLst/>
+          </a:prstGeom>
+          <a:noFill/>
+          <a:ln>
+            <a:noFill/>
+          </a:ln>
+        </p:spPr>
+        <p:txBody>
+          <a:bodyPr spcFirstLastPara="1" wrap="square" lIns="45700" tIns="45700" rIns="45700" bIns="45700" anchor="b" anchorCtr="0">
+            <a:noAutofit/>
+          </a:bodyPr>
+          <a:lstStyle/>
+          <a:p>
+            <a:pPr marL="0" lvl="0" indent="0" algn="r" rtl="0">
+              <a:lnSpc>
+                <a:spcPct val="90000"/>
+              </a:lnSpc>
+              <a:spcBef>
+                <a:spcPts val="0"/>
+              </a:spcBef>
+              <a:spcAft>
+                <a:spcPts val="0"/>
+              </a:spcAft>
+              <a:buClr>
+                <a:schemeClr val="lt1"/>
+              </a:buClr>
+              <a:buSzPts val="1900"/>
+              <a:buNone/>
+            </a:pPr>
+            <a:r>
+              <a:rPr lang="en-US"/>
+              <a:t>LAB:</a:t>
+            </a:r>
+            <a:endParaRPr/>
+          </a:p>
+        </p:txBody>
+      </p:sp>
+      <p:sp>
+        <p:nvSpPr>
+          <p:cNvPr id="1294" name="Google Shape;1294;p112">
+            <a:extLst>
+              <a:ext uri="{FF2B5EF4-FFF2-40B4-BE49-F238E27FC236}">
+                <a16:creationId xmlns:a16="http://schemas.microsoft.com/office/drawing/2014/main" id="{F3A5220C-0EC4-CE28-5847-F970F6AACD40}"/>
+              </a:ext>
+            </a:extLst>
+          </p:cNvPr>
+          <p:cNvSpPr txBox="1">
+            <a:spLocks noGrp="1"/>
+          </p:cNvSpPr>
+          <p:nvPr>
+            <p:ph type="subTitle" idx="2"/>
+          </p:nvPr>
+        </p:nvSpPr>
+        <p:spPr>
+          <a:xfrm>
+            <a:off x="-285134" y="2607625"/>
+            <a:ext cx="2923660" cy="523200"/>
+          </a:xfrm>
+          <a:prstGeom prst="rect">
+            <a:avLst/>
+          </a:prstGeom>
+          <a:noFill/>
+          <a:ln>
+            <a:noFill/>
+          </a:ln>
+        </p:spPr>
+        <p:txBody>
+          <a:bodyPr spcFirstLastPara="1" wrap="square" lIns="91400" tIns="91400" rIns="91400" bIns="91400" anchor="t" anchorCtr="0">
+            <a:noAutofit/>
+          </a:bodyPr>
+          <a:lstStyle/>
+          <a:p>
+            <a:pPr marL="457200" lvl="0" indent="-228600" algn="r" rtl="0">
+              <a:lnSpc>
+                <a:spcPct val="100000"/>
+              </a:lnSpc>
+              <a:spcBef>
+                <a:spcPts val="0"/>
+              </a:spcBef>
+              <a:spcAft>
+                <a:spcPts val="0"/>
+              </a:spcAft>
+              <a:buSzPts val="2700"/>
+              <a:buNone/>
+            </a:pPr>
+            <a:r>
+              <a:rPr lang="en-US" dirty="0"/>
+              <a:t>Security End-to-End</a:t>
+            </a:r>
+          </a:p>
+          <a:p>
+            <a:pPr marL="457200" lvl="0" indent="-228600" algn="r" rtl="0">
+              <a:lnSpc>
+                <a:spcPct val="100000"/>
+              </a:lnSpc>
+              <a:spcBef>
+                <a:spcPts val="0"/>
+              </a:spcBef>
+              <a:spcAft>
+                <a:spcPts val="0"/>
+              </a:spcAft>
+              <a:buSzPts val="2700"/>
+              <a:buNone/>
+            </a:pPr>
+            <a:endParaRPr dirty="0"/>
+          </a:p>
+        </p:txBody>
+      </p:sp>
+      <p:sp>
+        <p:nvSpPr>
+          <p:cNvPr id="1295" name="Google Shape;1295;p112">
+            <a:extLst>
+              <a:ext uri="{FF2B5EF4-FFF2-40B4-BE49-F238E27FC236}">
+                <a16:creationId xmlns:a16="http://schemas.microsoft.com/office/drawing/2014/main" id="{D2C65716-0151-205C-AE32-D321F3022F3F}"/>
+              </a:ext>
+            </a:extLst>
+          </p:cNvPr>
+          <p:cNvSpPr txBox="1">
+            <a:spLocks noGrp="1"/>
+          </p:cNvSpPr>
+          <p:nvPr>
+            <p:ph type="sldNum" idx="12"/>
+          </p:nvPr>
+        </p:nvSpPr>
+        <p:spPr>
+          <a:xfrm>
+            <a:off x="8556784" y="4749851"/>
+            <a:ext cx="548700" cy="393600"/>
+          </a:xfrm>
+          <a:prstGeom prst="rect">
+            <a:avLst/>
+          </a:prstGeom>
+          <a:noFill/>
+          <a:ln>
+            <a:noFill/>
+          </a:ln>
+        </p:spPr>
+        <p:txBody>
+          <a:bodyPr spcFirstLastPara="1" wrap="square" lIns="91425" tIns="91425" rIns="91425" bIns="91425" anchor="t" anchorCtr="0">
+            <a:noAutofit/>
+          </a:bodyPr>
+          <a:lstStyle/>
+          <a:p>
+            <a:pPr marL="0" lvl="0" indent="0" algn="r" rtl="0">
+              <a:lnSpc>
+                <a:spcPct val="100000"/>
+              </a:lnSpc>
+              <a:spcBef>
+                <a:spcPts val="0"/>
+              </a:spcBef>
+              <a:spcAft>
+                <a:spcPts val="0"/>
+              </a:spcAft>
+              <a:buSzPts val="1300"/>
+              <a:buNone/>
+            </a:pPr>
+            <a:fld id="{00000000-1234-1234-1234-123412341234}" type="slidenum">
+              <a:rPr lang="en-US"/>
+              <a:t>21</a:t>
+            </a:fld>
+            <a:endParaRPr/>
+          </a:p>
+        </p:txBody>
+      </p:sp>
+      <p:sp>
+        <p:nvSpPr>
+          <p:cNvPr id="1296" name="Google Shape;1296;p112">
+            <a:extLst>
+              <a:ext uri="{FF2B5EF4-FFF2-40B4-BE49-F238E27FC236}">
+                <a16:creationId xmlns:a16="http://schemas.microsoft.com/office/drawing/2014/main" id="{C454DEC4-325F-7183-F586-EB647A5AC6B6}"/>
+              </a:ext>
+            </a:extLst>
+          </p:cNvPr>
+          <p:cNvSpPr txBox="1"/>
+          <p:nvPr/>
+        </p:nvSpPr>
+        <p:spPr>
+          <a:xfrm>
+            <a:off x="4219427" y="2475395"/>
+            <a:ext cx="4572000" cy="707846"/>
+          </a:xfrm>
+          <a:prstGeom prst="rect">
+            <a:avLst/>
+          </a:prstGeom>
+          <a:noFill/>
+          <a:ln>
+            <a:noFill/>
+          </a:ln>
+        </p:spPr>
+        <p:txBody>
+          <a:bodyPr spcFirstLastPara="1" wrap="square" lIns="91425" tIns="45700" rIns="91425" bIns="45700" anchor="t" anchorCtr="0">
+            <a:spAutoFit/>
+          </a:bodyPr>
+          <a:lstStyle/>
+          <a:p>
+            <a:pPr marL="0" marR="0" lvl="0" indent="0" algn="l" rtl="0">
+              <a:lnSpc>
+                <a:spcPct val="100000"/>
+              </a:lnSpc>
+              <a:spcBef>
+                <a:spcPts val="0"/>
+              </a:spcBef>
+              <a:spcAft>
+                <a:spcPts val="0"/>
+              </a:spcAft>
+              <a:buNone/>
+            </a:pPr>
+            <a:r>
+              <a:rPr lang="en-US" sz="1000" dirty="0">
+                <a:solidFill>
+                  <a:srgbClr val="D4D4D4"/>
+                </a:solidFill>
+              </a:rPr>
+              <a:t>Update your </a:t>
+            </a:r>
+            <a:r>
+              <a:rPr lang="en-US" sz="1000" dirty="0" err="1">
+                <a:solidFill>
+                  <a:srgbClr val="D4D4D4"/>
+                </a:solidFill>
+              </a:rPr>
+              <a:t>Docusaurus</a:t>
+            </a:r>
+            <a:r>
+              <a:rPr lang="en-US" sz="1000" dirty="0">
+                <a:solidFill>
+                  <a:srgbClr val="D4D4D4"/>
+                </a:solidFill>
+              </a:rPr>
+              <a:t> solution to include the various concepts we’ve been learning – add dependency scanning, SAST, DAST, additional stages, etc. to build out a more full-featured pipeline. Address any High or Critical vulnerabilities uncovered.</a:t>
+            </a:r>
+          </a:p>
+        </p:txBody>
+      </p:sp>
+    </p:spTree>
+    <p:extLst>
+      <p:ext uri="{BB962C8B-B14F-4D97-AF65-F5344CB8AC3E}">
+        <p14:creationId xmlns:p14="http://schemas.microsoft.com/office/powerpoint/2010/main" val="3318081443"/>
       </p:ext>
     </p:extLst>
   </p:cSld>

--- a/gitlab/slides/GitLab.pptx
+++ b/gitlab/slides/GitLab.pptx
@@ -5,7 +5,7 @@
     <p:sldMasterId id="2147483686" r:id="rId1"/>
   </p:sldMasterIdLst>
   <p:notesMasterIdLst>
-    <p:notesMasterId r:id="rId24"/>
+    <p:notesMasterId r:id="rId30"/>
   </p:notesMasterIdLst>
   <p:sldIdLst>
     <p:sldId id="2147472568" r:id="rId2"/>
@@ -28,32 +28,38 @@
     <p:sldId id="2147472659" r:id="rId19"/>
     <p:sldId id="2147472661" r:id="rId20"/>
     <p:sldId id="2147472662" r:id="rId21"/>
-    <p:sldId id="2147472663" r:id="rId22"/>
-    <p:sldId id="269" r:id="rId23"/>
+    <p:sldId id="2147472664" r:id="rId22"/>
+    <p:sldId id="2147472663" r:id="rId23"/>
+    <p:sldId id="2147472665" r:id="rId24"/>
+    <p:sldId id="2147472666" r:id="rId25"/>
+    <p:sldId id="2147472667" r:id="rId26"/>
+    <p:sldId id="2147472668" r:id="rId27"/>
+    <p:sldId id="2147472669" r:id="rId28"/>
+    <p:sldId id="269" r:id="rId29"/>
   </p:sldIdLst>
   <p:sldSz cx="9144000" cy="5143500" type="screen16x9"/>
   <p:notesSz cx="6858000" cy="9144000"/>
   <p:embeddedFontLst>
     <p:embeddedFont>
       <p:font typeface="Helvetica Neue Light" panose="020B0604020202020204" charset="0"/>
-      <p:regular r:id="rId25"/>
-      <p:bold r:id="rId26"/>
-      <p:italic r:id="rId27"/>
-      <p:boldItalic r:id="rId28"/>
+      <p:regular r:id="rId31"/>
+      <p:bold r:id="rId32"/>
+      <p:italic r:id="rId33"/>
+      <p:boldItalic r:id="rId34"/>
     </p:embeddedFont>
     <p:embeddedFont>
       <p:font typeface="Montserrat" panose="00000500000000000000" pitchFamily="2" charset="0"/>
-      <p:regular r:id="rId29"/>
-      <p:bold r:id="rId30"/>
-      <p:italic r:id="rId31"/>
-      <p:boldItalic r:id="rId32"/>
+      <p:regular r:id="rId35"/>
+      <p:bold r:id="rId36"/>
+      <p:italic r:id="rId37"/>
+      <p:boldItalic r:id="rId38"/>
     </p:embeddedFont>
     <p:embeddedFont>
       <p:font typeface="Montserrat Medium" panose="00000600000000000000" pitchFamily="2" charset="0"/>
-      <p:regular r:id="rId33"/>
-      <p:bold r:id="rId34"/>
-      <p:italic r:id="rId35"/>
-      <p:boldItalic r:id="rId36"/>
+      <p:regular r:id="rId39"/>
+      <p:bold r:id="rId40"/>
+      <p:italic r:id="rId41"/>
+      <p:boldItalic r:id="rId42"/>
     </p:embeddedFont>
   </p:embeddedFontLst>
   <p:defaultTextStyle>
@@ -2817,6 +2823,1195 @@
               <a:buSzPts val="1100"/>
               <a:buNone/>
             </a:pPr>
+            <a:r>
+              <a:rPr lang="en-US" dirty="0"/>
+              <a:t>stages:</a:t>
+            </a:r>
+          </a:p>
+          <a:p>
+            <a:pPr marL="158750" lvl="0" indent="0" algn="l" rtl="0">
+              <a:lnSpc>
+                <a:spcPct val="100000"/>
+              </a:lnSpc>
+              <a:spcBef>
+                <a:spcPts val="0"/>
+              </a:spcBef>
+              <a:spcAft>
+                <a:spcPts val="0"/>
+              </a:spcAft>
+              <a:buSzPts val="1100"/>
+              <a:buNone/>
+            </a:pPr>
+            <a:r>
+              <a:rPr lang="en-US" dirty="0"/>
+              <a:t>- build</a:t>
+            </a:r>
+          </a:p>
+          <a:p>
+            <a:pPr marL="158750" lvl="0" indent="0" algn="l" rtl="0">
+              <a:lnSpc>
+                <a:spcPct val="100000"/>
+              </a:lnSpc>
+              <a:spcBef>
+                <a:spcPts val="0"/>
+              </a:spcBef>
+              <a:spcAft>
+                <a:spcPts val="0"/>
+              </a:spcAft>
+              <a:buSzPts val="1100"/>
+              <a:buNone/>
+            </a:pPr>
+            <a:r>
+              <a:rPr lang="en-US" dirty="0"/>
+              <a:t>- test</a:t>
+            </a:r>
+          </a:p>
+          <a:p>
+            <a:pPr marL="158750" lvl="0" indent="0" algn="l" rtl="0">
+              <a:lnSpc>
+                <a:spcPct val="100000"/>
+              </a:lnSpc>
+              <a:spcBef>
+                <a:spcPts val="0"/>
+              </a:spcBef>
+              <a:spcAft>
+                <a:spcPts val="0"/>
+              </a:spcAft>
+              <a:buSzPts val="1100"/>
+              <a:buNone/>
+            </a:pPr>
+            <a:r>
+              <a:rPr lang="en-US" dirty="0"/>
+              <a:t>- </a:t>
+            </a:r>
+            <a:r>
+              <a:rPr lang="en-US" dirty="0" err="1"/>
+              <a:t>devsecops</a:t>
+            </a:r>
+            <a:endParaRPr lang="en-US" dirty="0"/>
+          </a:p>
+          <a:p>
+            <a:pPr marL="158750" lvl="0" indent="0" algn="l" rtl="0">
+              <a:lnSpc>
+                <a:spcPct val="100000"/>
+              </a:lnSpc>
+              <a:spcBef>
+                <a:spcPts val="0"/>
+              </a:spcBef>
+              <a:spcAft>
+                <a:spcPts val="0"/>
+              </a:spcAft>
+              <a:buSzPts val="1100"/>
+              <a:buNone/>
+            </a:pPr>
+            <a:endParaRPr lang="en-US" dirty="0"/>
+          </a:p>
+          <a:p>
+            <a:pPr marL="158750" lvl="0" indent="0" algn="l" rtl="0">
+              <a:lnSpc>
+                <a:spcPct val="100000"/>
+              </a:lnSpc>
+              <a:spcBef>
+                <a:spcPts val="0"/>
+              </a:spcBef>
+              <a:spcAft>
+                <a:spcPts val="0"/>
+              </a:spcAft>
+              <a:buSzPts val="1100"/>
+              <a:buNone/>
+            </a:pPr>
+            <a:r>
+              <a:rPr lang="en-US" dirty="0"/>
+              <a:t>include:</a:t>
+            </a:r>
+          </a:p>
+          <a:p>
+            <a:pPr marL="158750" lvl="0" indent="0" algn="l" rtl="0">
+              <a:lnSpc>
+                <a:spcPct val="100000"/>
+              </a:lnSpc>
+              <a:spcBef>
+                <a:spcPts val="0"/>
+              </a:spcBef>
+              <a:spcAft>
+                <a:spcPts val="0"/>
+              </a:spcAft>
+              <a:buSzPts val="1100"/>
+              <a:buNone/>
+            </a:pPr>
+            <a:r>
+              <a:rPr lang="en-US" dirty="0"/>
+              <a:t>  - template: Jobs/Container-</a:t>
+            </a:r>
+            <a:r>
+              <a:rPr lang="en-US" dirty="0" err="1"/>
+              <a:t>Scanning.gitlab</a:t>
+            </a:r>
+            <a:r>
+              <a:rPr lang="en-US" dirty="0"/>
+              <a:t>-</a:t>
+            </a:r>
+            <a:r>
+              <a:rPr lang="en-US" dirty="0" err="1"/>
+              <a:t>ci.yml</a:t>
+            </a:r>
+            <a:endParaRPr lang="en-US" dirty="0"/>
+          </a:p>
+          <a:p>
+            <a:pPr marL="158750" lvl="0" indent="0" algn="l" rtl="0">
+              <a:lnSpc>
+                <a:spcPct val="100000"/>
+              </a:lnSpc>
+              <a:spcBef>
+                <a:spcPts val="0"/>
+              </a:spcBef>
+              <a:spcAft>
+                <a:spcPts val="0"/>
+              </a:spcAft>
+              <a:buSzPts val="1100"/>
+              <a:buNone/>
+            </a:pPr>
+            <a:r>
+              <a:rPr lang="en-US" dirty="0"/>
+              <a:t>  - template: Jobs/Dependency-</a:t>
+            </a:r>
+            <a:r>
+              <a:rPr lang="en-US" dirty="0" err="1"/>
+              <a:t>Scanning.gitlab</a:t>
+            </a:r>
+            <a:r>
+              <a:rPr lang="en-US" dirty="0"/>
+              <a:t>-</a:t>
+            </a:r>
+            <a:r>
+              <a:rPr lang="en-US" dirty="0" err="1"/>
+              <a:t>ci.yml</a:t>
+            </a:r>
+            <a:endParaRPr lang="en-US" dirty="0"/>
+          </a:p>
+          <a:p>
+            <a:pPr marL="158750" lvl="0" indent="0" algn="l" rtl="0">
+              <a:lnSpc>
+                <a:spcPct val="100000"/>
+              </a:lnSpc>
+              <a:spcBef>
+                <a:spcPts val="0"/>
+              </a:spcBef>
+              <a:spcAft>
+                <a:spcPts val="0"/>
+              </a:spcAft>
+              <a:buSzPts val="1100"/>
+              <a:buNone/>
+            </a:pPr>
+            <a:endParaRPr lang="en-US" dirty="0"/>
+          </a:p>
+          <a:p>
+            <a:pPr marL="158750" lvl="0" indent="0" algn="l" rtl="0">
+              <a:lnSpc>
+                <a:spcPct val="100000"/>
+              </a:lnSpc>
+              <a:spcBef>
+                <a:spcPts val="0"/>
+              </a:spcBef>
+              <a:spcAft>
+                <a:spcPts val="0"/>
+              </a:spcAft>
+              <a:buSzPts val="1100"/>
+              <a:buNone/>
+            </a:pPr>
+            <a:r>
+              <a:rPr lang="en-US" dirty="0" err="1"/>
+              <a:t>gemnasium-dependency_scanning</a:t>
+            </a:r>
+            <a:r>
+              <a:rPr lang="en-US" dirty="0"/>
+              <a:t>:</a:t>
+            </a:r>
+          </a:p>
+          <a:p>
+            <a:pPr marL="158750" lvl="0" indent="0" algn="l" rtl="0">
+              <a:lnSpc>
+                <a:spcPct val="100000"/>
+              </a:lnSpc>
+              <a:spcBef>
+                <a:spcPts val="0"/>
+              </a:spcBef>
+              <a:spcAft>
+                <a:spcPts val="0"/>
+              </a:spcAft>
+              <a:buSzPts val="1100"/>
+              <a:buNone/>
+            </a:pPr>
+            <a:r>
+              <a:rPr lang="en-US" dirty="0"/>
+              <a:t>  tags: [ saas-linux-large-amd64 ]</a:t>
+            </a:r>
+          </a:p>
+          <a:p>
+            <a:pPr marL="158750" lvl="0" indent="0" algn="l" rtl="0">
+              <a:lnSpc>
+                <a:spcPct val="100000"/>
+              </a:lnSpc>
+              <a:spcBef>
+                <a:spcPts val="0"/>
+              </a:spcBef>
+              <a:spcAft>
+                <a:spcPts val="0"/>
+              </a:spcAft>
+              <a:buSzPts val="1100"/>
+              <a:buNone/>
+            </a:pPr>
+            <a:r>
+              <a:rPr lang="en-US" dirty="0"/>
+              <a:t>  rules:</a:t>
+            </a:r>
+          </a:p>
+          <a:p>
+            <a:pPr marL="158750" lvl="0" indent="0" algn="l" rtl="0">
+              <a:lnSpc>
+                <a:spcPct val="100000"/>
+              </a:lnSpc>
+              <a:spcBef>
+                <a:spcPts val="0"/>
+              </a:spcBef>
+              <a:spcAft>
+                <a:spcPts val="0"/>
+              </a:spcAft>
+              <a:buSzPts val="1100"/>
+              <a:buNone/>
+            </a:pPr>
+            <a:r>
+              <a:rPr lang="en-US" dirty="0"/>
+              <a:t>    - if: $CI_COMMIT_BRANCH == "main"</a:t>
+            </a:r>
+          </a:p>
+          <a:p>
+            <a:pPr marL="158750" lvl="0" indent="0" algn="l" rtl="0">
+              <a:lnSpc>
+                <a:spcPct val="100000"/>
+              </a:lnSpc>
+              <a:spcBef>
+                <a:spcPts val="0"/>
+              </a:spcBef>
+              <a:spcAft>
+                <a:spcPts val="0"/>
+              </a:spcAft>
+              <a:buSzPts val="1100"/>
+              <a:buNone/>
+            </a:pPr>
+            <a:r>
+              <a:rPr lang="en-US" dirty="0"/>
+              <a:t>    - if: $CI_MERGE_REQUEST_IID</a:t>
+            </a:r>
+          </a:p>
+          <a:p>
+            <a:pPr marL="158750" lvl="0" indent="0" algn="l" rtl="0">
+              <a:lnSpc>
+                <a:spcPct val="100000"/>
+              </a:lnSpc>
+              <a:spcBef>
+                <a:spcPts val="0"/>
+              </a:spcBef>
+              <a:spcAft>
+                <a:spcPts val="0"/>
+              </a:spcAft>
+              <a:buSzPts val="1100"/>
+              <a:buNone/>
+            </a:pPr>
+            <a:r>
+              <a:rPr lang="en-US" dirty="0"/>
+              <a:t>  artifacts:</a:t>
+            </a:r>
+          </a:p>
+          <a:p>
+            <a:pPr marL="158750" lvl="0" indent="0" algn="l" rtl="0">
+              <a:lnSpc>
+                <a:spcPct val="100000"/>
+              </a:lnSpc>
+              <a:spcBef>
+                <a:spcPts val="0"/>
+              </a:spcBef>
+              <a:spcAft>
+                <a:spcPts val="0"/>
+              </a:spcAft>
+              <a:buSzPts val="1100"/>
+              <a:buNone/>
+            </a:pPr>
+            <a:r>
+              <a:rPr lang="en-US" dirty="0"/>
+              <a:t>    paths:</a:t>
+            </a:r>
+          </a:p>
+          <a:p>
+            <a:pPr marL="158750" lvl="0" indent="0" algn="l" rtl="0">
+              <a:lnSpc>
+                <a:spcPct val="100000"/>
+              </a:lnSpc>
+              <a:spcBef>
+                <a:spcPts val="0"/>
+              </a:spcBef>
+              <a:spcAft>
+                <a:spcPts val="0"/>
+              </a:spcAft>
+              <a:buSzPts val="1100"/>
+              <a:buNone/>
+            </a:pPr>
+            <a:r>
+              <a:rPr lang="en-US" dirty="0"/>
+              <a:t>      - </a:t>
+            </a:r>
+            <a:r>
+              <a:rPr lang="en-US" dirty="0" err="1"/>
+              <a:t>gl</a:t>
+            </a:r>
+            <a:r>
+              <a:rPr lang="en-US" dirty="0"/>
+              <a:t>-dependency-scanning-</a:t>
+            </a:r>
+            <a:r>
+              <a:rPr lang="en-US" dirty="0" err="1"/>
+              <a:t>report.json</a:t>
+            </a:r>
+            <a:endParaRPr lang="en-US" dirty="0"/>
+          </a:p>
+          <a:p>
+            <a:pPr marL="158750" lvl="0" indent="0" algn="l" rtl="0">
+              <a:lnSpc>
+                <a:spcPct val="100000"/>
+              </a:lnSpc>
+              <a:spcBef>
+                <a:spcPts val="0"/>
+              </a:spcBef>
+              <a:spcAft>
+                <a:spcPts val="0"/>
+              </a:spcAft>
+              <a:buSzPts val="1100"/>
+              <a:buNone/>
+            </a:pPr>
+            <a:endParaRPr lang="en-US" dirty="0"/>
+          </a:p>
+          <a:p>
+            <a:pPr marL="158750" lvl="0" indent="0" algn="l" rtl="0">
+              <a:lnSpc>
+                <a:spcPct val="100000"/>
+              </a:lnSpc>
+              <a:spcBef>
+                <a:spcPts val="0"/>
+              </a:spcBef>
+              <a:spcAft>
+                <a:spcPts val="0"/>
+              </a:spcAft>
+              <a:buSzPts val="1100"/>
+              <a:buNone/>
+            </a:pPr>
+            <a:r>
+              <a:rPr lang="en-US" dirty="0" err="1"/>
+              <a:t>container_scanning</a:t>
+            </a:r>
+            <a:r>
+              <a:rPr lang="en-US" dirty="0"/>
+              <a:t>:</a:t>
+            </a:r>
+          </a:p>
+          <a:p>
+            <a:pPr marL="158750" lvl="0" indent="0" algn="l" rtl="0">
+              <a:lnSpc>
+                <a:spcPct val="100000"/>
+              </a:lnSpc>
+              <a:spcBef>
+                <a:spcPts val="0"/>
+              </a:spcBef>
+              <a:spcAft>
+                <a:spcPts val="0"/>
+              </a:spcAft>
+              <a:buSzPts val="1100"/>
+              <a:buNone/>
+            </a:pPr>
+            <a:r>
+              <a:rPr lang="en-US" dirty="0"/>
+              <a:t>  variables:</a:t>
+            </a:r>
+          </a:p>
+          <a:p>
+            <a:pPr marL="158750" lvl="0" indent="0" algn="l" rtl="0">
+              <a:lnSpc>
+                <a:spcPct val="100000"/>
+              </a:lnSpc>
+              <a:spcBef>
+                <a:spcPts val="0"/>
+              </a:spcBef>
+              <a:spcAft>
+                <a:spcPts val="0"/>
+              </a:spcAft>
+              <a:buSzPts val="1100"/>
+              <a:buNone/>
+            </a:pPr>
+            <a:r>
+              <a:rPr lang="en-US" dirty="0"/>
+              <a:t>    GIT_STRATEGY: fetch</a:t>
+            </a:r>
+          </a:p>
+          <a:p>
+            <a:pPr marL="158750" lvl="0" indent="0" algn="l" rtl="0">
+              <a:lnSpc>
+                <a:spcPct val="100000"/>
+              </a:lnSpc>
+              <a:spcBef>
+                <a:spcPts val="0"/>
+              </a:spcBef>
+              <a:spcAft>
+                <a:spcPts val="0"/>
+              </a:spcAft>
+              <a:buSzPts val="1100"/>
+              <a:buNone/>
+            </a:pPr>
+            <a:r>
+              <a:rPr lang="en-US" dirty="0"/>
+              <a:t>    CS_DOCKERFILE_PATH: "$CI_PROJECT_DIR/</a:t>
+            </a:r>
+            <a:r>
+              <a:rPr lang="en-US" dirty="0" err="1"/>
+              <a:t>Dockerfile</a:t>
+            </a:r>
+            <a:r>
+              <a:rPr lang="en-US" dirty="0"/>
+              <a:t>"</a:t>
+            </a:r>
+          </a:p>
+          <a:p>
+            <a:pPr marL="158750" lvl="0" indent="0" algn="l" rtl="0">
+              <a:lnSpc>
+                <a:spcPct val="100000"/>
+              </a:lnSpc>
+              <a:spcBef>
+                <a:spcPts val="0"/>
+              </a:spcBef>
+              <a:spcAft>
+                <a:spcPts val="0"/>
+              </a:spcAft>
+              <a:buSzPts val="1100"/>
+              <a:buNone/>
+            </a:pPr>
+            <a:r>
+              <a:rPr lang="en-US" dirty="0"/>
+              <a:t>    CS_IMAGE: $CI_REGISTRY_IMAGE/tutorial-image</a:t>
+            </a:r>
+          </a:p>
+          <a:p>
+            <a:pPr marL="158750" lvl="0" indent="0" algn="l" rtl="0">
+              <a:lnSpc>
+                <a:spcPct val="100000"/>
+              </a:lnSpc>
+              <a:spcBef>
+                <a:spcPts val="0"/>
+              </a:spcBef>
+              <a:spcAft>
+                <a:spcPts val="0"/>
+              </a:spcAft>
+              <a:buSzPts val="1100"/>
+              <a:buNone/>
+            </a:pPr>
+            <a:r>
+              <a:rPr lang="en-US" dirty="0"/>
+              <a:t>  artifacts:</a:t>
+            </a:r>
+          </a:p>
+          <a:p>
+            <a:pPr marL="158750" lvl="0" indent="0" algn="l" rtl="0">
+              <a:lnSpc>
+                <a:spcPct val="100000"/>
+              </a:lnSpc>
+              <a:spcBef>
+                <a:spcPts val="0"/>
+              </a:spcBef>
+              <a:spcAft>
+                <a:spcPts val="0"/>
+              </a:spcAft>
+              <a:buSzPts val="1100"/>
+              <a:buNone/>
+            </a:pPr>
+            <a:r>
+              <a:rPr lang="en-US" dirty="0"/>
+              <a:t>    paths:</a:t>
+            </a:r>
+          </a:p>
+          <a:p>
+            <a:pPr marL="158750" lvl="0" indent="0" algn="l" rtl="0">
+              <a:lnSpc>
+                <a:spcPct val="100000"/>
+              </a:lnSpc>
+              <a:spcBef>
+                <a:spcPts val="0"/>
+              </a:spcBef>
+              <a:spcAft>
+                <a:spcPts val="0"/>
+              </a:spcAft>
+              <a:buSzPts val="1100"/>
+              <a:buNone/>
+            </a:pPr>
+            <a:r>
+              <a:rPr lang="en-US" dirty="0"/>
+              <a:t>      - </a:t>
+            </a:r>
+            <a:r>
+              <a:rPr lang="en-US" dirty="0" err="1"/>
+              <a:t>gl</a:t>
+            </a:r>
+            <a:r>
+              <a:rPr lang="en-US" dirty="0"/>
+              <a:t>-container-scanning-</a:t>
+            </a:r>
+            <a:r>
+              <a:rPr lang="en-US" dirty="0" err="1"/>
+              <a:t>report.json</a:t>
+            </a:r>
+            <a:endParaRPr lang="en-US" dirty="0"/>
+          </a:p>
+          <a:p>
+            <a:pPr marL="158750" lvl="0" indent="0" algn="l" rtl="0">
+              <a:lnSpc>
+                <a:spcPct val="100000"/>
+              </a:lnSpc>
+              <a:spcBef>
+                <a:spcPts val="0"/>
+              </a:spcBef>
+              <a:spcAft>
+                <a:spcPts val="0"/>
+              </a:spcAft>
+              <a:buSzPts val="1100"/>
+              <a:buNone/>
+            </a:pPr>
+            <a:endParaRPr lang="en-US" dirty="0"/>
+          </a:p>
+          <a:p>
+            <a:pPr marL="158750" lvl="0" indent="0" algn="l" rtl="0">
+              <a:lnSpc>
+                <a:spcPct val="100000"/>
+              </a:lnSpc>
+              <a:spcBef>
+                <a:spcPts val="0"/>
+              </a:spcBef>
+              <a:spcAft>
+                <a:spcPts val="0"/>
+              </a:spcAft>
+              <a:buSzPts val="1100"/>
+              <a:buNone/>
+            </a:pPr>
+            <a:endParaRPr lang="en-US" dirty="0"/>
+          </a:p>
+          <a:p>
+            <a:pPr marL="158750" lvl="0" indent="0" algn="l" rtl="0">
+              <a:lnSpc>
+                <a:spcPct val="100000"/>
+              </a:lnSpc>
+              <a:spcBef>
+                <a:spcPts val="0"/>
+              </a:spcBef>
+              <a:spcAft>
+                <a:spcPts val="0"/>
+              </a:spcAft>
+              <a:buSzPts val="1100"/>
+              <a:buNone/>
+            </a:pPr>
+            <a:r>
+              <a:rPr lang="en-US" dirty="0"/>
+              <a:t>build-image:</a:t>
+            </a:r>
+          </a:p>
+          <a:p>
+            <a:pPr marL="158750" lvl="0" indent="0" algn="l" rtl="0">
+              <a:lnSpc>
+                <a:spcPct val="100000"/>
+              </a:lnSpc>
+              <a:spcBef>
+                <a:spcPts val="0"/>
+              </a:spcBef>
+              <a:spcAft>
+                <a:spcPts val="0"/>
+              </a:spcAft>
+              <a:buSzPts val="1100"/>
+              <a:buNone/>
+            </a:pPr>
+            <a:r>
+              <a:rPr lang="en-US" dirty="0"/>
+              <a:t>  image: docker:24.0.2</a:t>
+            </a:r>
+          </a:p>
+          <a:p>
+            <a:pPr marL="158750" lvl="0" indent="0" algn="l" rtl="0">
+              <a:lnSpc>
+                <a:spcPct val="100000"/>
+              </a:lnSpc>
+              <a:spcBef>
+                <a:spcPts val="0"/>
+              </a:spcBef>
+              <a:spcAft>
+                <a:spcPts val="0"/>
+              </a:spcAft>
+              <a:buSzPts val="1100"/>
+              <a:buNone/>
+            </a:pPr>
+            <a:r>
+              <a:rPr lang="en-US" dirty="0"/>
+              <a:t>  stage: build</a:t>
+            </a:r>
+          </a:p>
+          <a:p>
+            <a:pPr marL="158750" lvl="0" indent="0" algn="l" rtl="0">
+              <a:lnSpc>
+                <a:spcPct val="100000"/>
+              </a:lnSpc>
+              <a:spcBef>
+                <a:spcPts val="0"/>
+              </a:spcBef>
+              <a:spcAft>
+                <a:spcPts val="0"/>
+              </a:spcAft>
+              <a:buSzPts val="1100"/>
+              <a:buNone/>
+            </a:pPr>
+            <a:r>
+              <a:rPr lang="en-US" dirty="0"/>
+              <a:t>  services:</a:t>
+            </a:r>
+          </a:p>
+          <a:p>
+            <a:pPr marL="158750" lvl="0" indent="0" algn="l" rtl="0">
+              <a:lnSpc>
+                <a:spcPct val="100000"/>
+              </a:lnSpc>
+              <a:spcBef>
+                <a:spcPts val="0"/>
+              </a:spcBef>
+              <a:spcAft>
+                <a:spcPts val="0"/>
+              </a:spcAft>
+              <a:buSzPts val="1100"/>
+              <a:buNone/>
+            </a:pPr>
+            <a:r>
+              <a:rPr lang="en-US" dirty="0"/>
+              <a:t>    - docker:24.0.2-dind</a:t>
+            </a:r>
+          </a:p>
+          <a:p>
+            <a:pPr marL="158750" lvl="0" indent="0" algn="l" rtl="0">
+              <a:lnSpc>
+                <a:spcPct val="100000"/>
+              </a:lnSpc>
+              <a:spcBef>
+                <a:spcPts val="0"/>
+              </a:spcBef>
+              <a:spcAft>
+                <a:spcPts val="0"/>
+              </a:spcAft>
+              <a:buSzPts val="1100"/>
+              <a:buNone/>
+            </a:pPr>
+            <a:r>
+              <a:rPr lang="en-US" dirty="0"/>
+              <a:t>  script:</a:t>
+            </a:r>
+          </a:p>
+          <a:p>
+            <a:pPr marL="158750" lvl="0" indent="0" algn="l" rtl="0">
+              <a:lnSpc>
+                <a:spcPct val="100000"/>
+              </a:lnSpc>
+              <a:spcBef>
+                <a:spcPts val="0"/>
+              </a:spcBef>
+              <a:spcAft>
+                <a:spcPts val="0"/>
+              </a:spcAft>
+              <a:buSzPts val="1100"/>
+              <a:buNone/>
+            </a:pPr>
+            <a:r>
+              <a:rPr lang="en-US" dirty="0"/>
+              <a:t>    - docker build --tag $CI_REGISTRY_IMAGE/tutorial-image --file </a:t>
+            </a:r>
+            <a:r>
+              <a:rPr lang="en-US" dirty="0" err="1"/>
+              <a:t>Dockerfile</a:t>
+            </a:r>
+            <a:r>
+              <a:rPr lang="en-US" dirty="0"/>
+              <a:t> .</a:t>
+            </a:r>
+          </a:p>
+          <a:p>
+            <a:pPr marL="158750" lvl="0" indent="0" algn="l" rtl="0">
+              <a:lnSpc>
+                <a:spcPct val="100000"/>
+              </a:lnSpc>
+              <a:spcBef>
+                <a:spcPts val="0"/>
+              </a:spcBef>
+              <a:spcAft>
+                <a:spcPts val="0"/>
+              </a:spcAft>
+              <a:buSzPts val="1100"/>
+              <a:buNone/>
+            </a:pPr>
+            <a:r>
+              <a:rPr lang="en-US" dirty="0"/>
+              <a:t>    - docker login --username </a:t>
+            </a:r>
+            <a:r>
+              <a:rPr lang="en-US" dirty="0" err="1"/>
+              <a:t>gitlab</a:t>
+            </a:r>
+            <a:r>
+              <a:rPr lang="en-US" dirty="0"/>
+              <a:t>-ci-token --password $CI_JOB_TOKEN $CI_REGISTRY</a:t>
+            </a:r>
+          </a:p>
+          <a:p>
+            <a:pPr marL="158750" lvl="0" indent="0" algn="l" rtl="0">
+              <a:lnSpc>
+                <a:spcPct val="100000"/>
+              </a:lnSpc>
+              <a:spcBef>
+                <a:spcPts val="0"/>
+              </a:spcBef>
+              <a:spcAft>
+                <a:spcPts val="0"/>
+              </a:spcAft>
+              <a:buSzPts val="1100"/>
+              <a:buNone/>
+            </a:pPr>
+            <a:r>
+              <a:rPr lang="en-US" dirty="0"/>
+              <a:t>    - docker push $CI_REGISTRY_IMAGE/tutorial-image</a:t>
+            </a:r>
+          </a:p>
+          <a:p>
+            <a:pPr marL="158750" lvl="0" indent="0" algn="l" rtl="0">
+              <a:lnSpc>
+                <a:spcPct val="100000"/>
+              </a:lnSpc>
+              <a:spcBef>
+                <a:spcPts val="0"/>
+              </a:spcBef>
+              <a:spcAft>
+                <a:spcPts val="0"/>
+              </a:spcAft>
+              <a:buSzPts val="1100"/>
+              <a:buNone/>
+            </a:pPr>
+            <a:endParaRPr lang="en-US" dirty="0"/>
+          </a:p>
+          <a:p>
+            <a:pPr marL="158750" lvl="0" indent="0" algn="l" rtl="0">
+              <a:lnSpc>
+                <a:spcPct val="100000"/>
+              </a:lnSpc>
+              <a:spcBef>
+                <a:spcPts val="0"/>
+              </a:spcBef>
+              <a:spcAft>
+                <a:spcPts val="0"/>
+              </a:spcAft>
+              <a:buSzPts val="1100"/>
+              <a:buNone/>
+            </a:pPr>
+            <a:r>
+              <a:rPr lang="en-US" dirty="0" err="1"/>
+              <a:t>security_gate_ds</a:t>
+            </a:r>
+            <a:r>
+              <a:rPr lang="en-US" dirty="0"/>
+              <a:t>:</a:t>
+            </a:r>
+          </a:p>
+          <a:p>
+            <a:pPr marL="158750" lvl="0" indent="0" algn="l" rtl="0">
+              <a:lnSpc>
+                <a:spcPct val="100000"/>
+              </a:lnSpc>
+              <a:spcBef>
+                <a:spcPts val="0"/>
+              </a:spcBef>
+              <a:spcAft>
+                <a:spcPts val="0"/>
+              </a:spcAft>
+              <a:buSzPts val="1100"/>
+              <a:buNone/>
+            </a:pPr>
+            <a:r>
+              <a:rPr lang="en-US" dirty="0"/>
+              <a:t>  stage: </a:t>
+            </a:r>
+            <a:r>
+              <a:rPr lang="en-US" dirty="0" err="1"/>
+              <a:t>devsecops</a:t>
+            </a:r>
+            <a:endParaRPr lang="en-US" dirty="0"/>
+          </a:p>
+          <a:p>
+            <a:pPr marL="158750" lvl="0" indent="0" algn="l" rtl="0">
+              <a:lnSpc>
+                <a:spcPct val="100000"/>
+              </a:lnSpc>
+              <a:spcBef>
+                <a:spcPts val="0"/>
+              </a:spcBef>
+              <a:spcAft>
+                <a:spcPts val="0"/>
+              </a:spcAft>
+              <a:buSzPts val="1100"/>
+              <a:buNone/>
+            </a:pPr>
+            <a:r>
+              <a:rPr lang="en-US" dirty="0"/>
+              <a:t>  script:</a:t>
+            </a:r>
+          </a:p>
+          <a:p>
+            <a:pPr marL="158750" lvl="0" indent="0" algn="l" rtl="0">
+              <a:lnSpc>
+                <a:spcPct val="100000"/>
+              </a:lnSpc>
+              <a:spcBef>
+                <a:spcPts val="0"/>
+              </a:spcBef>
+              <a:spcAft>
+                <a:spcPts val="0"/>
+              </a:spcAft>
+              <a:buSzPts val="1100"/>
+              <a:buNone/>
+            </a:pPr>
+            <a:r>
+              <a:rPr lang="en-US" dirty="0"/>
+              <a:t>    - apt-get update &amp;&amp; apt-get -y install </a:t>
+            </a:r>
+            <a:r>
+              <a:rPr lang="en-US" dirty="0" err="1"/>
+              <a:t>jq</a:t>
+            </a:r>
+            <a:endParaRPr lang="en-US" dirty="0"/>
+          </a:p>
+          <a:p>
+            <a:pPr marL="158750" lvl="0" indent="0" algn="l" rtl="0">
+              <a:lnSpc>
+                <a:spcPct val="100000"/>
+              </a:lnSpc>
+              <a:spcBef>
+                <a:spcPts val="0"/>
+              </a:spcBef>
+              <a:spcAft>
+                <a:spcPts val="0"/>
+              </a:spcAft>
+              <a:buSzPts val="1100"/>
+              <a:buNone/>
+            </a:pPr>
+            <a:r>
+              <a:rPr lang="en-US" dirty="0"/>
+              <a:t>    - cat $CI_PROJECT_DIR/</a:t>
+            </a:r>
+            <a:r>
+              <a:rPr lang="en-US" dirty="0" err="1"/>
+              <a:t>gl</a:t>
+            </a:r>
+            <a:r>
+              <a:rPr lang="en-US" dirty="0"/>
+              <a:t>-dependency-scanning-</a:t>
+            </a:r>
+            <a:r>
+              <a:rPr lang="en-US" dirty="0" err="1"/>
+              <a:t>report.json</a:t>
+            </a:r>
+            <a:r>
+              <a:rPr lang="en-US" dirty="0"/>
+              <a:t> | </a:t>
+            </a:r>
+            <a:r>
+              <a:rPr lang="en-US" dirty="0" err="1"/>
+              <a:t>jq</a:t>
+            </a:r>
+            <a:r>
+              <a:rPr lang="en-US" dirty="0"/>
+              <a:t> '.vulnerabilities[] | select(.severity == "High" or .severity == "Critical" or .severity == "Unknown")' | grep . &amp;&amp; exit 1 || exit 0</a:t>
+            </a:r>
+          </a:p>
+          <a:p>
+            <a:pPr marL="158750" lvl="0" indent="0" algn="l" rtl="0">
+              <a:lnSpc>
+                <a:spcPct val="100000"/>
+              </a:lnSpc>
+              <a:spcBef>
+                <a:spcPts val="0"/>
+              </a:spcBef>
+              <a:spcAft>
+                <a:spcPts val="0"/>
+              </a:spcAft>
+              <a:buSzPts val="1100"/>
+              <a:buNone/>
+            </a:pPr>
+            <a:r>
+              <a:rPr lang="en-US" dirty="0"/>
+              <a:t>  rules:</a:t>
+            </a:r>
+          </a:p>
+          <a:p>
+            <a:pPr marL="158750" lvl="0" indent="0" algn="l" rtl="0">
+              <a:lnSpc>
+                <a:spcPct val="100000"/>
+              </a:lnSpc>
+              <a:spcBef>
+                <a:spcPts val="0"/>
+              </a:spcBef>
+              <a:spcAft>
+                <a:spcPts val="0"/>
+              </a:spcAft>
+              <a:buSzPts val="1100"/>
+              <a:buNone/>
+            </a:pPr>
+            <a:r>
+              <a:rPr lang="en-US" dirty="0"/>
+              <a:t>    - if: $CI_COMMIT_BRANCH == "main"</a:t>
+            </a:r>
+          </a:p>
+          <a:p>
+            <a:pPr marL="158750" lvl="0" indent="0" algn="l" rtl="0">
+              <a:lnSpc>
+                <a:spcPct val="100000"/>
+              </a:lnSpc>
+              <a:spcBef>
+                <a:spcPts val="0"/>
+              </a:spcBef>
+              <a:spcAft>
+                <a:spcPts val="0"/>
+              </a:spcAft>
+              <a:buSzPts val="1100"/>
+              <a:buNone/>
+            </a:pPr>
+            <a:r>
+              <a:rPr lang="en-US" dirty="0"/>
+              <a:t>    - if: $CI_MERGE_REQUEST_IID</a:t>
+            </a:r>
+          </a:p>
+          <a:p>
+            <a:pPr marL="158750" lvl="0" indent="0" algn="l" rtl="0">
+              <a:lnSpc>
+                <a:spcPct val="100000"/>
+              </a:lnSpc>
+              <a:spcBef>
+                <a:spcPts val="0"/>
+              </a:spcBef>
+              <a:spcAft>
+                <a:spcPts val="0"/>
+              </a:spcAft>
+              <a:buSzPts val="1100"/>
+              <a:buNone/>
+            </a:pPr>
+            <a:endParaRPr lang="en-US" dirty="0"/>
+          </a:p>
+          <a:p>
+            <a:pPr marL="158750" lvl="0" indent="0" algn="l" rtl="0">
+              <a:lnSpc>
+                <a:spcPct val="100000"/>
+              </a:lnSpc>
+              <a:spcBef>
+                <a:spcPts val="0"/>
+              </a:spcBef>
+              <a:spcAft>
+                <a:spcPts val="0"/>
+              </a:spcAft>
+              <a:buSzPts val="1100"/>
+              <a:buNone/>
+            </a:pPr>
+            <a:r>
+              <a:rPr lang="en-US" dirty="0" err="1"/>
+              <a:t>security_gate_cs</a:t>
+            </a:r>
+            <a:r>
+              <a:rPr lang="en-US" dirty="0"/>
+              <a:t>:</a:t>
+            </a:r>
+          </a:p>
+          <a:p>
+            <a:pPr marL="158750" lvl="0" indent="0" algn="l" rtl="0">
+              <a:lnSpc>
+                <a:spcPct val="100000"/>
+              </a:lnSpc>
+              <a:spcBef>
+                <a:spcPts val="0"/>
+              </a:spcBef>
+              <a:spcAft>
+                <a:spcPts val="0"/>
+              </a:spcAft>
+              <a:buSzPts val="1100"/>
+              <a:buNone/>
+            </a:pPr>
+            <a:r>
+              <a:rPr lang="en-US" dirty="0"/>
+              <a:t>  stage: </a:t>
+            </a:r>
+            <a:r>
+              <a:rPr lang="en-US" dirty="0" err="1"/>
+              <a:t>devsecops</a:t>
+            </a:r>
+            <a:endParaRPr lang="en-US" dirty="0"/>
+          </a:p>
+          <a:p>
+            <a:pPr marL="158750" lvl="0" indent="0" algn="l" rtl="0">
+              <a:lnSpc>
+                <a:spcPct val="100000"/>
+              </a:lnSpc>
+              <a:spcBef>
+                <a:spcPts val="0"/>
+              </a:spcBef>
+              <a:spcAft>
+                <a:spcPts val="0"/>
+              </a:spcAft>
+              <a:buSzPts val="1100"/>
+              <a:buNone/>
+            </a:pPr>
+            <a:r>
+              <a:rPr lang="en-US" dirty="0"/>
+              <a:t>  script:</a:t>
+            </a:r>
+          </a:p>
+          <a:p>
+            <a:pPr marL="158750" lvl="0" indent="0" algn="l" rtl="0">
+              <a:lnSpc>
+                <a:spcPct val="100000"/>
+              </a:lnSpc>
+              <a:spcBef>
+                <a:spcPts val="0"/>
+              </a:spcBef>
+              <a:spcAft>
+                <a:spcPts val="0"/>
+              </a:spcAft>
+              <a:buSzPts val="1100"/>
+              <a:buNone/>
+            </a:pPr>
+            <a:r>
+              <a:rPr lang="en-US" dirty="0"/>
+              <a:t>    - apt-get update &amp;&amp; apt-get -y install </a:t>
+            </a:r>
+            <a:r>
+              <a:rPr lang="en-US" dirty="0" err="1"/>
+              <a:t>jq</a:t>
+            </a:r>
+            <a:endParaRPr lang="en-US" dirty="0"/>
+          </a:p>
+          <a:p>
+            <a:pPr marL="158750" lvl="0" indent="0" algn="l" rtl="0">
+              <a:lnSpc>
+                <a:spcPct val="100000"/>
+              </a:lnSpc>
+              <a:spcBef>
+                <a:spcPts val="0"/>
+              </a:spcBef>
+              <a:spcAft>
+                <a:spcPts val="0"/>
+              </a:spcAft>
+              <a:buSzPts val="1100"/>
+              <a:buNone/>
+            </a:pPr>
+            <a:r>
+              <a:rPr lang="en-US" dirty="0"/>
+              <a:t>    - cat $CI_PROJECT_DIR/</a:t>
+            </a:r>
+            <a:r>
+              <a:rPr lang="en-US" dirty="0" err="1"/>
+              <a:t>gl</a:t>
+            </a:r>
+            <a:r>
+              <a:rPr lang="en-US" dirty="0"/>
+              <a:t>-container-scanning-</a:t>
+            </a:r>
+            <a:r>
+              <a:rPr lang="en-US" dirty="0" err="1"/>
+              <a:t>report.json</a:t>
+            </a:r>
+            <a:r>
+              <a:rPr lang="en-US" dirty="0"/>
+              <a:t> | </a:t>
+            </a:r>
+            <a:r>
+              <a:rPr lang="en-US" dirty="0" err="1"/>
+              <a:t>jq</a:t>
+            </a:r>
+            <a:r>
+              <a:rPr lang="en-US" dirty="0"/>
+              <a:t> '.vulnerabilities[] | select(.severity == "High" or .severity == "Critical" or .severity == "Unknown")' | grep . &amp;&amp; exit 1 || exit 0</a:t>
+            </a:r>
+          </a:p>
+          <a:p>
+            <a:pPr marL="158750" lvl="0" indent="0" algn="l" rtl="0">
+              <a:lnSpc>
+                <a:spcPct val="100000"/>
+              </a:lnSpc>
+              <a:spcBef>
+                <a:spcPts val="0"/>
+              </a:spcBef>
+              <a:spcAft>
+                <a:spcPts val="0"/>
+              </a:spcAft>
+              <a:buSzPts val="1100"/>
+              <a:buNone/>
+            </a:pPr>
+            <a:r>
+              <a:rPr lang="en-US" dirty="0"/>
+              <a:t>  rules:</a:t>
+            </a:r>
+          </a:p>
+          <a:p>
+            <a:pPr marL="158750" lvl="0" indent="0" algn="l" rtl="0">
+              <a:lnSpc>
+                <a:spcPct val="100000"/>
+              </a:lnSpc>
+              <a:spcBef>
+                <a:spcPts val="0"/>
+              </a:spcBef>
+              <a:spcAft>
+                <a:spcPts val="0"/>
+              </a:spcAft>
+              <a:buSzPts val="1100"/>
+              <a:buNone/>
+            </a:pPr>
+            <a:r>
+              <a:rPr lang="en-US" dirty="0"/>
+              <a:t>    - if: $CI_COMMIT_BRANCH == "main"</a:t>
+            </a:r>
+          </a:p>
+          <a:p>
+            <a:pPr marL="158750" lvl="0" indent="0" algn="l" rtl="0">
+              <a:lnSpc>
+                <a:spcPct val="100000"/>
+              </a:lnSpc>
+              <a:spcBef>
+                <a:spcPts val="0"/>
+              </a:spcBef>
+              <a:spcAft>
+                <a:spcPts val="0"/>
+              </a:spcAft>
+              <a:buSzPts val="1100"/>
+              <a:buNone/>
+            </a:pPr>
+            <a:r>
+              <a:rPr lang="en-US" dirty="0"/>
+              <a:t>    - if: $CI_MERGE_REQUEST_IID</a:t>
+            </a:r>
+          </a:p>
+          <a:p>
+            <a:pPr marL="158750" lvl="0" indent="0" algn="l" rtl="0">
+              <a:lnSpc>
+                <a:spcPct val="100000"/>
+              </a:lnSpc>
+              <a:spcBef>
+                <a:spcPts val="0"/>
+              </a:spcBef>
+              <a:spcAft>
+                <a:spcPts val="0"/>
+              </a:spcAft>
+              <a:buSzPts val="1100"/>
+              <a:buNone/>
+            </a:pPr>
             <a:endParaRPr dirty="0"/>
           </a:p>
         </p:txBody>
@@ -3201,6 +4396,151 @@
         <p:cNvPr id="1" name="Shape 1289">
           <a:extLst>
             <a:ext uri="{FF2B5EF4-FFF2-40B4-BE49-F238E27FC236}">
+              <a16:creationId xmlns:a16="http://schemas.microsoft.com/office/drawing/2014/main" id="{53D67669-9EE7-640B-9C90-C08565C28001}"/>
+            </a:ext>
+          </a:extLst>
+        </p:cNvPr>
+        <p:cNvGrpSpPr/>
+        <p:nvPr/>
+      </p:nvGrpSpPr>
+      <p:grpSpPr>
+        <a:xfrm>
+          <a:off x="0" y="0"/>
+          <a:ext cx="0" cy="0"/>
+          <a:chOff x="0" y="0"/>
+          <a:chExt cx="0" cy="0"/>
+        </a:xfrm>
+      </p:grpSpPr>
+      <p:sp>
+        <p:nvSpPr>
+          <p:cNvPr id="1290" name="Google Shape;1290;p112:notes">
+            <a:extLst>
+              <a:ext uri="{FF2B5EF4-FFF2-40B4-BE49-F238E27FC236}">
+                <a16:creationId xmlns:a16="http://schemas.microsoft.com/office/drawing/2014/main" id="{EA4C7C1B-B664-2FFA-1C82-C581C8D8557A}"/>
+              </a:ext>
+            </a:extLst>
+          </p:cNvPr>
+          <p:cNvSpPr>
+            <a:spLocks noGrp="1" noRot="1" noChangeAspect="1"/>
+          </p:cNvSpPr>
+          <p:nvPr>
+            <p:ph type="sldImg" idx="2"/>
+          </p:nvPr>
+        </p:nvSpPr>
+        <p:spPr>
+          <a:xfrm>
+            <a:off x="381000" y="685800"/>
+            <a:ext cx="6096000" cy="3429000"/>
+          </a:xfrm>
+          <a:custGeom>
+            <a:avLst/>
+            <a:gdLst/>
+            <a:ahLst/>
+            <a:cxnLst/>
+            <a:rect l="l" t="t" r="r" b="b"/>
+            <a:pathLst>
+              <a:path w="120000" h="120000" extrusionOk="0">
+                <a:moveTo>
+                  <a:pt x="0" y="0"/>
+                </a:moveTo>
+                <a:lnTo>
+                  <a:pt x="120000" y="0"/>
+                </a:lnTo>
+                <a:lnTo>
+                  <a:pt x="120000" y="120000"/>
+                </a:lnTo>
+                <a:lnTo>
+                  <a:pt x="0" y="120000"/>
+                </a:lnTo>
+                <a:close/>
+              </a:path>
+            </a:pathLst>
+          </a:custGeom>
+          <a:noFill/>
+          <a:ln w="9525" cap="flat" cmpd="sng">
+            <a:solidFill>
+              <a:srgbClr val="000000"/>
+            </a:solidFill>
+            <a:prstDash val="solid"/>
+            <a:round/>
+            <a:headEnd type="none" w="sm" len="sm"/>
+            <a:tailEnd type="none" w="sm" len="sm"/>
+          </a:ln>
+        </p:spPr>
+      </p:sp>
+      <p:sp>
+        <p:nvSpPr>
+          <p:cNvPr id="1291" name="Google Shape;1291;p112:notes">
+            <a:extLst>
+              <a:ext uri="{FF2B5EF4-FFF2-40B4-BE49-F238E27FC236}">
+                <a16:creationId xmlns:a16="http://schemas.microsoft.com/office/drawing/2014/main" id="{D065F5B4-9FB3-21A8-A2B1-4A22E15C7517}"/>
+              </a:ext>
+            </a:extLst>
+          </p:cNvPr>
+          <p:cNvSpPr txBox="1">
+            <a:spLocks noGrp="1"/>
+          </p:cNvSpPr>
+          <p:nvPr>
+            <p:ph type="body" idx="1"/>
+          </p:nvPr>
+        </p:nvSpPr>
+        <p:spPr>
+          <a:xfrm>
+            <a:off x="685800" y="4343400"/>
+            <a:ext cx="5486400" cy="4114800"/>
+          </a:xfrm>
+          <a:prstGeom prst="rect">
+            <a:avLst/>
+          </a:prstGeom>
+          <a:noFill/>
+          <a:ln>
+            <a:noFill/>
+          </a:ln>
+        </p:spPr>
+        <p:txBody>
+          <a:bodyPr spcFirstLastPara="1" wrap="square" lIns="91425" tIns="91425" rIns="91425" bIns="91425" anchor="t" anchorCtr="0">
+            <a:noAutofit/>
+          </a:bodyPr>
+          <a:lstStyle/>
+          <a:p>
+            <a:pPr marL="158750" lvl="0" indent="0" algn="l" rtl="0">
+              <a:lnSpc>
+                <a:spcPct val="100000"/>
+              </a:lnSpc>
+              <a:spcBef>
+                <a:spcPts val="0"/>
+              </a:spcBef>
+              <a:spcAft>
+                <a:spcPts val="0"/>
+              </a:spcAft>
+              <a:buSzPts val="1100"/>
+              <a:buNone/>
+            </a:pPr>
+            <a:endParaRPr dirty="0"/>
+          </a:p>
+        </p:txBody>
+      </p:sp>
+    </p:spTree>
+    <p:extLst>
+      <p:ext uri="{BB962C8B-B14F-4D97-AF65-F5344CB8AC3E}">
+        <p14:creationId xmlns:p14="http://schemas.microsoft.com/office/powerpoint/2010/main" val="2735754868"/>
+      </p:ext>
+    </p:extLst>
+  </p:cSld>
+  <p:clrMapOvr>
+    <a:masterClrMapping/>
+  </p:clrMapOvr>
+</p:notes>
+</file>
+
+<file path=ppt/notesSlides/notesSlide22.xml><?xml version="1.0" encoding="utf-8"?>
+<p:notes xmlns:a="http://schemas.openxmlformats.org/drawingml/2006/main" xmlns:r="http://schemas.openxmlformats.org/officeDocument/2006/relationships" xmlns:p="http://schemas.openxmlformats.org/presentationml/2006/main" showMasterSp="0" showMasterPhAnim="0">
+  <p:cSld>
+    <p:spTree>
+      <p:nvGrpSpPr>
+        <p:cNvPr id="1" name="Shape 1289">
+          <a:extLst>
+            <a:ext uri="{FF2B5EF4-FFF2-40B4-BE49-F238E27FC236}">
               <a16:creationId xmlns:a16="http://schemas.microsoft.com/office/drawing/2014/main" id="{DCA32EE1-40AE-0D3C-FD2C-1B1F5B5C40C0}"/>
             </a:ext>
           </a:extLst>
@@ -3338,7 +4678,703 @@
 </p:notes>
 </file>
 
-<file path=ppt/notesSlides/notesSlide22.xml><?xml version="1.0" encoding="utf-8"?>
+<file path=ppt/notesSlides/notesSlide23.xml><?xml version="1.0" encoding="utf-8"?>
+<p:notes xmlns:a="http://schemas.openxmlformats.org/drawingml/2006/main" xmlns:r="http://schemas.openxmlformats.org/officeDocument/2006/relationships" xmlns:p="http://schemas.openxmlformats.org/presentationml/2006/main">
+  <p:cSld>
+    <p:spTree>
+      <p:nvGrpSpPr>
+        <p:cNvPr id="1" name="">
+          <a:extLst>
+            <a:ext uri="{FF2B5EF4-FFF2-40B4-BE49-F238E27FC236}">
+              <a16:creationId xmlns:a16="http://schemas.microsoft.com/office/drawing/2014/main" id="{8D314B28-8364-BC6D-7EDF-7BA8027452C6}"/>
+            </a:ext>
+          </a:extLst>
+        </p:cNvPr>
+        <p:cNvGrpSpPr/>
+        <p:nvPr/>
+      </p:nvGrpSpPr>
+      <p:grpSpPr>
+        <a:xfrm>
+          <a:off x="0" y="0"/>
+          <a:ext cx="0" cy="0"/>
+          <a:chOff x="0" y="0"/>
+          <a:chExt cx="0" cy="0"/>
+        </a:xfrm>
+      </p:grpSpPr>
+      <p:sp>
+        <p:nvSpPr>
+          <p:cNvPr id="2" name="Slide Image Placeholder 1">
+            <a:extLst>
+              <a:ext uri="{FF2B5EF4-FFF2-40B4-BE49-F238E27FC236}">
+                <a16:creationId xmlns:a16="http://schemas.microsoft.com/office/drawing/2014/main" id="{B341809A-8C8E-AAD8-4454-D1F571A56076}"/>
+              </a:ext>
+            </a:extLst>
+          </p:cNvPr>
+          <p:cNvSpPr>
+            <a:spLocks noGrp="1" noRot="1" noChangeAspect="1"/>
+          </p:cNvSpPr>
+          <p:nvPr>
+            <p:ph type="sldImg"/>
+          </p:nvPr>
+        </p:nvSpPr>
+        <p:spPr>
+          <a:xfrm>
+            <a:off x="381000" y="685800"/>
+            <a:ext cx="6096000" cy="3429000"/>
+          </a:xfrm>
+        </p:spPr>
+      </p:sp>
+      <p:sp>
+        <p:nvSpPr>
+          <p:cNvPr id="3" name="Notes Placeholder 2">
+            <a:extLst>
+              <a:ext uri="{FF2B5EF4-FFF2-40B4-BE49-F238E27FC236}">
+                <a16:creationId xmlns:a16="http://schemas.microsoft.com/office/drawing/2014/main" id="{847C6184-6628-5C45-7001-C008807BC21A}"/>
+              </a:ext>
+            </a:extLst>
+          </p:cNvPr>
+          <p:cNvSpPr>
+            <a:spLocks noGrp="1"/>
+          </p:cNvSpPr>
+          <p:nvPr>
+            <p:ph type="body" idx="1"/>
+          </p:nvPr>
+        </p:nvSpPr>
+        <p:spPr/>
+        <p:txBody>
+          <a:bodyPr/>
+          <a:lstStyle/>
+          <a:p>
+            <a:endParaRPr lang="en-US" dirty="0"/>
+          </a:p>
+        </p:txBody>
+      </p:sp>
+    </p:spTree>
+    <p:extLst>
+      <p:ext uri="{BB962C8B-B14F-4D97-AF65-F5344CB8AC3E}">
+        <p14:creationId xmlns:p14="http://schemas.microsoft.com/office/powerpoint/2010/main" val="4209478762"/>
+      </p:ext>
+    </p:extLst>
+  </p:cSld>
+  <p:clrMapOvr>
+    <a:masterClrMapping/>
+  </p:clrMapOvr>
+</p:notes>
+</file>
+
+<file path=ppt/notesSlides/notesSlide24.xml><?xml version="1.0" encoding="utf-8"?>
+<p:notes xmlns:a="http://schemas.openxmlformats.org/drawingml/2006/main" xmlns:r="http://schemas.openxmlformats.org/officeDocument/2006/relationships" xmlns:p="http://schemas.openxmlformats.org/presentationml/2006/main" showMasterSp="0" showMasterPhAnim="0">
+  <p:cSld>
+    <p:spTree>
+      <p:nvGrpSpPr>
+        <p:cNvPr id="1" name="Shape 346">
+          <a:extLst>
+            <a:ext uri="{FF2B5EF4-FFF2-40B4-BE49-F238E27FC236}">
+              <a16:creationId xmlns:a16="http://schemas.microsoft.com/office/drawing/2014/main" id="{87ECF069-9CCA-4D6E-CC9A-38DE125A39AD}"/>
+            </a:ext>
+          </a:extLst>
+        </p:cNvPr>
+        <p:cNvGrpSpPr/>
+        <p:nvPr/>
+      </p:nvGrpSpPr>
+      <p:grpSpPr>
+        <a:xfrm>
+          <a:off x="0" y="0"/>
+          <a:ext cx="0" cy="0"/>
+          <a:chOff x="0" y="0"/>
+          <a:chExt cx="0" cy="0"/>
+        </a:xfrm>
+      </p:grpSpPr>
+      <p:sp>
+        <p:nvSpPr>
+          <p:cNvPr id="347" name="Google Shape;347;p11:notes">
+            <a:extLst>
+              <a:ext uri="{FF2B5EF4-FFF2-40B4-BE49-F238E27FC236}">
+                <a16:creationId xmlns:a16="http://schemas.microsoft.com/office/drawing/2014/main" id="{F7999E2B-1BA2-3E61-F906-299A73375A48}"/>
+              </a:ext>
+            </a:extLst>
+          </p:cNvPr>
+          <p:cNvSpPr txBox="1">
+            <a:spLocks noGrp="1"/>
+          </p:cNvSpPr>
+          <p:nvPr>
+            <p:ph type="body" idx="1"/>
+          </p:nvPr>
+        </p:nvSpPr>
+        <p:spPr>
+          <a:xfrm>
+            <a:off x="914400" y="4343400"/>
+            <a:ext cx="5029200" cy="4114800"/>
+          </a:xfrm>
+          <a:prstGeom prst="rect">
+            <a:avLst/>
+          </a:prstGeom>
+          <a:noFill/>
+          <a:ln>
+            <a:noFill/>
+          </a:ln>
+        </p:spPr>
+        <p:txBody>
+          <a:bodyPr spcFirstLastPara="1" wrap="square" lIns="91425" tIns="91425" rIns="91425" bIns="91425" anchor="t" anchorCtr="0">
+            <a:noAutofit/>
+          </a:bodyPr>
+          <a:lstStyle/>
+          <a:p>
+            <a:pPr marL="0" lvl="0" indent="0" algn="l" rtl="0">
+              <a:lnSpc>
+                <a:spcPct val="100000"/>
+              </a:lnSpc>
+              <a:spcBef>
+                <a:spcPts val="0"/>
+              </a:spcBef>
+              <a:spcAft>
+                <a:spcPts val="0"/>
+              </a:spcAft>
+              <a:buSzPts val="1100"/>
+              <a:buNone/>
+            </a:pPr>
+            <a:endParaRPr lang="en-US" sz="1200" dirty="0">
+              <a:solidFill>
+                <a:schemeClr val="dk1"/>
+              </a:solidFill>
+              <a:latin typeface="Calibri"/>
+              <a:ea typeface="Calibri"/>
+              <a:cs typeface="Calibri"/>
+              <a:sym typeface="Calibri"/>
+            </a:endParaRPr>
+          </a:p>
+        </p:txBody>
+      </p:sp>
+      <p:sp>
+        <p:nvSpPr>
+          <p:cNvPr id="348" name="Google Shape;348;p11:notes">
+            <a:extLst>
+              <a:ext uri="{FF2B5EF4-FFF2-40B4-BE49-F238E27FC236}">
+                <a16:creationId xmlns:a16="http://schemas.microsoft.com/office/drawing/2014/main" id="{CE74F435-03B4-7CEE-8607-5FA8B83B34D4}"/>
+              </a:ext>
+            </a:extLst>
+          </p:cNvPr>
+          <p:cNvSpPr>
+            <a:spLocks noGrp="1" noRot="1" noChangeAspect="1"/>
+          </p:cNvSpPr>
+          <p:nvPr>
+            <p:ph type="sldImg" idx="2"/>
+          </p:nvPr>
+        </p:nvSpPr>
+        <p:spPr>
+          <a:xfrm>
+            <a:off x="381000" y="685800"/>
+            <a:ext cx="6096000" cy="3429000"/>
+          </a:xfrm>
+          <a:custGeom>
+            <a:avLst/>
+            <a:gdLst/>
+            <a:ahLst/>
+            <a:cxnLst/>
+            <a:rect l="l" t="t" r="r" b="b"/>
+            <a:pathLst>
+              <a:path w="120000" h="120000" extrusionOk="0">
+                <a:moveTo>
+                  <a:pt x="0" y="0"/>
+                </a:moveTo>
+                <a:lnTo>
+                  <a:pt x="120000" y="0"/>
+                </a:lnTo>
+                <a:lnTo>
+                  <a:pt x="120000" y="120000"/>
+                </a:lnTo>
+                <a:lnTo>
+                  <a:pt x="0" y="120000"/>
+                </a:lnTo>
+                <a:close/>
+              </a:path>
+            </a:pathLst>
+          </a:custGeom>
+          <a:noFill/>
+          <a:ln w="9525" cap="flat" cmpd="sng">
+            <a:solidFill>
+              <a:srgbClr val="000000"/>
+            </a:solidFill>
+            <a:prstDash val="solid"/>
+            <a:round/>
+            <a:headEnd type="none" w="sm" len="sm"/>
+            <a:tailEnd type="none" w="sm" len="sm"/>
+          </a:ln>
+        </p:spPr>
+      </p:sp>
+    </p:spTree>
+    <p:extLst>
+      <p:ext uri="{BB962C8B-B14F-4D97-AF65-F5344CB8AC3E}">
+        <p14:creationId xmlns:p14="http://schemas.microsoft.com/office/powerpoint/2010/main" val="2821353720"/>
+      </p:ext>
+    </p:extLst>
+  </p:cSld>
+  <p:clrMapOvr>
+    <a:masterClrMapping/>
+  </p:clrMapOvr>
+</p:notes>
+</file>
+
+<file path=ppt/notesSlides/notesSlide25.xml><?xml version="1.0" encoding="utf-8"?>
+<p:notes xmlns:a="http://schemas.openxmlformats.org/drawingml/2006/main" xmlns:r="http://schemas.openxmlformats.org/officeDocument/2006/relationships" xmlns:p="http://schemas.openxmlformats.org/presentationml/2006/main" showMasterSp="0" showMasterPhAnim="0">
+  <p:cSld>
+    <p:spTree>
+      <p:nvGrpSpPr>
+        <p:cNvPr id="1" name="Shape 346">
+          <a:extLst>
+            <a:ext uri="{FF2B5EF4-FFF2-40B4-BE49-F238E27FC236}">
+              <a16:creationId xmlns:a16="http://schemas.microsoft.com/office/drawing/2014/main" id="{7FACC205-1D9B-706A-26D2-9B235499760D}"/>
+            </a:ext>
+          </a:extLst>
+        </p:cNvPr>
+        <p:cNvGrpSpPr/>
+        <p:nvPr/>
+      </p:nvGrpSpPr>
+      <p:grpSpPr>
+        <a:xfrm>
+          <a:off x="0" y="0"/>
+          <a:ext cx="0" cy="0"/>
+          <a:chOff x="0" y="0"/>
+          <a:chExt cx="0" cy="0"/>
+        </a:xfrm>
+      </p:grpSpPr>
+      <p:sp>
+        <p:nvSpPr>
+          <p:cNvPr id="347" name="Google Shape;347;p11:notes">
+            <a:extLst>
+              <a:ext uri="{FF2B5EF4-FFF2-40B4-BE49-F238E27FC236}">
+                <a16:creationId xmlns:a16="http://schemas.microsoft.com/office/drawing/2014/main" id="{C6BF0C25-E444-71DB-0C93-EB0FC978942D}"/>
+              </a:ext>
+            </a:extLst>
+          </p:cNvPr>
+          <p:cNvSpPr txBox="1">
+            <a:spLocks noGrp="1"/>
+          </p:cNvSpPr>
+          <p:nvPr>
+            <p:ph type="body" idx="1"/>
+          </p:nvPr>
+        </p:nvSpPr>
+        <p:spPr>
+          <a:xfrm>
+            <a:off x="914400" y="4343400"/>
+            <a:ext cx="5029200" cy="4114800"/>
+          </a:xfrm>
+          <a:prstGeom prst="rect">
+            <a:avLst/>
+          </a:prstGeom>
+          <a:noFill/>
+          <a:ln>
+            <a:noFill/>
+          </a:ln>
+        </p:spPr>
+        <p:txBody>
+          <a:bodyPr spcFirstLastPara="1" wrap="square" lIns="91425" tIns="91425" rIns="91425" bIns="91425" anchor="t" anchorCtr="0">
+            <a:noAutofit/>
+          </a:bodyPr>
+          <a:lstStyle/>
+          <a:p>
+            <a:pPr marL="0" lvl="0" indent="0" algn="l" rtl="0">
+              <a:lnSpc>
+                <a:spcPct val="100000"/>
+              </a:lnSpc>
+              <a:spcBef>
+                <a:spcPts val="0"/>
+              </a:spcBef>
+              <a:spcAft>
+                <a:spcPts val="0"/>
+              </a:spcAft>
+              <a:buSzPts val="1100"/>
+              <a:buNone/>
+            </a:pPr>
+            <a:endParaRPr lang="en-US" sz="1200" dirty="0">
+              <a:solidFill>
+                <a:schemeClr val="dk1"/>
+              </a:solidFill>
+              <a:latin typeface="Calibri"/>
+              <a:ea typeface="Calibri"/>
+              <a:cs typeface="Calibri"/>
+              <a:sym typeface="Calibri"/>
+            </a:endParaRPr>
+          </a:p>
+        </p:txBody>
+      </p:sp>
+      <p:sp>
+        <p:nvSpPr>
+          <p:cNvPr id="348" name="Google Shape;348;p11:notes">
+            <a:extLst>
+              <a:ext uri="{FF2B5EF4-FFF2-40B4-BE49-F238E27FC236}">
+                <a16:creationId xmlns:a16="http://schemas.microsoft.com/office/drawing/2014/main" id="{6646F31D-F4ED-1C35-DEFE-9E6F26F30988}"/>
+              </a:ext>
+            </a:extLst>
+          </p:cNvPr>
+          <p:cNvSpPr>
+            <a:spLocks noGrp="1" noRot="1" noChangeAspect="1"/>
+          </p:cNvSpPr>
+          <p:nvPr>
+            <p:ph type="sldImg" idx="2"/>
+          </p:nvPr>
+        </p:nvSpPr>
+        <p:spPr>
+          <a:xfrm>
+            <a:off x="381000" y="685800"/>
+            <a:ext cx="6096000" cy="3429000"/>
+          </a:xfrm>
+          <a:custGeom>
+            <a:avLst/>
+            <a:gdLst/>
+            <a:ahLst/>
+            <a:cxnLst/>
+            <a:rect l="l" t="t" r="r" b="b"/>
+            <a:pathLst>
+              <a:path w="120000" h="120000" extrusionOk="0">
+                <a:moveTo>
+                  <a:pt x="0" y="0"/>
+                </a:moveTo>
+                <a:lnTo>
+                  <a:pt x="120000" y="0"/>
+                </a:lnTo>
+                <a:lnTo>
+                  <a:pt x="120000" y="120000"/>
+                </a:lnTo>
+                <a:lnTo>
+                  <a:pt x="0" y="120000"/>
+                </a:lnTo>
+                <a:close/>
+              </a:path>
+            </a:pathLst>
+          </a:custGeom>
+          <a:noFill/>
+          <a:ln w="9525" cap="flat" cmpd="sng">
+            <a:solidFill>
+              <a:srgbClr val="000000"/>
+            </a:solidFill>
+            <a:prstDash val="solid"/>
+            <a:round/>
+            <a:headEnd type="none" w="sm" len="sm"/>
+            <a:tailEnd type="none" w="sm" len="sm"/>
+          </a:ln>
+        </p:spPr>
+      </p:sp>
+    </p:spTree>
+    <p:extLst>
+      <p:ext uri="{BB962C8B-B14F-4D97-AF65-F5344CB8AC3E}">
+        <p14:creationId xmlns:p14="http://schemas.microsoft.com/office/powerpoint/2010/main" val="4197640438"/>
+      </p:ext>
+    </p:extLst>
+  </p:cSld>
+  <p:clrMapOvr>
+    <a:masterClrMapping/>
+  </p:clrMapOvr>
+</p:notes>
+</file>
+
+<file path=ppt/notesSlides/notesSlide26.xml><?xml version="1.0" encoding="utf-8"?>
+<p:notes xmlns:a="http://schemas.openxmlformats.org/drawingml/2006/main" xmlns:r="http://schemas.openxmlformats.org/officeDocument/2006/relationships" xmlns:p="http://schemas.openxmlformats.org/presentationml/2006/main" showMasterSp="0" showMasterPhAnim="0">
+  <p:cSld>
+    <p:spTree>
+      <p:nvGrpSpPr>
+        <p:cNvPr id="1" name="Shape 346">
+          <a:extLst>
+            <a:ext uri="{FF2B5EF4-FFF2-40B4-BE49-F238E27FC236}">
+              <a16:creationId xmlns:a16="http://schemas.microsoft.com/office/drawing/2014/main" id="{0239C99B-3EC7-CEDC-970F-BBD64A829484}"/>
+            </a:ext>
+          </a:extLst>
+        </p:cNvPr>
+        <p:cNvGrpSpPr/>
+        <p:nvPr/>
+      </p:nvGrpSpPr>
+      <p:grpSpPr>
+        <a:xfrm>
+          <a:off x="0" y="0"/>
+          <a:ext cx="0" cy="0"/>
+          <a:chOff x="0" y="0"/>
+          <a:chExt cx="0" cy="0"/>
+        </a:xfrm>
+      </p:grpSpPr>
+      <p:sp>
+        <p:nvSpPr>
+          <p:cNvPr id="347" name="Google Shape;347;p11:notes">
+            <a:extLst>
+              <a:ext uri="{FF2B5EF4-FFF2-40B4-BE49-F238E27FC236}">
+                <a16:creationId xmlns:a16="http://schemas.microsoft.com/office/drawing/2014/main" id="{28B8323E-8D0D-4CD8-225A-FE2B1FDC9699}"/>
+              </a:ext>
+            </a:extLst>
+          </p:cNvPr>
+          <p:cNvSpPr txBox="1">
+            <a:spLocks noGrp="1"/>
+          </p:cNvSpPr>
+          <p:nvPr>
+            <p:ph type="body" idx="1"/>
+          </p:nvPr>
+        </p:nvSpPr>
+        <p:spPr>
+          <a:xfrm>
+            <a:off x="914400" y="4343400"/>
+            <a:ext cx="5029200" cy="4114800"/>
+          </a:xfrm>
+          <a:prstGeom prst="rect">
+            <a:avLst/>
+          </a:prstGeom>
+          <a:noFill/>
+          <a:ln>
+            <a:noFill/>
+          </a:ln>
+        </p:spPr>
+        <p:txBody>
+          <a:bodyPr spcFirstLastPara="1" wrap="square" lIns="91425" tIns="91425" rIns="91425" bIns="91425" anchor="t" anchorCtr="0">
+            <a:noAutofit/>
+          </a:bodyPr>
+          <a:lstStyle/>
+          <a:p>
+            <a:pPr marL="0" lvl="0" indent="0" algn="l" rtl="0">
+              <a:lnSpc>
+                <a:spcPct val="100000"/>
+              </a:lnSpc>
+              <a:spcBef>
+                <a:spcPts val="0"/>
+              </a:spcBef>
+              <a:spcAft>
+                <a:spcPts val="0"/>
+              </a:spcAft>
+              <a:buSzPts val="1100"/>
+              <a:buNone/>
+            </a:pPr>
+            <a:endParaRPr lang="en-US" sz="1200" dirty="0">
+              <a:solidFill>
+                <a:schemeClr val="dk1"/>
+              </a:solidFill>
+              <a:latin typeface="Calibri"/>
+              <a:ea typeface="Calibri"/>
+              <a:cs typeface="Calibri"/>
+              <a:sym typeface="Calibri"/>
+            </a:endParaRPr>
+          </a:p>
+        </p:txBody>
+      </p:sp>
+      <p:sp>
+        <p:nvSpPr>
+          <p:cNvPr id="348" name="Google Shape;348;p11:notes">
+            <a:extLst>
+              <a:ext uri="{FF2B5EF4-FFF2-40B4-BE49-F238E27FC236}">
+                <a16:creationId xmlns:a16="http://schemas.microsoft.com/office/drawing/2014/main" id="{71E155C6-A215-436B-7783-3A5CCB38FD6C}"/>
+              </a:ext>
+            </a:extLst>
+          </p:cNvPr>
+          <p:cNvSpPr>
+            <a:spLocks noGrp="1" noRot="1" noChangeAspect="1"/>
+          </p:cNvSpPr>
+          <p:nvPr>
+            <p:ph type="sldImg" idx="2"/>
+          </p:nvPr>
+        </p:nvSpPr>
+        <p:spPr>
+          <a:xfrm>
+            <a:off x="381000" y="685800"/>
+            <a:ext cx="6096000" cy="3429000"/>
+          </a:xfrm>
+          <a:custGeom>
+            <a:avLst/>
+            <a:gdLst/>
+            <a:ahLst/>
+            <a:cxnLst/>
+            <a:rect l="l" t="t" r="r" b="b"/>
+            <a:pathLst>
+              <a:path w="120000" h="120000" extrusionOk="0">
+                <a:moveTo>
+                  <a:pt x="0" y="0"/>
+                </a:moveTo>
+                <a:lnTo>
+                  <a:pt x="120000" y="0"/>
+                </a:lnTo>
+                <a:lnTo>
+                  <a:pt x="120000" y="120000"/>
+                </a:lnTo>
+                <a:lnTo>
+                  <a:pt x="0" y="120000"/>
+                </a:lnTo>
+                <a:close/>
+              </a:path>
+            </a:pathLst>
+          </a:custGeom>
+          <a:noFill/>
+          <a:ln w="9525" cap="flat" cmpd="sng">
+            <a:solidFill>
+              <a:srgbClr val="000000"/>
+            </a:solidFill>
+            <a:prstDash val="solid"/>
+            <a:round/>
+            <a:headEnd type="none" w="sm" len="sm"/>
+            <a:tailEnd type="none" w="sm" len="sm"/>
+          </a:ln>
+        </p:spPr>
+      </p:sp>
+    </p:spTree>
+    <p:extLst>
+      <p:ext uri="{BB962C8B-B14F-4D97-AF65-F5344CB8AC3E}">
+        <p14:creationId xmlns:p14="http://schemas.microsoft.com/office/powerpoint/2010/main" val="1879831646"/>
+      </p:ext>
+    </p:extLst>
+  </p:cSld>
+  <p:clrMapOvr>
+    <a:masterClrMapping/>
+  </p:clrMapOvr>
+</p:notes>
+</file>
+
+<file path=ppt/notesSlides/notesSlide27.xml><?xml version="1.0" encoding="utf-8"?>
+<p:notes xmlns:a="http://schemas.openxmlformats.org/drawingml/2006/main" xmlns:r="http://schemas.openxmlformats.org/officeDocument/2006/relationships" xmlns:p="http://schemas.openxmlformats.org/presentationml/2006/main" showMasterSp="0" showMasterPhAnim="0">
+  <p:cSld>
+    <p:spTree>
+      <p:nvGrpSpPr>
+        <p:cNvPr id="1" name="Shape 346">
+          <a:extLst>
+            <a:ext uri="{FF2B5EF4-FFF2-40B4-BE49-F238E27FC236}">
+              <a16:creationId xmlns:a16="http://schemas.microsoft.com/office/drawing/2014/main" id="{3A14CECE-BEEA-AD4A-3954-F0679D255E63}"/>
+            </a:ext>
+          </a:extLst>
+        </p:cNvPr>
+        <p:cNvGrpSpPr/>
+        <p:nvPr/>
+      </p:nvGrpSpPr>
+      <p:grpSpPr>
+        <a:xfrm>
+          <a:off x="0" y="0"/>
+          <a:ext cx="0" cy="0"/>
+          <a:chOff x="0" y="0"/>
+          <a:chExt cx="0" cy="0"/>
+        </a:xfrm>
+      </p:grpSpPr>
+      <p:sp>
+        <p:nvSpPr>
+          <p:cNvPr id="347" name="Google Shape;347;p11:notes">
+            <a:extLst>
+              <a:ext uri="{FF2B5EF4-FFF2-40B4-BE49-F238E27FC236}">
+                <a16:creationId xmlns:a16="http://schemas.microsoft.com/office/drawing/2014/main" id="{B221B585-7968-9887-DD1A-089F3F286640}"/>
+              </a:ext>
+            </a:extLst>
+          </p:cNvPr>
+          <p:cNvSpPr txBox="1">
+            <a:spLocks noGrp="1"/>
+          </p:cNvSpPr>
+          <p:nvPr>
+            <p:ph type="body" idx="1"/>
+          </p:nvPr>
+        </p:nvSpPr>
+        <p:spPr>
+          <a:xfrm>
+            <a:off x="914400" y="4343400"/>
+            <a:ext cx="5029200" cy="4114800"/>
+          </a:xfrm>
+          <a:prstGeom prst="rect">
+            <a:avLst/>
+          </a:prstGeom>
+          <a:noFill/>
+          <a:ln>
+            <a:noFill/>
+          </a:ln>
+        </p:spPr>
+        <p:txBody>
+          <a:bodyPr spcFirstLastPara="1" wrap="square" lIns="91425" tIns="91425" rIns="91425" bIns="91425" anchor="t" anchorCtr="0">
+            <a:noAutofit/>
+          </a:bodyPr>
+          <a:lstStyle/>
+          <a:p>
+            <a:pPr marL="0" lvl="0" indent="0" algn="l" rtl="0">
+              <a:lnSpc>
+                <a:spcPct val="100000"/>
+              </a:lnSpc>
+              <a:spcBef>
+                <a:spcPts val="0"/>
+              </a:spcBef>
+              <a:spcAft>
+                <a:spcPts val="0"/>
+              </a:spcAft>
+              <a:buSzPts val="1100"/>
+              <a:buNone/>
+            </a:pPr>
+            <a:endParaRPr lang="en-US" sz="1200" dirty="0">
+              <a:solidFill>
+                <a:schemeClr val="dk1"/>
+              </a:solidFill>
+              <a:latin typeface="Calibri"/>
+              <a:ea typeface="Calibri"/>
+              <a:cs typeface="Calibri"/>
+              <a:sym typeface="Calibri"/>
+            </a:endParaRPr>
+          </a:p>
+        </p:txBody>
+      </p:sp>
+      <p:sp>
+        <p:nvSpPr>
+          <p:cNvPr id="348" name="Google Shape;348;p11:notes">
+            <a:extLst>
+              <a:ext uri="{FF2B5EF4-FFF2-40B4-BE49-F238E27FC236}">
+                <a16:creationId xmlns:a16="http://schemas.microsoft.com/office/drawing/2014/main" id="{3C976F83-106E-1F2F-2E77-3BBAC019A1C7}"/>
+              </a:ext>
+            </a:extLst>
+          </p:cNvPr>
+          <p:cNvSpPr>
+            <a:spLocks noGrp="1" noRot="1" noChangeAspect="1"/>
+          </p:cNvSpPr>
+          <p:nvPr>
+            <p:ph type="sldImg" idx="2"/>
+          </p:nvPr>
+        </p:nvSpPr>
+        <p:spPr>
+          <a:xfrm>
+            <a:off x="381000" y="685800"/>
+            <a:ext cx="6096000" cy="3429000"/>
+          </a:xfrm>
+          <a:custGeom>
+            <a:avLst/>
+            <a:gdLst/>
+            <a:ahLst/>
+            <a:cxnLst/>
+            <a:rect l="l" t="t" r="r" b="b"/>
+            <a:pathLst>
+              <a:path w="120000" h="120000" extrusionOk="0">
+                <a:moveTo>
+                  <a:pt x="0" y="0"/>
+                </a:moveTo>
+                <a:lnTo>
+                  <a:pt x="120000" y="0"/>
+                </a:lnTo>
+                <a:lnTo>
+                  <a:pt x="120000" y="120000"/>
+                </a:lnTo>
+                <a:lnTo>
+                  <a:pt x="0" y="120000"/>
+                </a:lnTo>
+                <a:close/>
+              </a:path>
+            </a:pathLst>
+          </a:custGeom>
+          <a:noFill/>
+          <a:ln w="9525" cap="flat" cmpd="sng">
+            <a:solidFill>
+              <a:srgbClr val="000000"/>
+            </a:solidFill>
+            <a:prstDash val="solid"/>
+            <a:round/>
+            <a:headEnd type="none" w="sm" len="sm"/>
+            <a:tailEnd type="none" w="sm" len="sm"/>
+          </a:ln>
+        </p:spPr>
+      </p:sp>
+    </p:spTree>
+    <p:extLst>
+      <p:ext uri="{BB962C8B-B14F-4D97-AF65-F5344CB8AC3E}">
+        <p14:creationId xmlns:p14="http://schemas.microsoft.com/office/powerpoint/2010/main" val="3414583981"/>
+      </p:ext>
+    </p:extLst>
+  </p:cSld>
+  <p:clrMapOvr>
+    <a:masterClrMapping/>
+  </p:clrMapOvr>
+</p:notes>
+</file>
+
+<file path=ppt/notesSlides/notesSlide28.xml><?xml version="1.0" encoding="utf-8"?>
 <p:notes xmlns:a="http://schemas.openxmlformats.org/drawingml/2006/main" xmlns:r="http://schemas.openxmlformats.org/officeDocument/2006/relationships" xmlns:p="http://schemas.openxmlformats.org/presentationml/2006/main" showMasterSp="0" showMasterPhAnim="0">
   <p:cSld>
     <p:spTree>
@@ -24283,6 +26319,292 @@
         <p:cNvPr id="1" name="Shape 1292">
           <a:extLst>
             <a:ext uri="{FF2B5EF4-FFF2-40B4-BE49-F238E27FC236}">
+              <a16:creationId xmlns:a16="http://schemas.microsoft.com/office/drawing/2014/main" id="{C43336F7-9525-F7EC-34DF-662D1D37078D}"/>
+            </a:ext>
+          </a:extLst>
+        </p:cNvPr>
+        <p:cNvGrpSpPr/>
+        <p:nvPr/>
+      </p:nvGrpSpPr>
+      <p:grpSpPr>
+        <a:xfrm>
+          <a:off x="0" y="0"/>
+          <a:ext cx="0" cy="0"/>
+          <a:chOff x="0" y="0"/>
+          <a:chExt cx="0" cy="0"/>
+        </a:xfrm>
+      </p:grpSpPr>
+      <p:sp>
+        <p:nvSpPr>
+          <p:cNvPr id="1293" name="Google Shape;1293;p112">
+            <a:extLst>
+              <a:ext uri="{FF2B5EF4-FFF2-40B4-BE49-F238E27FC236}">
+                <a16:creationId xmlns:a16="http://schemas.microsoft.com/office/drawing/2014/main" id="{1E4C6D29-052E-E92D-EFDB-F54C5FDE0C60}"/>
+              </a:ext>
+            </a:extLst>
+          </p:cNvPr>
+          <p:cNvSpPr txBox="1">
+            <a:spLocks noGrp="1"/>
+          </p:cNvSpPr>
+          <p:nvPr>
+            <p:ph type="title"/>
+          </p:nvPr>
+        </p:nvSpPr>
+        <p:spPr>
+          <a:xfrm>
+            <a:off x="256575" y="2094950"/>
+            <a:ext cx="2382000" cy="523200"/>
+          </a:xfrm>
+          <a:prstGeom prst="rect">
+            <a:avLst/>
+          </a:prstGeom>
+          <a:noFill/>
+          <a:ln>
+            <a:noFill/>
+          </a:ln>
+        </p:spPr>
+        <p:txBody>
+          <a:bodyPr spcFirstLastPara="1" wrap="square" lIns="45700" tIns="45700" rIns="45700" bIns="45700" anchor="b" anchorCtr="0">
+            <a:noAutofit/>
+          </a:bodyPr>
+          <a:lstStyle/>
+          <a:p>
+            <a:pPr marL="0" lvl="0" indent="0" algn="r" rtl="0">
+              <a:lnSpc>
+                <a:spcPct val="90000"/>
+              </a:lnSpc>
+              <a:spcBef>
+                <a:spcPts val="0"/>
+              </a:spcBef>
+              <a:spcAft>
+                <a:spcPts val="0"/>
+              </a:spcAft>
+              <a:buClr>
+                <a:schemeClr val="lt1"/>
+              </a:buClr>
+              <a:buSzPts val="1900"/>
+              <a:buNone/>
+            </a:pPr>
+            <a:r>
+              <a:rPr lang="en-US"/>
+              <a:t>LAB:</a:t>
+            </a:r>
+            <a:endParaRPr/>
+          </a:p>
+        </p:txBody>
+      </p:sp>
+      <p:sp>
+        <p:nvSpPr>
+          <p:cNvPr id="1294" name="Google Shape;1294;p112">
+            <a:extLst>
+              <a:ext uri="{FF2B5EF4-FFF2-40B4-BE49-F238E27FC236}">
+                <a16:creationId xmlns:a16="http://schemas.microsoft.com/office/drawing/2014/main" id="{B14585A2-BEEA-87B8-3205-AF2BBBF8B7B7}"/>
+              </a:ext>
+            </a:extLst>
+          </p:cNvPr>
+          <p:cNvSpPr txBox="1">
+            <a:spLocks noGrp="1"/>
+          </p:cNvSpPr>
+          <p:nvPr>
+            <p:ph type="subTitle" idx="2"/>
+          </p:nvPr>
+        </p:nvSpPr>
+        <p:spPr>
+          <a:xfrm>
+            <a:off x="-285134" y="2607625"/>
+            <a:ext cx="2923660" cy="523200"/>
+          </a:xfrm>
+          <a:prstGeom prst="rect">
+            <a:avLst/>
+          </a:prstGeom>
+          <a:noFill/>
+          <a:ln>
+            <a:noFill/>
+          </a:ln>
+        </p:spPr>
+        <p:txBody>
+          <a:bodyPr spcFirstLastPara="1" wrap="square" lIns="91400" tIns="91400" rIns="91400" bIns="91400" anchor="t" anchorCtr="0">
+            <a:noAutofit/>
+          </a:bodyPr>
+          <a:lstStyle/>
+          <a:p>
+            <a:pPr marL="457200" lvl="0" indent="-228600" algn="r" rtl="0">
+              <a:lnSpc>
+                <a:spcPct val="100000"/>
+              </a:lnSpc>
+              <a:spcBef>
+                <a:spcPts val="0"/>
+              </a:spcBef>
+              <a:spcAft>
+                <a:spcPts val="0"/>
+              </a:spcAft>
+              <a:buSzPts val="2700"/>
+              <a:buNone/>
+            </a:pPr>
+            <a:r>
+              <a:rPr lang="en-US" dirty="0" err="1"/>
+              <a:t>IaC</a:t>
+            </a:r>
+            <a:r>
+              <a:rPr lang="en-US" dirty="0"/>
+              <a:t> Scanning</a:t>
+            </a:r>
+          </a:p>
+          <a:p>
+            <a:pPr marL="457200" lvl="0" indent="-228600" algn="r" rtl="0">
+              <a:lnSpc>
+                <a:spcPct val="100000"/>
+              </a:lnSpc>
+              <a:spcBef>
+                <a:spcPts val="0"/>
+              </a:spcBef>
+              <a:spcAft>
+                <a:spcPts val="0"/>
+              </a:spcAft>
+              <a:buSzPts val="2700"/>
+              <a:buNone/>
+            </a:pPr>
+            <a:endParaRPr dirty="0"/>
+          </a:p>
+        </p:txBody>
+      </p:sp>
+      <p:sp>
+        <p:nvSpPr>
+          <p:cNvPr id="1295" name="Google Shape;1295;p112">
+            <a:extLst>
+              <a:ext uri="{FF2B5EF4-FFF2-40B4-BE49-F238E27FC236}">
+                <a16:creationId xmlns:a16="http://schemas.microsoft.com/office/drawing/2014/main" id="{64F5F479-1AFE-7963-CEC2-0E26254D12FA}"/>
+              </a:ext>
+            </a:extLst>
+          </p:cNvPr>
+          <p:cNvSpPr txBox="1">
+            <a:spLocks noGrp="1"/>
+          </p:cNvSpPr>
+          <p:nvPr>
+            <p:ph type="sldNum" idx="12"/>
+          </p:nvPr>
+        </p:nvSpPr>
+        <p:spPr>
+          <a:xfrm>
+            <a:off x="8556784" y="4749851"/>
+            <a:ext cx="548700" cy="393600"/>
+          </a:xfrm>
+          <a:prstGeom prst="rect">
+            <a:avLst/>
+          </a:prstGeom>
+          <a:noFill/>
+          <a:ln>
+            <a:noFill/>
+          </a:ln>
+        </p:spPr>
+        <p:txBody>
+          <a:bodyPr spcFirstLastPara="1" wrap="square" lIns="91425" tIns="91425" rIns="91425" bIns="91425" anchor="t" anchorCtr="0">
+            <a:noAutofit/>
+          </a:bodyPr>
+          <a:lstStyle/>
+          <a:p>
+            <a:pPr marL="0" lvl="0" indent="0" algn="r" rtl="0">
+              <a:lnSpc>
+                <a:spcPct val="100000"/>
+              </a:lnSpc>
+              <a:spcBef>
+                <a:spcPts val="0"/>
+              </a:spcBef>
+              <a:spcAft>
+                <a:spcPts val="0"/>
+              </a:spcAft>
+              <a:buSzPts val="1300"/>
+              <a:buNone/>
+            </a:pPr>
+            <a:fld id="{00000000-1234-1234-1234-123412341234}" type="slidenum">
+              <a:rPr lang="en-US"/>
+              <a:t>21</a:t>
+            </a:fld>
+            <a:endParaRPr/>
+          </a:p>
+        </p:txBody>
+      </p:sp>
+      <p:sp>
+        <p:nvSpPr>
+          <p:cNvPr id="1296" name="Google Shape;1296;p112">
+            <a:extLst>
+              <a:ext uri="{FF2B5EF4-FFF2-40B4-BE49-F238E27FC236}">
+                <a16:creationId xmlns:a16="http://schemas.microsoft.com/office/drawing/2014/main" id="{AB171BBA-73AD-0751-48F9-9FF8E766523B}"/>
+              </a:ext>
+            </a:extLst>
+          </p:cNvPr>
+          <p:cNvSpPr txBox="1"/>
+          <p:nvPr/>
+        </p:nvSpPr>
+        <p:spPr>
+          <a:xfrm>
+            <a:off x="4572000" y="2495059"/>
+            <a:ext cx="4572000" cy="246181"/>
+          </a:xfrm>
+          <a:prstGeom prst="rect">
+            <a:avLst/>
+          </a:prstGeom>
+          <a:noFill/>
+          <a:ln>
+            <a:noFill/>
+          </a:ln>
+        </p:spPr>
+        <p:txBody>
+          <a:bodyPr spcFirstLastPara="1" wrap="square" lIns="91425" tIns="45700" rIns="91425" bIns="45700" anchor="t" anchorCtr="0">
+            <a:spAutoFit/>
+          </a:bodyPr>
+          <a:lstStyle/>
+          <a:p>
+            <a:pPr marL="0" marR="0" lvl="0" indent="0" algn="l" rtl="0">
+              <a:lnSpc>
+                <a:spcPct val="100000"/>
+              </a:lnSpc>
+              <a:spcBef>
+                <a:spcPts val="0"/>
+              </a:spcBef>
+              <a:spcAft>
+                <a:spcPts val="0"/>
+              </a:spcAft>
+              <a:buNone/>
+            </a:pPr>
+            <a:r>
+              <a:rPr lang="en-US" sz="1000" dirty="0">
+                <a:solidFill>
+                  <a:srgbClr val="D4D4D4"/>
+                </a:solidFill>
+                <a:hlinkClick r:id="rId3"/>
+              </a:rPr>
+              <a:t>https://docs.gitlab.com/ee/user/application_security/iac_scanning/</a:t>
+            </a:r>
+            <a:endParaRPr lang="en-US" sz="1000" dirty="0">
+              <a:solidFill>
+                <a:srgbClr val="D4D4D4"/>
+              </a:solidFill>
+            </a:endParaRPr>
+          </a:p>
+        </p:txBody>
+      </p:sp>
+    </p:spTree>
+    <p:extLst>
+      <p:ext uri="{BB962C8B-B14F-4D97-AF65-F5344CB8AC3E}">
+        <p14:creationId xmlns:p14="http://schemas.microsoft.com/office/powerpoint/2010/main" val="2715480499"/>
+      </p:ext>
+    </p:extLst>
+  </p:cSld>
+  <p:clrMapOvr>
+    <a:masterClrMapping/>
+  </p:clrMapOvr>
+</p:sld>
+</file>
+
+<file path=ppt/slides/slide22.xml><?xml version="1.0" encoding="utf-8"?>
+<p:sld xmlns:a="http://schemas.openxmlformats.org/drawingml/2006/main" xmlns:r="http://schemas.openxmlformats.org/officeDocument/2006/relationships" xmlns:p="http://schemas.openxmlformats.org/presentationml/2006/main">
+  <p:cSld>
+    <p:spTree>
+      <p:nvGrpSpPr>
+        <p:cNvPr id="1" name="Shape 1292">
+          <a:extLst>
+            <a:ext uri="{FF2B5EF4-FFF2-40B4-BE49-F238E27FC236}">
               <a16:creationId xmlns:a16="http://schemas.microsoft.com/office/drawing/2014/main" id="{84565F25-EEB0-AC47-0C58-E9415BEE90A8}"/>
             </a:ext>
           </a:extLst>
@@ -24478,7 +26800,7 @@
             </a:pPr>
             <a:fld id="{00000000-1234-1234-1234-123412341234}" type="slidenum">
               <a:rPr lang="en-US"/>
-              <a:t>21</a:t>
+              <a:t>22</a:t>
             </a:fld>
             <a:endParaRPr/>
           </a:p>
@@ -24567,7 +26889,3068 @@
 </p:sld>
 </file>
 
-<file path=ppt/slides/slide22.xml><?xml version="1.0" encoding="utf-8"?>
+<file path=ppt/slides/slide23.xml><?xml version="1.0" encoding="utf-8"?>
+<p:sld xmlns:a="http://schemas.openxmlformats.org/drawingml/2006/main" xmlns:r="http://schemas.openxmlformats.org/officeDocument/2006/relationships" xmlns:p="http://schemas.openxmlformats.org/presentationml/2006/main">
+  <p:cSld>
+    <p:spTree>
+      <p:nvGrpSpPr>
+        <p:cNvPr id="1" name="">
+          <a:extLst>
+            <a:ext uri="{FF2B5EF4-FFF2-40B4-BE49-F238E27FC236}">
+              <a16:creationId xmlns:a16="http://schemas.microsoft.com/office/drawing/2014/main" id="{351C9D71-B010-AFE0-75CE-C9F66E7DDB0B}"/>
+            </a:ext>
+          </a:extLst>
+        </p:cNvPr>
+        <p:cNvGrpSpPr/>
+        <p:nvPr/>
+      </p:nvGrpSpPr>
+      <p:grpSpPr>
+        <a:xfrm>
+          <a:off x="0" y="0"/>
+          <a:ext cx="0" cy="0"/>
+          <a:chOff x="0" y="0"/>
+          <a:chExt cx="0" cy="0"/>
+        </a:xfrm>
+      </p:grpSpPr>
+      <p:sp>
+        <p:nvSpPr>
+          <p:cNvPr id="5" name="Title 4">
+            <a:extLst>
+              <a:ext uri="{FF2B5EF4-FFF2-40B4-BE49-F238E27FC236}">
+                <a16:creationId xmlns:a16="http://schemas.microsoft.com/office/drawing/2014/main" id="{4E21E31B-054C-CA4F-DBA7-6812E06F32E0}"/>
+              </a:ext>
+            </a:extLst>
+          </p:cNvPr>
+          <p:cNvSpPr>
+            <a:spLocks noGrp="1"/>
+          </p:cNvSpPr>
+          <p:nvPr>
+            <p:ph type="title"/>
+          </p:nvPr>
+        </p:nvSpPr>
+        <p:spPr/>
+        <p:txBody>
+          <a:bodyPr/>
+          <a:lstStyle/>
+          <a:p>
+            <a:r>
+              <a:rPr lang="en-US" dirty="0"/>
+              <a:t>Managing Server Vulnerabilities</a:t>
+            </a:r>
+          </a:p>
+        </p:txBody>
+      </p:sp>
+    </p:spTree>
+    <p:extLst>
+      <p:ext uri="{BB962C8B-B14F-4D97-AF65-F5344CB8AC3E}">
+        <p14:creationId xmlns:p14="http://schemas.microsoft.com/office/powerpoint/2010/main" val="3233798696"/>
+      </p:ext>
+    </p:extLst>
+  </p:cSld>
+  <p:clrMapOvr>
+    <a:masterClrMapping/>
+  </p:clrMapOvr>
+</p:sld>
+</file>
+
+<file path=ppt/slides/slide24.xml><?xml version="1.0" encoding="utf-8"?>
+<p:sld xmlns:a="http://schemas.openxmlformats.org/drawingml/2006/main" xmlns:r="http://schemas.openxmlformats.org/officeDocument/2006/relationships" xmlns:p="http://schemas.openxmlformats.org/presentationml/2006/main">
+  <p:cSld>
+    <p:spTree>
+      <p:nvGrpSpPr>
+        <p:cNvPr id="1" name="Shape 349">
+          <a:extLst>
+            <a:ext uri="{FF2B5EF4-FFF2-40B4-BE49-F238E27FC236}">
+              <a16:creationId xmlns:a16="http://schemas.microsoft.com/office/drawing/2014/main" id="{D59497CF-3342-1612-4861-6A4E250E0F0F}"/>
+            </a:ext>
+          </a:extLst>
+        </p:cNvPr>
+        <p:cNvGrpSpPr/>
+        <p:nvPr/>
+      </p:nvGrpSpPr>
+      <p:grpSpPr>
+        <a:xfrm>
+          <a:off x="0" y="0"/>
+          <a:ext cx="0" cy="0"/>
+          <a:chOff x="0" y="0"/>
+          <a:chExt cx="0" cy="0"/>
+        </a:xfrm>
+      </p:grpSpPr>
+      <p:sp>
+        <p:nvSpPr>
+          <p:cNvPr id="350" name="Google Shape;350;p11">
+            <a:extLst>
+              <a:ext uri="{FF2B5EF4-FFF2-40B4-BE49-F238E27FC236}">
+                <a16:creationId xmlns:a16="http://schemas.microsoft.com/office/drawing/2014/main" id="{492F0DC8-B635-9FA7-D45A-7F5779BB688E}"/>
+              </a:ext>
+            </a:extLst>
+          </p:cNvPr>
+          <p:cNvSpPr txBox="1">
+            <a:spLocks noGrp="1"/>
+          </p:cNvSpPr>
+          <p:nvPr>
+            <p:ph type="title"/>
+          </p:nvPr>
+        </p:nvSpPr>
+        <p:spPr>
+          <a:xfrm>
+            <a:off x="613700" y="714275"/>
+            <a:ext cx="8253300" cy="314100"/>
+          </a:xfrm>
+          <a:prstGeom prst="rect">
+            <a:avLst/>
+          </a:prstGeom>
+          <a:noFill/>
+          <a:ln>
+            <a:noFill/>
+          </a:ln>
+        </p:spPr>
+        <p:txBody>
+          <a:bodyPr spcFirstLastPara="1" wrap="square" lIns="45700" tIns="45700" rIns="45700" bIns="45700" anchor="b" anchorCtr="0">
+            <a:noAutofit/>
+          </a:bodyPr>
+          <a:lstStyle/>
+          <a:p>
+            <a:pPr marL="0" lvl="0" indent="0" algn="l" rtl="0">
+              <a:lnSpc>
+                <a:spcPct val="90000"/>
+              </a:lnSpc>
+              <a:spcBef>
+                <a:spcPts val="0"/>
+              </a:spcBef>
+              <a:spcAft>
+                <a:spcPts val="0"/>
+              </a:spcAft>
+              <a:buSzPts val="2000"/>
+              <a:buNone/>
+            </a:pPr>
+            <a:r>
+              <a:rPr lang="en-US" dirty="0"/>
+              <a:t>Open Source &amp; Third-Party Products</a:t>
+            </a:r>
+            <a:endParaRPr dirty="0">
+              <a:solidFill>
+                <a:schemeClr val="dk1"/>
+              </a:solidFill>
+            </a:endParaRPr>
+          </a:p>
+        </p:txBody>
+      </p:sp>
+      <p:sp>
+        <p:nvSpPr>
+          <p:cNvPr id="351" name="Google Shape;351;p11">
+            <a:extLst>
+              <a:ext uri="{FF2B5EF4-FFF2-40B4-BE49-F238E27FC236}">
+                <a16:creationId xmlns:a16="http://schemas.microsoft.com/office/drawing/2014/main" id="{808BE687-8DB7-E81A-930A-1A8485232D61}"/>
+              </a:ext>
+            </a:extLst>
+          </p:cNvPr>
+          <p:cNvSpPr txBox="1"/>
+          <p:nvPr/>
+        </p:nvSpPr>
+        <p:spPr>
+          <a:xfrm>
+            <a:off x="613700" y="1208125"/>
+            <a:ext cx="7086600" cy="3221100"/>
+          </a:xfrm>
+          <a:prstGeom prst="rect">
+            <a:avLst/>
+          </a:prstGeom>
+          <a:noFill/>
+          <a:ln>
+            <a:noFill/>
+          </a:ln>
+        </p:spPr>
+        <p:txBody>
+          <a:bodyPr spcFirstLastPara="1" wrap="square" lIns="91400" tIns="91400" rIns="91400" bIns="91400" anchor="t" anchorCtr="0">
+            <a:noAutofit/>
+          </a:bodyPr>
+          <a:lstStyle/>
+          <a:p>
+            <a:pPr marL="457200" lvl="0" indent="-323850">
+              <a:lnSpc>
+                <a:spcPct val="150000"/>
+              </a:lnSpc>
+              <a:buClr>
+                <a:srgbClr val="404040"/>
+              </a:buClr>
+              <a:buSzPts val="1500"/>
+              <a:buFont typeface="Arial"/>
+              <a:buChar char="●"/>
+            </a:pPr>
+            <a:r>
+              <a:rPr lang="en-US" sz="1500" dirty="0">
+                <a:solidFill>
+                  <a:srgbClr val="404040"/>
+                </a:solidFill>
+              </a:rPr>
+              <a:t>Several open source and third-party products are available to assist with scans on both Windows and Linux boxes</a:t>
+            </a:r>
+          </a:p>
+          <a:p>
+            <a:pPr marL="457200" lvl="0" indent="-323850">
+              <a:lnSpc>
+                <a:spcPct val="150000"/>
+              </a:lnSpc>
+              <a:buClr>
+                <a:srgbClr val="404040"/>
+              </a:buClr>
+              <a:buSzPts val="1500"/>
+              <a:buFont typeface="Arial"/>
+              <a:buChar char="●"/>
+            </a:pPr>
+            <a:r>
+              <a:rPr lang="en-US" sz="1500" b="0" i="0" u="none" strike="noStrike" cap="none" dirty="0">
+                <a:solidFill>
+                  <a:srgbClr val="404040"/>
+                </a:solidFill>
+                <a:sym typeface="Arial"/>
+              </a:rPr>
+              <a:t>Many of them are web server and website focused (understandably)</a:t>
+            </a:r>
+          </a:p>
+          <a:p>
+            <a:pPr marL="457200" lvl="2" indent="-323850">
+              <a:lnSpc>
+                <a:spcPct val="150000"/>
+              </a:lnSpc>
+              <a:buClr>
+                <a:srgbClr val="404040"/>
+              </a:buClr>
+              <a:buSzPts val="1500"/>
+              <a:buFont typeface="Arial"/>
+              <a:buChar char="●"/>
+            </a:pPr>
+            <a:r>
+              <a:rPr lang="en-US" sz="1500" b="0" i="0" u="none" strike="noStrike" cap="none" dirty="0">
+                <a:solidFill>
+                  <a:srgbClr val="404040"/>
+                </a:solidFill>
+                <a:sym typeface="Arial"/>
+              </a:rPr>
+              <a:t>These products include CLI’s or </a:t>
+            </a:r>
+            <a:r>
+              <a:rPr lang="en-US" sz="1500" b="0" i="0" u="none" strike="noStrike" cap="none" dirty="0" err="1">
+                <a:solidFill>
+                  <a:srgbClr val="404040"/>
+                </a:solidFill>
+                <a:sym typeface="Arial"/>
+              </a:rPr>
+              <a:t>dockerized</a:t>
+            </a:r>
+            <a:r>
+              <a:rPr lang="en-US" sz="1500" b="0" i="0" u="none" strike="noStrike" cap="none" dirty="0">
+                <a:solidFill>
+                  <a:srgbClr val="404040"/>
+                </a:solidFill>
+                <a:sym typeface="Arial"/>
+              </a:rPr>
+              <a:t> implementations for use in pipelines (like those leveraged with GitLab)</a:t>
+            </a:r>
+          </a:p>
+        </p:txBody>
+      </p:sp>
+      <p:sp>
+        <p:nvSpPr>
+          <p:cNvPr id="2" name="Google Shape;238;p2">
+            <a:extLst>
+              <a:ext uri="{FF2B5EF4-FFF2-40B4-BE49-F238E27FC236}">
+                <a16:creationId xmlns:a16="http://schemas.microsoft.com/office/drawing/2014/main" id="{5A8C37F0-031C-4BA3-8C7C-43223B8929B1}"/>
+              </a:ext>
+            </a:extLst>
+          </p:cNvPr>
+          <p:cNvSpPr txBox="1">
+            <a:spLocks noGrp="1"/>
+          </p:cNvSpPr>
+          <p:nvPr>
+            <p:ph type="sldNum" idx="12"/>
+          </p:nvPr>
+        </p:nvSpPr>
+        <p:spPr>
+          <a:xfrm>
+            <a:off x="8556784" y="4749851"/>
+            <a:ext cx="548700" cy="393600"/>
+          </a:xfrm>
+          <a:prstGeom prst="rect">
+            <a:avLst/>
+          </a:prstGeom>
+          <a:noFill/>
+          <a:ln>
+            <a:noFill/>
+          </a:ln>
+        </p:spPr>
+        <p:txBody>
+          <a:bodyPr spcFirstLastPara="1" wrap="square" lIns="91425" tIns="91425" rIns="91425" bIns="91425" anchor="t" anchorCtr="0">
+            <a:noAutofit/>
+          </a:bodyPr>
+          <a:lstStyle/>
+          <a:p>
+            <a:pPr marL="0" lvl="0" indent="0" algn="r" rtl="0">
+              <a:lnSpc>
+                <a:spcPct val="100000"/>
+              </a:lnSpc>
+              <a:spcBef>
+                <a:spcPts val="0"/>
+              </a:spcBef>
+              <a:spcAft>
+                <a:spcPts val="0"/>
+              </a:spcAft>
+              <a:buSzPts val="1300"/>
+              <a:buNone/>
+            </a:pPr>
+            <a:fld id="{00000000-1234-1234-1234-123412341234}" type="slidenum">
+              <a:rPr lang="en-US"/>
+              <a:t>24</a:t>
+            </a:fld>
+            <a:endParaRPr/>
+          </a:p>
+        </p:txBody>
+      </p:sp>
+      <p:pic>
+        <p:nvPicPr>
+          <p:cNvPr id="4" name="Graphic 3" descr="High voltage with solid fill">
+            <a:extLst>
+              <a:ext uri="{FF2B5EF4-FFF2-40B4-BE49-F238E27FC236}">
+                <a16:creationId xmlns:a16="http://schemas.microsoft.com/office/drawing/2014/main" id="{28101369-4C57-C18C-CAA7-9B44690D1D90}"/>
+              </a:ext>
+            </a:extLst>
+          </p:cNvPr>
+          <p:cNvPicPr>
+            <a:picLocks noChangeAspect="1"/>
+          </p:cNvPicPr>
+          <p:nvPr/>
+        </p:nvPicPr>
+        <p:blipFill>
+          <a:blip r:embed="rId3">
+            <a:extLst>
+              <a:ext uri="{96DAC541-7B7A-43D3-8B79-37D633B846F1}">
+                <asvg:svgBlip xmlns:asvg="http://schemas.microsoft.com/office/drawing/2016/SVG/main" r:embed="rId4"/>
+              </a:ext>
+            </a:extLst>
+          </a:blip>
+          <a:stretch>
+            <a:fillRect/>
+          </a:stretch>
+        </p:blipFill>
+        <p:spPr>
+          <a:xfrm>
+            <a:off x="7916734" y="113975"/>
+            <a:ext cx="914400" cy="914400"/>
+          </a:xfrm>
+          <a:prstGeom prst="rect">
+            <a:avLst/>
+          </a:prstGeom>
+        </p:spPr>
+      </p:pic>
+    </p:spTree>
+    <p:extLst>
+      <p:ext uri="{BB962C8B-B14F-4D97-AF65-F5344CB8AC3E}">
+        <p14:creationId xmlns:p14="http://schemas.microsoft.com/office/powerpoint/2010/main" val="1788861362"/>
+      </p:ext>
+    </p:extLst>
+  </p:cSld>
+  <p:clrMapOvr>
+    <a:masterClrMapping/>
+  </p:clrMapOvr>
+  <p:timing>
+    <p:tnLst>
+      <p:par>
+        <p:cTn id="1" dur="indefinite" restart="never" nodeType="tmRoot">
+          <p:childTnLst>
+            <p:seq concurrent="1" nextAc="seek">
+              <p:cTn id="2" dur="indefinite" nodeType="mainSeq">
+                <p:childTnLst>
+                  <p:par>
+                    <p:cTn id="3" fill="hold">
+                      <p:stCondLst>
+                        <p:cond delay="indefinite"/>
+                      </p:stCondLst>
+                      <p:childTnLst>
+                        <p:par>
+                          <p:cTn id="4" fill="hold">
+                            <p:stCondLst>
+                              <p:cond delay="0"/>
+                            </p:stCondLst>
+                            <p:childTnLst>
+                              <p:par>
+                                <p:cTn id="5" presetID="1" presetClass="entr" presetSubtype="0" fill="hold" grpId="0" nodeType="clickEffect">
+                                  <p:stCondLst>
+                                    <p:cond delay="0"/>
+                                  </p:stCondLst>
+                                  <p:childTnLst>
+                                    <p:set>
+                                      <p:cBhvr>
+                                        <p:cTn id="6" dur="1" fill="hold">
+                                          <p:stCondLst>
+                                            <p:cond delay="0"/>
+                                          </p:stCondLst>
+                                        </p:cTn>
+                                        <p:tgtEl>
+                                          <p:spTgt spid="351">
+                                            <p:txEl>
+                                              <p:pRg st="0" end="0"/>
+                                            </p:txEl>
+                                          </p:spTgt>
+                                        </p:tgtEl>
+                                        <p:attrNameLst>
+                                          <p:attrName>style.visibility</p:attrName>
+                                        </p:attrNameLst>
+                                      </p:cBhvr>
+                                      <p:to>
+                                        <p:strVal val="visible"/>
+                                      </p:to>
+                                    </p:set>
+                                  </p:childTnLst>
+                                </p:cTn>
+                              </p:par>
+                            </p:childTnLst>
+                          </p:cTn>
+                        </p:par>
+                      </p:childTnLst>
+                    </p:cTn>
+                  </p:par>
+                  <p:par>
+                    <p:cTn id="7" fill="hold">
+                      <p:stCondLst>
+                        <p:cond delay="indefinite"/>
+                      </p:stCondLst>
+                      <p:childTnLst>
+                        <p:par>
+                          <p:cTn id="8" fill="hold">
+                            <p:stCondLst>
+                              <p:cond delay="0"/>
+                            </p:stCondLst>
+                            <p:childTnLst>
+                              <p:par>
+                                <p:cTn id="9" presetID="1" presetClass="entr" presetSubtype="0" fill="hold" grpId="0" nodeType="clickEffect">
+                                  <p:stCondLst>
+                                    <p:cond delay="0"/>
+                                  </p:stCondLst>
+                                  <p:childTnLst>
+                                    <p:set>
+                                      <p:cBhvr>
+                                        <p:cTn id="10" dur="1" fill="hold">
+                                          <p:stCondLst>
+                                            <p:cond delay="0"/>
+                                          </p:stCondLst>
+                                        </p:cTn>
+                                        <p:tgtEl>
+                                          <p:spTgt spid="351">
+                                            <p:txEl>
+                                              <p:pRg st="1" end="1"/>
+                                            </p:txEl>
+                                          </p:spTgt>
+                                        </p:tgtEl>
+                                        <p:attrNameLst>
+                                          <p:attrName>style.visibility</p:attrName>
+                                        </p:attrNameLst>
+                                      </p:cBhvr>
+                                      <p:to>
+                                        <p:strVal val="visible"/>
+                                      </p:to>
+                                    </p:set>
+                                  </p:childTnLst>
+                                </p:cTn>
+                              </p:par>
+                            </p:childTnLst>
+                          </p:cTn>
+                        </p:par>
+                      </p:childTnLst>
+                    </p:cTn>
+                  </p:par>
+                  <p:par>
+                    <p:cTn id="11" fill="hold">
+                      <p:stCondLst>
+                        <p:cond delay="indefinite"/>
+                      </p:stCondLst>
+                      <p:childTnLst>
+                        <p:par>
+                          <p:cTn id="12" fill="hold">
+                            <p:stCondLst>
+                              <p:cond delay="0"/>
+                            </p:stCondLst>
+                            <p:childTnLst>
+                              <p:par>
+                                <p:cTn id="13" presetID="1" presetClass="entr" presetSubtype="0" fill="hold" grpId="0" nodeType="clickEffect">
+                                  <p:stCondLst>
+                                    <p:cond delay="0"/>
+                                  </p:stCondLst>
+                                  <p:childTnLst>
+                                    <p:set>
+                                      <p:cBhvr>
+                                        <p:cTn id="14" dur="1" fill="hold">
+                                          <p:stCondLst>
+                                            <p:cond delay="0"/>
+                                          </p:stCondLst>
+                                        </p:cTn>
+                                        <p:tgtEl>
+                                          <p:spTgt spid="351">
+                                            <p:txEl>
+                                              <p:pRg st="2" end="2"/>
+                                            </p:txEl>
+                                          </p:spTgt>
+                                        </p:tgtEl>
+                                        <p:attrNameLst>
+                                          <p:attrName>style.visibility</p:attrName>
+                                        </p:attrNameLst>
+                                      </p:cBhvr>
+                                      <p:to>
+                                        <p:strVal val="visible"/>
+                                      </p:to>
+                                    </p:set>
+                                  </p:childTnLst>
+                                </p:cTn>
+                              </p:par>
+                            </p:childTnLst>
+                          </p:cTn>
+                        </p:par>
+                      </p:childTnLst>
+                    </p:cTn>
+                  </p:par>
+                </p:childTnLst>
+              </p:cTn>
+              <p:prevCondLst>
+                <p:cond evt="onPrev" delay="0">
+                  <p:tgtEl>
+                    <p:sldTgt/>
+                  </p:tgtEl>
+                </p:cond>
+              </p:prevCondLst>
+              <p:nextCondLst>
+                <p:cond evt="onNext" delay="0">
+                  <p:tgtEl>
+                    <p:sldTgt/>
+                  </p:tgtEl>
+                </p:cond>
+              </p:nextCondLst>
+            </p:seq>
+          </p:childTnLst>
+        </p:cTn>
+      </p:par>
+    </p:tnLst>
+    <p:bldLst>
+      <p:bldP spid="351" grpId="0" uiExpand="1" build="p"/>
+    </p:bldLst>
+  </p:timing>
+</p:sld>
+</file>
+
+<file path=ppt/slides/slide25.xml><?xml version="1.0" encoding="utf-8"?>
+<p:sld xmlns:a="http://schemas.openxmlformats.org/drawingml/2006/main" xmlns:r="http://schemas.openxmlformats.org/officeDocument/2006/relationships" xmlns:p="http://schemas.openxmlformats.org/presentationml/2006/main">
+  <p:cSld>
+    <p:spTree>
+      <p:nvGrpSpPr>
+        <p:cNvPr id="1" name="Shape 349">
+          <a:extLst>
+            <a:ext uri="{FF2B5EF4-FFF2-40B4-BE49-F238E27FC236}">
+              <a16:creationId xmlns:a16="http://schemas.microsoft.com/office/drawing/2014/main" id="{3FD9F237-DC15-CDB8-5C58-AD1CAF44F1EA}"/>
+            </a:ext>
+          </a:extLst>
+        </p:cNvPr>
+        <p:cNvGrpSpPr/>
+        <p:nvPr/>
+      </p:nvGrpSpPr>
+      <p:grpSpPr>
+        <a:xfrm>
+          <a:off x="0" y="0"/>
+          <a:ext cx="0" cy="0"/>
+          <a:chOff x="0" y="0"/>
+          <a:chExt cx="0" cy="0"/>
+        </a:xfrm>
+      </p:grpSpPr>
+      <p:sp>
+        <p:nvSpPr>
+          <p:cNvPr id="350" name="Google Shape;350;p11">
+            <a:extLst>
+              <a:ext uri="{FF2B5EF4-FFF2-40B4-BE49-F238E27FC236}">
+                <a16:creationId xmlns:a16="http://schemas.microsoft.com/office/drawing/2014/main" id="{87611069-8977-2CBF-E7A0-46A12589E40E}"/>
+              </a:ext>
+            </a:extLst>
+          </p:cNvPr>
+          <p:cNvSpPr txBox="1">
+            <a:spLocks noGrp="1"/>
+          </p:cNvSpPr>
+          <p:nvPr>
+            <p:ph type="title"/>
+          </p:nvPr>
+        </p:nvSpPr>
+        <p:spPr>
+          <a:xfrm>
+            <a:off x="613700" y="714275"/>
+            <a:ext cx="8253300" cy="314100"/>
+          </a:xfrm>
+          <a:prstGeom prst="rect">
+            <a:avLst/>
+          </a:prstGeom>
+          <a:noFill/>
+          <a:ln>
+            <a:noFill/>
+          </a:ln>
+        </p:spPr>
+        <p:txBody>
+          <a:bodyPr spcFirstLastPara="1" wrap="square" lIns="45700" tIns="45700" rIns="45700" bIns="45700" anchor="b" anchorCtr="0">
+            <a:noAutofit/>
+          </a:bodyPr>
+          <a:lstStyle/>
+          <a:p>
+            <a:pPr marL="0" lvl="0" indent="0" algn="l" rtl="0">
+              <a:lnSpc>
+                <a:spcPct val="90000"/>
+              </a:lnSpc>
+              <a:spcBef>
+                <a:spcPts val="0"/>
+              </a:spcBef>
+              <a:spcAft>
+                <a:spcPts val="0"/>
+              </a:spcAft>
+              <a:buSzPts val="2000"/>
+              <a:buNone/>
+            </a:pPr>
+            <a:r>
+              <a:rPr lang="en-US" dirty="0">
+                <a:solidFill>
+                  <a:schemeClr val="dk1"/>
+                </a:solidFill>
+              </a:rPr>
+              <a:t>What Do They Scan?</a:t>
+            </a:r>
+            <a:endParaRPr dirty="0">
+              <a:solidFill>
+                <a:schemeClr val="dk1"/>
+              </a:solidFill>
+            </a:endParaRPr>
+          </a:p>
+        </p:txBody>
+      </p:sp>
+      <p:sp>
+        <p:nvSpPr>
+          <p:cNvPr id="351" name="Google Shape;351;p11">
+            <a:extLst>
+              <a:ext uri="{FF2B5EF4-FFF2-40B4-BE49-F238E27FC236}">
+                <a16:creationId xmlns:a16="http://schemas.microsoft.com/office/drawing/2014/main" id="{EA2F49CD-53F6-F50E-750D-0F84E8EB849F}"/>
+              </a:ext>
+            </a:extLst>
+          </p:cNvPr>
+          <p:cNvSpPr txBox="1"/>
+          <p:nvPr/>
+        </p:nvSpPr>
+        <p:spPr>
+          <a:xfrm>
+            <a:off x="613700" y="1208125"/>
+            <a:ext cx="7086600" cy="3221100"/>
+          </a:xfrm>
+          <a:prstGeom prst="rect">
+            <a:avLst/>
+          </a:prstGeom>
+          <a:noFill/>
+          <a:ln>
+            <a:noFill/>
+          </a:ln>
+        </p:spPr>
+        <p:txBody>
+          <a:bodyPr spcFirstLastPara="1" wrap="square" lIns="91400" tIns="91400" rIns="91400" bIns="91400" anchor="t" anchorCtr="0">
+            <a:noAutofit/>
+          </a:bodyPr>
+          <a:lstStyle/>
+          <a:p>
+            <a:pPr marL="133350" lvl="0">
+              <a:lnSpc>
+                <a:spcPct val="150000"/>
+              </a:lnSpc>
+              <a:buClr>
+                <a:srgbClr val="404040"/>
+              </a:buClr>
+              <a:buSzPts val="1500"/>
+            </a:pPr>
+            <a:r>
+              <a:rPr lang="en-US" sz="1500" dirty="0">
+                <a:solidFill>
+                  <a:srgbClr val="404040"/>
+                </a:solidFill>
+              </a:rPr>
+              <a:t>Can search in several areas of focus, including:</a:t>
+            </a:r>
+          </a:p>
+          <a:p>
+            <a:pPr marL="457200" lvl="0" indent="-323850">
+              <a:lnSpc>
+                <a:spcPct val="150000"/>
+              </a:lnSpc>
+              <a:buClr>
+                <a:srgbClr val="404040"/>
+              </a:buClr>
+              <a:buSzPts val="1500"/>
+              <a:buFont typeface="Arial"/>
+              <a:buChar char="●"/>
+            </a:pPr>
+            <a:r>
+              <a:rPr lang="en-US" sz="1500" dirty="0">
+                <a:solidFill>
+                  <a:srgbClr val="404040"/>
+                </a:solidFill>
+              </a:rPr>
+              <a:t>OWASP Top 10 exposure</a:t>
+            </a:r>
+          </a:p>
+          <a:p>
+            <a:pPr marL="457200" lvl="0" indent="-323850">
+              <a:lnSpc>
+                <a:spcPct val="150000"/>
+              </a:lnSpc>
+              <a:buClr>
+                <a:srgbClr val="404040"/>
+              </a:buClr>
+              <a:buSzPts val="1500"/>
+              <a:buFont typeface="Arial"/>
+              <a:buChar char="●"/>
+            </a:pPr>
+            <a:r>
+              <a:rPr lang="en-US" sz="1500" dirty="0">
+                <a:solidFill>
+                  <a:srgbClr val="404040"/>
+                </a:solidFill>
+              </a:rPr>
+              <a:t>Misconfiguration – outdated software, default directories/files, and issues where configuration exposes the machine (or application) to attack</a:t>
+            </a:r>
+          </a:p>
+          <a:p>
+            <a:pPr marL="457200" lvl="0" indent="-323850">
+              <a:lnSpc>
+                <a:spcPct val="150000"/>
+              </a:lnSpc>
+              <a:buClr>
+                <a:srgbClr val="404040"/>
+              </a:buClr>
+              <a:buSzPts val="1500"/>
+              <a:buFont typeface="Arial"/>
+              <a:buChar char="●"/>
+            </a:pPr>
+            <a:r>
+              <a:rPr lang="en-US" sz="1500" b="0" i="0" u="none" strike="noStrike" cap="none" dirty="0">
+                <a:solidFill>
+                  <a:srgbClr val="404040"/>
+                </a:solidFill>
+                <a:sym typeface="Arial"/>
+              </a:rPr>
+              <a:t>As with all the other scans:</a:t>
+            </a:r>
+          </a:p>
+        </p:txBody>
+      </p:sp>
+      <p:sp>
+        <p:nvSpPr>
+          <p:cNvPr id="2" name="Google Shape;238;p2">
+            <a:extLst>
+              <a:ext uri="{FF2B5EF4-FFF2-40B4-BE49-F238E27FC236}">
+                <a16:creationId xmlns:a16="http://schemas.microsoft.com/office/drawing/2014/main" id="{F6DEFF84-B9DC-162F-BE8F-E0D61603E968}"/>
+              </a:ext>
+            </a:extLst>
+          </p:cNvPr>
+          <p:cNvSpPr txBox="1">
+            <a:spLocks noGrp="1"/>
+          </p:cNvSpPr>
+          <p:nvPr>
+            <p:ph type="sldNum" idx="12"/>
+          </p:nvPr>
+        </p:nvSpPr>
+        <p:spPr>
+          <a:xfrm>
+            <a:off x="8556784" y="4749851"/>
+            <a:ext cx="548700" cy="393600"/>
+          </a:xfrm>
+          <a:prstGeom prst="rect">
+            <a:avLst/>
+          </a:prstGeom>
+          <a:noFill/>
+          <a:ln>
+            <a:noFill/>
+          </a:ln>
+        </p:spPr>
+        <p:txBody>
+          <a:bodyPr spcFirstLastPara="1" wrap="square" lIns="91425" tIns="91425" rIns="91425" bIns="91425" anchor="t" anchorCtr="0">
+            <a:noAutofit/>
+          </a:bodyPr>
+          <a:lstStyle/>
+          <a:p>
+            <a:pPr marL="0" lvl="0" indent="0" algn="r" rtl="0">
+              <a:lnSpc>
+                <a:spcPct val="100000"/>
+              </a:lnSpc>
+              <a:spcBef>
+                <a:spcPts val="0"/>
+              </a:spcBef>
+              <a:spcAft>
+                <a:spcPts val="0"/>
+              </a:spcAft>
+              <a:buSzPts val="1300"/>
+              <a:buNone/>
+            </a:pPr>
+            <a:fld id="{00000000-1234-1234-1234-123412341234}" type="slidenum">
+              <a:rPr lang="en-US"/>
+              <a:t>25</a:t>
+            </a:fld>
+            <a:endParaRPr/>
+          </a:p>
+        </p:txBody>
+      </p:sp>
+      <p:pic>
+        <p:nvPicPr>
+          <p:cNvPr id="4" name="Graphic 3" descr="High voltage with solid fill">
+            <a:extLst>
+              <a:ext uri="{FF2B5EF4-FFF2-40B4-BE49-F238E27FC236}">
+                <a16:creationId xmlns:a16="http://schemas.microsoft.com/office/drawing/2014/main" id="{FCEC7300-5663-7E5F-2691-85C50AA0575F}"/>
+              </a:ext>
+            </a:extLst>
+          </p:cNvPr>
+          <p:cNvPicPr>
+            <a:picLocks noChangeAspect="1"/>
+          </p:cNvPicPr>
+          <p:nvPr/>
+        </p:nvPicPr>
+        <p:blipFill>
+          <a:blip r:embed="rId3">
+            <a:extLst>
+              <a:ext uri="{96DAC541-7B7A-43D3-8B79-37D633B846F1}">
+                <asvg:svgBlip xmlns:asvg="http://schemas.microsoft.com/office/drawing/2016/SVG/main" r:embed="rId4"/>
+              </a:ext>
+            </a:extLst>
+          </a:blip>
+          <a:stretch>
+            <a:fillRect/>
+          </a:stretch>
+        </p:blipFill>
+        <p:spPr>
+          <a:xfrm>
+            <a:off x="7916734" y="113975"/>
+            <a:ext cx="914400" cy="914400"/>
+          </a:xfrm>
+          <a:prstGeom prst="rect">
+            <a:avLst/>
+          </a:prstGeom>
+        </p:spPr>
+      </p:pic>
+      <p:sp>
+        <p:nvSpPr>
+          <p:cNvPr id="5" name="Flowchart: Internal Storage 4">
+            <a:extLst>
+              <a:ext uri="{FF2B5EF4-FFF2-40B4-BE49-F238E27FC236}">
+                <a16:creationId xmlns:a16="http://schemas.microsoft.com/office/drawing/2014/main" id="{5B235A88-FB8C-EBD2-588D-5C8DBDE2711E}"/>
+              </a:ext>
+            </a:extLst>
+          </p:cNvPr>
+          <p:cNvSpPr/>
+          <p:nvPr/>
+        </p:nvSpPr>
+        <p:spPr>
+          <a:xfrm>
+            <a:off x="1101213" y="3126365"/>
+            <a:ext cx="1160206" cy="1108691"/>
+          </a:xfrm>
+          <a:prstGeom prst="flowChartInternalStorage">
+            <a:avLst/>
+          </a:prstGeom>
+        </p:spPr>
+        <p:style>
+          <a:lnRef idx="2">
+            <a:schemeClr val="accent1">
+              <a:shade val="15000"/>
+            </a:schemeClr>
+          </a:lnRef>
+          <a:fillRef idx="1">
+            <a:schemeClr val="accent1"/>
+          </a:fillRef>
+          <a:effectRef idx="0">
+            <a:schemeClr val="accent1"/>
+          </a:effectRef>
+          <a:fontRef idx="minor">
+            <a:schemeClr val="lt1"/>
+          </a:fontRef>
+        </p:style>
+        <p:txBody>
+          <a:bodyPr rtlCol="0" anchor="ctr"/>
+          <a:lstStyle/>
+          <a:p>
+            <a:pPr algn="ctr"/>
+            <a:endParaRPr lang="en-US"/>
+          </a:p>
+        </p:txBody>
+      </p:sp>
+      <p:sp>
+        <p:nvSpPr>
+          <p:cNvPr id="6" name="Flowchart: Internal Storage 5">
+            <a:extLst>
+              <a:ext uri="{FF2B5EF4-FFF2-40B4-BE49-F238E27FC236}">
+                <a16:creationId xmlns:a16="http://schemas.microsoft.com/office/drawing/2014/main" id="{1F75B721-0331-8B70-5248-0522B9422422}"/>
+              </a:ext>
+            </a:extLst>
+          </p:cNvPr>
+          <p:cNvSpPr/>
+          <p:nvPr/>
+        </p:nvSpPr>
+        <p:spPr>
+          <a:xfrm>
+            <a:off x="1253613" y="3278765"/>
+            <a:ext cx="1160206" cy="1108691"/>
+          </a:xfrm>
+          <a:prstGeom prst="flowChartInternalStorage">
+            <a:avLst/>
+          </a:prstGeom>
+        </p:spPr>
+        <p:style>
+          <a:lnRef idx="2">
+            <a:schemeClr val="accent1">
+              <a:shade val="15000"/>
+            </a:schemeClr>
+          </a:lnRef>
+          <a:fillRef idx="1">
+            <a:schemeClr val="accent1"/>
+          </a:fillRef>
+          <a:effectRef idx="0">
+            <a:schemeClr val="accent1"/>
+          </a:effectRef>
+          <a:fontRef idx="minor">
+            <a:schemeClr val="lt1"/>
+          </a:fontRef>
+        </p:style>
+        <p:txBody>
+          <a:bodyPr rtlCol="0" anchor="ctr"/>
+          <a:lstStyle/>
+          <a:p>
+            <a:pPr algn="ctr"/>
+            <a:endParaRPr lang="en-US"/>
+          </a:p>
+        </p:txBody>
+      </p:sp>
+      <p:sp>
+        <p:nvSpPr>
+          <p:cNvPr id="7" name="Flowchart: Internal Storage 6">
+            <a:extLst>
+              <a:ext uri="{FF2B5EF4-FFF2-40B4-BE49-F238E27FC236}">
+                <a16:creationId xmlns:a16="http://schemas.microsoft.com/office/drawing/2014/main" id="{D340E475-8F13-DCBF-64DC-292520A5528A}"/>
+              </a:ext>
+            </a:extLst>
+          </p:cNvPr>
+          <p:cNvSpPr/>
+          <p:nvPr/>
+        </p:nvSpPr>
+        <p:spPr>
+          <a:xfrm>
+            <a:off x="1406013" y="3431165"/>
+            <a:ext cx="1160206" cy="1108691"/>
+          </a:xfrm>
+          <a:prstGeom prst="flowChartInternalStorage">
+            <a:avLst/>
+          </a:prstGeom>
+        </p:spPr>
+        <p:style>
+          <a:lnRef idx="2">
+            <a:schemeClr val="accent1">
+              <a:shade val="15000"/>
+            </a:schemeClr>
+          </a:lnRef>
+          <a:fillRef idx="1">
+            <a:schemeClr val="accent1"/>
+          </a:fillRef>
+          <a:effectRef idx="0">
+            <a:schemeClr val="accent1"/>
+          </a:effectRef>
+          <a:fontRef idx="minor">
+            <a:schemeClr val="lt1"/>
+          </a:fontRef>
+        </p:style>
+        <p:txBody>
+          <a:bodyPr rtlCol="0" anchor="ctr"/>
+          <a:lstStyle/>
+          <a:p>
+            <a:pPr algn="ctr"/>
+            <a:endParaRPr lang="en-US"/>
+          </a:p>
+        </p:txBody>
+      </p:sp>
+      <p:sp>
+        <p:nvSpPr>
+          <p:cNvPr id="8" name="Flowchart: Internal Storage 7">
+            <a:extLst>
+              <a:ext uri="{FF2B5EF4-FFF2-40B4-BE49-F238E27FC236}">
+                <a16:creationId xmlns:a16="http://schemas.microsoft.com/office/drawing/2014/main" id="{D4F0F0A9-7D23-1772-AE66-C465265D3B26}"/>
+              </a:ext>
+            </a:extLst>
+          </p:cNvPr>
+          <p:cNvSpPr/>
+          <p:nvPr/>
+        </p:nvSpPr>
+        <p:spPr>
+          <a:xfrm>
+            <a:off x="1558413" y="3583565"/>
+            <a:ext cx="1160206" cy="1108691"/>
+          </a:xfrm>
+          <a:prstGeom prst="flowChartInternalStorage">
+            <a:avLst/>
+          </a:prstGeom>
+        </p:spPr>
+        <p:style>
+          <a:lnRef idx="2">
+            <a:schemeClr val="accent1">
+              <a:shade val="15000"/>
+            </a:schemeClr>
+          </a:lnRef>
+          <a:fillRef idx="1">
+            <a:schemeClr val="accent1"/>
+          </a:fillRef>
+          <a:effectRef idx="0">
+            <a:schemeClr val="accent1"/>
+          </a:effectRef>
+          <a:fontRef idx="minor">
+            <a:schemeClr val="lt1"/>
+          </a:fontRef>
+        </p:style>
+        <p:txBody>
+          <a:bodyPr rtlCol="0" anchor="ctr"/>
+          <a:lstStyle/>
+          <a:p>
+            <a:pPr algn="ctr"/>
+            <a:endParaRPr lang="en-US"/>
+          </a:p>
+        </p:txBody>
+      </p:sp>
+      <p:sp>
+        <p:nvSpPr>
+          <p:cNvPr id="9" name="TextBox 8">
+            <a:extLst>
+              <a:ext uri="{FF2B5EF4-FFF2-40B4-BE49-F238E27FC236}">
+                <a16:creationId xmlns:a16="http://schemas.microsoft.com/office/drawing/2014/main" id="{D4AF2F72-0BAD-8F3A-EB7D-8F36901B039E}"/>
+              </a:ext>
+            </a:extLst>
+          </p:cNvPr>
+          <p:cNvSpPr txBox="1"/>
+          <p:nvPr/>
+        </p:nvSpPr>
+        <p:spPr>
+          <a:xfrm>
+            <a:off x="943897" y="4749851"/>
+            <a:ext cx="1976284" cy="307777"/>
+          </a:xfrm>
+          <a:prstGeom prst="rect">
+            <a:avLst/>
+          </a:prstGeom>
+          <a:noFill/>
+        </p:spPr>
+        <p:txBody>
+          <a:bodyPr wrap="square" rtlCol="0">
+            <a:spAutoFit/>
+          </a:bodyPr>
+          <a:lstStyle/>
+          <a:p>
+            <a:pPr algn="ctr"/>
+            <a:r>
+              <a:rPr lang="en-US" dirty="0"/>
+              <a:t>Code &amp; Artifacts</a:t>
+            </a:r>
+          </a:p>
+        </p:txBody>
+      </p:sp>
+      <p:pic>
+        <p:nvPicPr>
+          <p:cNvPr id="12" name="Graphic 11" descr="Drawing Figure with solid fill">
+            <a:extLst>
+              <a:ext uri="{FF2B5EF4-FFF2-40B4-BE49-F238E27FC236}">
+                <a16:creationId xmlns:a16="http://schemas.microsoft.com/office/drawing/2014/main" id="{83387286-D560-B57D-1633-CDF531B740E5}"/>
+              </a:ext>
+            </a:extLst>
+          </p:cNvPr>
+          <p:cNvPicPr>
+            <a:picLocks noChangeAspect="1"/>
+          </p:cNvPicPr>
+          <p:nvPr/>
+        </p:nvPicPr>
+        <p:blipFill>
+          <a:blip r:embed="rId5">
+            <a:extLst>
+              <a:ext uri="{96DAC541-7B7A-43D3-8B79-37D633B846F1}">
+                <asvg:svgBlip xmlns:asvg="http://schemas.microsoft.com/office/drawing/2016/SVG/main" r:embed="rId6"/>
+              </a:ext>
+            </a:extLst>
+          </a:blip>
+          <a:stretch>
+            <a:fillRect/>
+          </a:stretch>
+        </p:blipFill>
+        <p:spPr>
+          <a:xfrm>
+            <a:off x="3967919" y="3029281"/>
+            <a:ext cx="914400" cy="914400"/>
+          </a:xfrm>
+          <a:prstGeom prst="rect">
+            <a:avLst/>
+          </a:prstGeom>
+        </p:spPr>
+      </p:pic>
+      <p:pic>
+        <p:nvPicPr>
+          <p:cNvPr id="14" name="Graphic 13" descr="Drawing Figure with solid fill">
+            <a:extLst>
+              <a:ext uri="{FF2B5EF4-FFF2-40B4-BE49-F238E27FC236}">
+                <a16:creationId xmlns:a16="http://schemas.microsoft.com/office/drawing/2014/main" id="{FB05B8B0-4869-9E9A-990B-8B340579E891}"/>
+              </a:ext>
+            </a:extLst>
+          </p:cNvPr>
+          <p:cNvPicPr>
+            <a:picLocks noChangeAspect="1"/>
+          </p:cNvPicPr>
+          <p:nvPr/>
+        </p:nvPicPr>
+        <p:blipFill>
+          <a:blip r:embed="rId7">
+            <a:extLst>
+              <a:ext uri="{96DAC541-7B7A-43D3-8B79-37D633B846F1}">
+                <asvg:svgBlip xmlns:asvg="http://schemas.microsoft.com/office/drawing/2016/SVG/main" r:embed="rId8"/>
+              </a:ext>
+            </a:extLst>
+          </a:blip>
+          <a:stretch>
+            <a:fillRect/>
+          </a:stretch>
+        </p:blipFill>
+        <p:spPr>
+          <a:xfrm>
+            <a:off x="3688736" y="3750081"/>
+            <a:ext cx="914400" cy="914400"/>
+          </a:xfrm>
+          <a:prstGeom prst="rect">
+            <a:avLst/>
+          </a:prstGeom>
+        </p:spPr>
+      </p:pic>
+      <p:pic>
+        <p:nvPicPr>
+          <p:cNvPr id="16" name="Graphic 15" descr="Drawing Figure with solid fill">
+            <a:extLst>
+              <a:ext uri="{FF2B5EF4-FFF2-40B4-BE49-F238E27FC236}">
+                <a16:creationId xmlns:a16="http://schemas.microsoft.com/office/drawing/2014/main" id="{3D113877-BB90-D0DB-A739-492718863BFD}"/>
+              </a:ext>
+            </a:extLst>
+          </p:cNvPr>
+          <p:cNvPicPr>
+            <a:picLocks noChangeAspect="1"/>
+          </p:cNvPicPr>
+          <p:nvPr/>
+        </p:nvPicPr>
+        <p:blipFill>
+          <a:blip r:embed="rId9">
+            <a:extLst>
+              <a:ext uri="{96DAC541-7B7A-43D3-8B79-37D633B846F1}">
+                <asvg:svgBlip xmlns:asvg="http://schemas.microsoft.com/office/drawing/2016/SVG/main" r:embed="rId10"/>
+              </a:ext>
+            </a:extLst>
+          </a:blip>
+          <a:stretch>
+            <a:fillRect/>
+          </a:stretch>
+        </p:blipFill>
+        <p:spPr>
+          <a:xfrm>
+            <a:off x="4296261" y="3431165"/>
+            <a:ext cx="914400" cy="914400"/>
+          </a:xfrm>
+          <a:prstGeom prst="rect">
+            <a:avLst/>
+          </a:prstGeom>
+        </p:spPr>
+      </p:pic>
+      <p:sp>
+        <p:nvSpPr>
+          <p:cNvPr id="17" name="TextBox 16">
+            <a:extLst>
+              <a:ext uri="{FF2B5EF4-FFF2-40B4-BE49-F238E27FC236}">
+                <a16:creationId xmlns:a16="http://schemas.microsoft.com/office/drawing/2014/main" id="{A4C8EDCA-B263-90A2-807C-5BD7483FE277}"/>
+              </a:ext>
+            </a:extLst>
+          </p:cNvPr>
+          <p:cNvSpPr txBox="1"/>
+          <p:nvPr/>
+        </p:nvSpPr>
+        <p:spPr>
+          <a:xfrm>
+            <a:off x="3565834" y="4747449"/>
+            <a:ext cx="1976284" cy="307777"/>
+          </a:xfrm>
+          <a:prstGeom prst="rect">
+            <a:avLst/>
+          </a:prstGeom>
+          <a:noFill/>
+        </p:spPr>
+        <p:txBody>
+          <a:bodyPr wrap="square" rtlCol="0">
+            <a:spAutoFit/>
+          </a:bodyPr>
+          <a:lstStyle/>
+          <a:p>
+            <a:pPr algn="ctr"/>
+            <a:r>
+              <a:rPr lang="en-US" dirty="0"/>
+              <a:t>Automated Scans</a:t>
+            </a:r>
+          </a:p>
+        </p:txBody>
+      </p:sp>
+      <p:pic>
+        <p:nvPicPr>
+          <p:cNvPr id="19" name="Graphic 18" descr="Gauge with solid fill">
+            <a:extLst>
+              <a:ext uri="{FF2B5EF4-FFF2-40B4-BE49-F238E27FC236}">
+                <a16:creationId xmlns:a16="http://schemas.microsoft.com/office/drawing/2014/main" id="{16B40A04-71A1-49FB-025A-F6689B7BE910}"/>
+              </a:ext>
+            </a:extLst>
+          </p:cNvPr>
+          <p:cNvPicPr>
+            <a:picLocks noChangeAspect="1"/>
+          </p:cNvPicPr>
+          <p:nvPr/>
+        </p:nvPicPr>
+        <p:blipFill>
+          <a:blip r:embed="rId11">
+            <a:extLst>
+              <a:ext uri="{96DAC541-7B7A-43D3-8B79-37D633B846F1}">
+                <asvg:svgBlip xmlns:asvg="http://schemas.microsoft.com/office/drawing/2016/SVG/main" r:embed="rId12"/>
+              </a:ext>
+            </a:extLst>
+          </a:blip>
+          <a:stretch>
+            <a:fillRect/>
+          </a:stretch>
+        </p:blipFill>
+        <p:spPr>
+          <a:xfrm>
+            <a:off x="6229341" y="3431165"/>
+            <a:ext cx="914400" cy="914400"/>
+          </a:xfrm>
+          <a:prstGeom prst="rect">
+            <a:avLst/>
+          </a:prstGeom>
+        </p:spPr>
+      </p:pic>
+      <p:sp>
+        <p:nvSpPr>
+          <p:cNvPr id="20" name="TextBox 19">
+            <a:extLst>
+              <a:ext uri="{FF2B5EF4-FFF2-40B4-BE49-F238E27FC236}">
+                <a16:creationId xmlns:a16="http://schemas.microsoft.com/office/drawing/2014/main" id="{2BF52862-F0C8-9373-93C2-E6AA859491A7}"/>
+              </a:ext>
+            </a:extLst>
+          </p:cNvPr>
+          <p:cNvSpPr txBox="1"/>
+          <p:nvPr/>
+        </p:nvSpPr>
+        <p:spPr>
+          <a:xfrm>
+            <a:off x="5698399" y="4747449"/>
+            <a:ext cx="1976284" cy="307777"/>
+          </a:xfrm>
+          <a:prstGeom prst="rect">
+            <a:avLst/>
+          </a:prstGeom>
+          <a:noFill/>
+        </p:spPr>
+        <p:txBody>
+          <a:bodyPr wrap="square" rtlCol="0">
+            <a:spAutoFit/>
+          </a:bodyPr>
+          <a:lstStyle/>
+          <a:p>
+            <a:pPr algn="ctr"/>
+            <a:r>
+              <a:rPr lang="en-US" dirty="0"/>
+              <a:t>Findings/Results</a:t>
+            </a:r>
+          </a:p>
+        </p:txBody>
+      </p:sp>
+      <p:cxnSp>
+        <p:nvCxnSpPr>
+          <p:cNvPr id="22" name="Straight Arrow Connector 21">
+            <a:extLst>
+              <a:ext uri="{FF2B5EF4-FFF2-40B4-BE49-F238E27FC236}">
+                <a16:creationId xmlns:a16="http://schemas.microsoft.com/office/drawing/2014/main" id="{800D50DE-EC7F-1E92-5BAA-5B38BDEC1926}"/>
+              </a:ext>
+            </a:extLst>
+          </p:cNvPr>
+          <p:cNvCxnSpPr/>
+          <p:nvPr/>
+        </p:nvCxnSpPr>
+        <p:spPr>
+          <a:xfrm>
+            <a:off x="2748932" y="4090508"/>
+            <a:ext cx="990770" cy="0"/>
+          </a:xfrm>
+          <a:prstGeom prst="straightConnector1">
+            <a:avLst/>
+          </a:prstGeom>
+          <a:ln w="38100">
+            <a:headEnd type="triangle"/>
+            <a:tailEnd type="none" w="med" len="med"/>
+          </a:ln>
+        </p:spPr>
+        <p:style>
+          <a:lnRef idx="1">
+            <a:schemeClr val="accent1"/>
+          </a:lnRef>
+          <a:fillRef idx="0">
+            <a:schemeClr val="accent1"/>
+          </a:fillRef>
+          <a:effectRef idx="0">
+            <a:schemeClr val="accent1"/>
+          </a:effectRef>
+          <a:fontRef idx="minor">
+            <a:schemeClr val="tx1"/>
+          </a:fontRef>
+        </p:style>
+      </p:cxnSp>
+      <p:cxnSp>
+        <p:nvCxnSpPr>
+          <p:cNvPr id="23" name="Straight Arrow Connector 22">
+            <a:extLst>
+              <a:ext uri="{FF2B5EF4-FFF2-40B4-BE49-F238E27FC236}">
+                <a16:creationId xmlns:a16="http://schemas.microsoft.com/office/drawing/2014/main" id="{BF5708EF-5A6C-7F68-2D57-6DBE1FA98BF2}"/>
+              </a:ext>
+            </a:extLst>
+          </p:cNvPr>
+          <p:cNvCxnSpPr/>
+          <p:nvPr/>
+        </p:nvCxnSpPr>
+        <p:spPr>
+          <a:xfrm>
+            <a:off x="5046733" y="4076048"/>
+            <a:ext cx="990770" cy="0"/>
+          </a:xfrm>
+          <a:prstGeom prst="straightConnector1">
+            <a:avLst/>
+          </a:prstGeom>
+          <a:ln w="38100">
+            <a:headEnd type="none"/>
+            <a:tailEnd type="triangle" w="med" len="med"/>
+          </a:ln>
+        </p:spPr>
+        <p:style>
+          <a:lnRef idx="1">
+            <a:schemeClr val="accent1"/>
+          </a:lnRef>
+          <a:fillRef idx="0">
+            <a:schemeClr val="accent1"/>
+          </a:fillRef>
+          <a:effectRef idx="0">
+            <a:schemeClr val="accent1"/>
+          </a:effectRef>
+          <a:fontRef idx="minor">
+            <a:schemeClr val="tx1"/>
+          </a:fontRef>
+        </p:style>
+      </p:cxnSp>
+    </p:spTree>
+    <p:extLst>
+      <p:ext uri="{BB962C8B-B14F-4D97-AF65-F5344CB8AC3E}">
+        <p14:creationId xmlns:p14="http://schemas.microsoft.com/office/powerpoint/2010/main" val="213424466"/>
+      </p:ext>
+    </p:extLst>
+  </p:cSld>
+  <p:clrMapOvr>
+    <a:masterClrMapping/>
+  </p:clrMapOvr>
+  <p:timing>
+    <p:tnLst>
+      <p:par>
+        <p:cTn id="1" dur="indefinite" restart="never" nodeType="tmRoot">
+          <p:childTnLst>
+            <p:seq concurrent="1" nextAc="seek">
+              <p:cTn id="2" dur="indefinite" nodeType="mainSeq">
+                <p:childTnLst>
+                  <p:par>
+                    <p:cTn id="3" fill="hold">
+                      <p:stCondLst>
+                        <p:cond delay="indefinite"/>
+                      </p:stCondLst>
+                      <p:childTnLst>
+                        <p:par>
+                          <p:cTn id="4" fill="hold">
+                            <p:stCondLst>
+                              <p:cond delay="0"/>
+                            </p:stCondLst>
+                            <p:childTnLst>
+                              <p:par>
+                                <p:cTn id="5" presetID="1" presetClass="entr" presetSubtype="0" fill="hold" grpId="0" nodeType="clickEffect">
+                                  <p:stCondLst>
+                                    <p:cond delay="0"/>
+                                  </p:stCondLst>
+                                  <p:childTnLst>
+                                    <p:set>
+                                      <p:cBhvr>
+                                        <p:cTn id="6" dur="1" fill="hold">
+                                          <p:stCondLst>
+                                            <p:cond delay="0"/>
+                                          </p:stCondLst>
+                                        </p:cTn>
+                                        <p:tgtEl>
+                                          <p:spTgt spid="351">
+                                            <p:txEl>
+                                              <p:pRg st="0" end="0"/>
+                                            </p:txEl>
+                                          </p:spTgt>
+                                        </p:tgtEl>
+                                        <p:attrNameLst>
+                                          <p:attrName>style.visibility</p:attrName>
+                                        </p:attrNameLst>
+                                      </p:cBhvr>
+                                      <p:to>
+                                        <p:strVal val="visible"/>
+                                      </p:to>
+                                    </p:set>
+                                  </p:childTnLst>
+                                </p:cTn>
+                              </p:par>
+                            </p:childTnLst>
+                          </p:cTn>
+                        </p:par>
+                      </p:childTnLst>
+                    </p:cTn>
+                  </p:par>
+                  <p:par>
+                    <p:cTn id="7" fill="hold">
+                      <p:stCondLst>
+                        <p:cond delay="indefinite"/>
+                      </p:stCondLst>
+                      <p:childTnLst>
+                        <p:par>
+                          <p:cTn id="8" fill="hold">
+                            <p:stCondLst>
+                              <p:cond delay="0"/>
+                            </p:stCondLst>
+                            <p:childTnLst>
+                              <p:par>
+                                <p:cTn id="9" presetID="1" presetClass="entr" presetSubtype="0" fill="hold" grpId="0" nodeType="clickEffect">
+                                  <p:stCondLst>
+                                    <p:cond delay="0"/>
+                                  </p:stCondLst>
+                                  <p:childTnLst>
+                                    <p:set>
+                                      <p:cBhvr>
+                                        <p:cTn id="10" dur="1" fill="hold">
+                                          <p:stCondLst>
+                                            <p:cond delay="0"/>
+                                          </p:stCondLst>
+                                        </p:cTn>
+                                        <p:tgtEl>
+                                          <p:spTgt spid="351">
+                                            <p:txEl>
+                                              <p:pRg st="1" end="1"/>
+                                            </p:txEl>
+                                          </p:spTgt>
+                                        </p:tgtEl>
+                                        <p:attrNameLst>
+                                          <p:attrName>style.visibility</p:attrName>
+                                        </p:attrNameLst>
+                                      </p:cBhvr>
+                                      <p:to>
+                                        <p:strVal val="visible"/>
+                                      </p:to>
+                                    </p:set>
+                                  </p:childTnLst>
+                                </p:cTn>
+                              </p:par>
+                            </p:childTnLst>
+                          </p:cTn>
+                        </p:par>
+                      </p:childTnLst>
+                    </p:cTn>
+                  </p:par>
+                  <p:par>
+                    <p:cTn id="11" fill="hold">
+                      <p:stCondLst>
+                        <p:cond delay="indefinite"/>
+                      </p:stCondLst>
+                      <p:childTnLst>
+                        <p:par>
+                          <p:cTn id="12" fill="hold">
+                            <p:stCondLst>
+                              <p:cond delay="0"/>
+                            </p:stCondLst>
+                            <p:childTnLst>
+                              <p:par>
+                                <p:cTn id="13" presetID="1" presetClass="entr" presetSubtype="0" fill="hold" grpId="0" nodeType="clickEffect">
+                                  <p:stCondLst>
+                                    <p:cond delay="0"/>
+                                  </p:stCondLst>
+                                  <p:childTnLst>
+                                    <p:set>
+                                      <p:cBhvr>
+                                        <p:cTn id="14" dur="1" fill="hold">
+                                          <p:stCondLst>
+                                            <p:cond delay="0"/>
+                                          </p:stCondLst>
+                                        </p:cTn>
+                                        <p:tgtEl>
+                                          <p:spTgt spid="351">
+                                            <p:txEl>
+                                              <p:pRg st="2" end="2"/>
+                                            </p:txEl>
+                                          </p:spTgt>
+                                        </p:tgtEl>
+                                        <p:attrNameLst>
+                                          <p:attrName>style.visibility</p:attrName>
+                                        </p:attrNameLst>
+                                      </p:cBhvr>
+                                      <p:to>
+                                        <p:strVal val="visible"/>
+                                      </p:to>
+                                    </p:set>
+                                  </p:childTnLst>
+                                </p:cTn>
+                              </p:par>
+                            </p:childTnLst>
+                          </p:cTn>
+                        </p:par>
+                      </p:childTnLst>
+                    </p:cTn>
+                  </p:par>
+                  <p:par>
+                    <p:cTn id="15" fill="hold">
+                      <p:stCondLst>
+                        <p:cond delay="indefinite"/>
+                      </p:stCondLst>
+                      <p:childTnLst>
+                        <p:par>
+                          <p:cTn id="16" fill="hold">
+                            <p:stCondLst>
+                              <p:cond delay="0"/>
+                            </p:stCondLst>
+                            <p:childTnLst>
+                              <p:par>
+                                <p:cTn id="17" presetID="1" presetClass="entr" presetSubtype="0" fill="hold" grpId="0" nodeType="clickEffect">
+                                  <p:stCondLst>
+                                    <p:cond delay="0"/>
+                                  </p:stCondLst>
+                                  <p:childTnLst>
+                                    <p:set>
+                                      <p:cBhvr>
+                                        <p:cTn id="18" dur="1" fill="hold">
+                                          <p:stCondLst>
+                                            <p:cond delay="0"/>
+                                          </p:stCondLst>
+                                        </p:cTn>
+                                        <p:tgtEl>
+                                          <p:spTgt spid="351">
+                                            <p:txEl>
+                                              <p:pRg st="3" end="3"/>
+                                            </p:txEl>
+                                          </p:spTgt>
+                                        </p:tgtEl>
+                                        <p:attrNameLst>
+                                          <p:attrName>style.visibility</p:attrName>
+                                        </p:attrNameLst>
+                                      </p:cBhvr>
+                                      <p:to>
+                                        <p:strVal val="visible"/>
+                                      </p:to>
+                                    </p:set>
+                                  </p:childTnLst>
+                                </p:cTn>
+                              </p:par>
+                            </p:childTnLst>
+                          </p:cTn>
+                        </p:par>
+                      </p:childTnLst>
+                    </p:cTn>
+                  </p:par>
+                  <p:par>
+                    <p:cTn id="19" fill="hold">
+                      <p:stCondLst>
+                        <p:cond delay="indefinite"/>
+                      </p:stCondLst>
+                      <p:childTnLst>
+                        <p:par>
+                          <p:cTn id="20" fill="hold">
+                            <p:stCondLst>
+                              <p:cond delay="0"/>
+                            </p:stCondLst>
+                            <p:childTnLst>
+                              <p:par>
+                                <p:cTn id="21" presetID="1" presetClass="entr" presetSubtype="0" fill="hold" grpId="0" nodeType="clickEffect">
+                                  <p:stCondLst>
+                                    <p:cond delay="0"/>
+                                  </p:stCondLst>
+                                  <p:childTnLst>
+                                    <p:set>
+                                      <p:cBhvr>
+                                        <p:cTn id="22" dur="1" fill="hold">
+                                          <p:stCondLst>
+                                            <p:cond delay="0"/>
+                                          </p:stCondLst>
+                                        </p:cTn>
+                                        <p:tgtEl>
+                                          <p:spTgt spid="5"/>
+                                        </p:tgtEl>
+                                        <p:attrNameLst>
+                                          <p:attrName>style.visibility</p:attrName>
+                                        </p:attrNameLst>
+                                      </p:cBhvr>
+                                      <p:to>
+                                        <p:strVal val="visible"/>
+                                      </p:to>
+                                    </p:set>
+                                  </p:childTnLst>
+                                </p:cTn>
+                              </p:par>
+                              <p:par>
+                                <p:cTn id="23" presetID="1" presetClass="entr" presetSubtype="0" fill="hold" grpId="0" nodeType="withEffect">
+                                  <p:stCondLst>
+                                    <p:cond delay="0"/>
+                                  </p:stCondLst>
+                                  <p:childTnLst>
+                                    <p:set>
+                                      <p:cBhvr>
+                                        <p:cTn id="24" dur="1" fill="hold">
+                                          <p:stCondLst>
+                                            <p:cond delay="0"/>
+                                          </p:stCondLst>
+                                        </p:cTn>
+                                        <p:tgtEl>
+                                          <p:spTgt spid="6"/>
+                                        </p:tgtEl>
+                                        <p:attrNameLst>
+                                          <p:attrName>style.visibility</p:attrName>
+                                        </p:attrNameLst>
+                                      </p:cBhvr>
+                                      <p:to>
+                                        <p:strVal val="visible"/>
+                                      </p:to>
+                                    </p:set>
+                                  </p:childTnLst>
+                                </p:cTn>
+                              </p:par>
+                              <p:par>
+                                <p:cTn id="25" presetID="1" presetClass="entr" presetSubtype="0" fill="hold" grpId="0" nodeType="withEffect">
+                                  <p:stCondLst>
+                                    <p:cond delay="0"/>
+                                  </p:stCondLst>
+                                  <p:childTnLst>
+                                    <p:set>
+                                      <p:cBhvr>
+                                        <p:cTn id="26" dur="1" fill="hold">
+                                          <p:stCondLst>
+                                            <p:cond delay="0"/>
+                                          </p:stCondLst>
+                                        </p:cTn>
+                                        <p:tgtEl>
+                                          <p:spTgt spid="7"/>
+                                        </p:tgtEl>
+                                        <p:attrNameLst>
+                                          <p:attrName>style.visibility</p:attrName>
+                                        </p:attrNameLst>
+                                      </p:cBhvr>
+                                      <p:to>
+                                        <p:strVal val="visible"/>
+                                      </p:to>
+                                    </p:set>
+                                  </p:childTnLst>
+                                </p:cTn>
+                              </p:par>
+                              <p:par>
+                                <p:cTn id="27" presetID="1" presetClass="entr" presetSubtype="0" fill="hold" grpId="0" nodeType="withEffect">
+                                  <p:stCondLst>
+                                    <p:cond delay="0"/>
+                                  </p:stCondLst>
+                                  <p:childTnLst>
+                                    <p:set>
+                                      <p:cBhvr>
+                                        <p:cTn id="28" dur="1" fill="hold">
+                                          <p:stCondLst>
+                                            <p:cond delay="0"/>
+                                          </p:stCondLst>
+                                        </p:cTn>
+                                        <p:tgtEl>
+                                          <p:spTgt spid="8"/>
+                                        </p:tgtEl>
+                                        <p:attrNameLst>
+                                          <p:attrName>style.visibility</p:attrName>
+                                        </p:attrNameLst>
+                                      </p:cBhvr>
+                                      <p:to>
+                                        <p:strVal val="visible"/>
+                                      </p:to>
+                                    </p:set>
+                                  </p:childTnLst>
+                                </p:cTn>
+                              </p:par>
+                              <p:par>
+                                <p:cTn id="29" presetID="1" presetClass="entr" presetSubtype="0" fill="hold" grpId="0" nodeType="withEffect">
+                                  <p:stCondLst>
+                                    <p:cond delay="0"/>
+                                  </p:stCondLst>
+                                  <p:childTnLst>
+                                    <p:set>
+                                      <p:cBhvr>
+                                        <p:cTn id="30" dur="1" fill="hold">
+                                          <p:stCondLst>
+                                            <p:cond delay="0"/>
+                                          </p:stCondLst>
+                                        </p:cTn>
+                                        <p:tgtEl>
+                                          <p:spTgt spid="9"/>
+                                        </p:tgtEl>
+                                        <p:attrNameLst>
+                                          <p:attrName>style.visibility</p:attrName>
+                                        </p:attrNameLst>
+                                      </p:cBhvr>
+                                      <p:to>
+                                        <p:strVal val="visible"/>
+                                      </p:to>
+                                    </p:set>
+                                  </p:childTnLst>
+                                </p:cTn>
+                              </p:par>
+                            </p:childTnLst>
+                          </p:cTn>
+                        </p:par>
+                      </p:childTnLst>
+                    </p:cTn>
+                  </p:par>
+                  <p:par>
+                    <p:cTn id="31" fill="hold">
+                      <p:stCondLst>
+                        <p:cond delay="indefinite"/>
+                      </p:stCondLst>
+                      <p:childTnLst>
+                        <p:par>
+                          <p:cTn id="32" fill="hold">
+                            <p:stCondLst>
+                              <p:cond delay="0"/>
+                            </p:stCondLst>
+                            <p:childTnLst>
+                              <p:par>
+                                <p:cTn id="33" presetID="1" presetClass="entr" presetSubtype="0" fill="hold" nodeType="clickEffect">
+                                  <p:stCondLst>
+                                    <p:cond delay="0"/>
+                                  </p:stCondLst>
+                                  <p:childTnLst>
+                                    <p:set>
+                                      <p:cBhvr>
+                                        <p:cTn id="34" dur="1" fill="hold">
+                                          <p:stCondLst>
+                                            <p:cond delay="0"/>
+                                          </p:stCondLst>
+                                        </p:cTn>
+                                        <p:tgtEl>
+                                          <p:spTgt spid="12"/>
+                                        </p:tgtEl>
+                                        <p:attrNameLst>
+                                          <p:attrName>style.visibility</p:attrName>
+                                        </p:attrNameLst>
+                                      </p:cBhvr>
+                                      <p:to>
+                                        <p:strVal val="visible"/>
+                                      </p:to>
+                                    </p:set>
+                                  </p:childTnLst>
+                                </p:cTn>
+                              </p:par>
+                              <p:par>
+                                <p:cTn id="35" presetID="1" presetClass="entr" presetSubtype="0" fill="hold" nodeType="withEffect">
+                                  <p:stCondLst>
+                                    <p:cond delay="0"/>
+                                  </p:stCondLst>
+                                  <p:childTnLst>
+                                    <p:set>
+                                      <p:cBhvr>
+                                        <p:cTn id="36" dur="1" fill="hold">
+                                          <p:stCondLst>
+                                            <p:cond delay="0"/>
+                                          </p:stCondLst>
+                                        </p:cTn>
+                                        <p:tgtEl>
+                                          <p:spTgt spid="16"/>
+                                        </p:tgtEl>
+                                        <p:attrNameLst>
+                                          <p:attrName>style.visibility</p:attrName>
+                                        </p:attrNameLst>
+                                      </p:cBhvr>
+                                      <p:to>
+                                        <p:strVal val="visible"/>
+                                      </p:to>
+                                    </p:set>
+                                  </p:childTnLst>
+                                </p:cTn>
+                              </p:par>
+                              <p:par>
+                                <p:cTn id="37" presetID="1" presetClass="entr" presetSubtype="0" fill="hold" nodeType="withEffect">
+                                  <p:stCondLst>
+                                    <p:cond delay="0"/>
+                                  </p:stCondLst>
+                                  <p:childTnLst>
+                                    <p:set>
+                                      <p:cBhvr>
+                                        <p:cTn id="38" dur="1" fill="hold">
+                                          <p:stCondLst>
+                                            <p:cond delay="0"/>
+                                          </p:stCondLst>
+                                        </p:cTn>
+                                        <p:tgtEl>
+                                          <p:spTgt spid="14"/>
+                                        </p:tgtEl>
+                                        <p:attrNameLst>
+                                          <p:attrName>style.visibility</p:attrName>
+                                        </p:attrNameLst>
+                                      </p:cBhvr>
+                                      <p:to>
+                                        <p:strVal val="visible"/>
+                                      </p:to>
+                                    </p:set>
+                                  </p:childTnLst>
+                                </p:cTn>
+                              </p:par>
+                              <p:par>
+                                <p:cTn id="39" presetID="1" presetClass="entr" presetSubtype="0" fill="hold" grpId="0" nodeType="withEffect">
+                                  <p:stCondLst>
+                                    <p:cond delay="0"/>
+                                  </p:stCondLst>
+                                  <p:childTnLst>
+                                    <p:set>
+                                      <p:cBhvr>
+                                        <p:cTn id="40" dur="1" fill="hold">
+                                          <p:stCondLst>
+                                            <p:cond delay="0"/>
+                                          </p:stCondLst>
+                                        </p:cTn>
+                                        <p:tgtEl>
+                                          <p:spTgt spid="17"/>
+                                        </p:tgtEl>
+                                        <p:attrNameLst>
+                                          <p:attrName>style.visibility</p:attrName>
+                                        </p:attrNameLst>
+                                      </p:cBhvr>
+                                      <p:to>
+                                        <p:strVal val="visible"/>
+                                      </p:to>
+                                    </p:set>
+                                  </p:childTnLst>
+                                </p:cTn>
+                              </p:par>
+                            </p:childTnLst>
+                          </p:cTn>
+                        </p:par>
+                      </p:childTnLst>
+                    </p:cTn>
+                  </p:par>
+                  <p:par>
+                    <p:cTn id="41" fill="hold">
+                      <p:stCondLst>
+                        <p:cond delay="indefinite"/>
+                      </p:stCondLst>
+                      <p:childTnLst>
+                        <p:par>
+                          <p:cTn id="42" fill="hold">
+                            <p:stCondLst>
+                              <p:cond delay="0"/>
+                            </p:stCondLst>
+                            <p:childTnLst>
+                              <p:par>
+                                <p:cTn id="43" presetID="1" presetClass="entr" presetSubtype="0" fill="hold" nodeType="clickEffect">
+                                  <p:stCondLst>
+                                    <p:cond delay="0"/>
+                                  </p:stCondLst>
+                                  <p:childTnLst>
+                                    <p:set>
+                                      <p:cBhvr>
+                                        <p:cTn id="44" dur="1" fill="hold">
+                                          <p:stCondLst>
+                                            <p:cond delay="0"/>
+                                          </p:stCondLst>
+                                        </p:cTn>
+                                        <p:tgtEl>
+                                          <p:spTgt spid="19"/>
+                                        </p:tgtEl>
+                                        <p:attrNameLst>
+                                          <p:attrName>style.visibility</p:attrName>
+                                        </p:attrNameLst>
+                                      </p:cBhvr>
+                                      <p:to>
+                                        <p:strVal val="visible"/>
+                                      </p:to>
+                                    </p:set>
+                                  </p:childTnLst>
+                                </p:cTn>
+                              </p:par>
+                              <p:par>
+                                <p:cTn id="45" presetID="1" presetClass="entr" presetSubtype="0" fill="hold" grpId="0" nodeType="withEffect">
+                                  <p:stCondLst>
+                                    <p:cond delay="0"/>
+                                  </p:stCondLst>
+                                  <p:childTnLst>
+                                    <p:set>
+                                      <p:cBhvr>
+                                        <p:cTn id="46" dur="1" fill="hold">
+                                          <p:stCondLst>
+                                            <p:cond delay="0"/>
+                                          </p:stCondLst>
+                                        </p:cTn>
+                                        <p:tgtEl>
+                                          <p:spTgt spid="20"/>
+                                        </p:tgtEl>
+                                        <p:attrNameLst>
+                                          <p:attrName>style.visibility</p:attrName>
+                                        </p:attrNameLst>
+                                      </p:cBhvr>
+                                      <p:to>
+                                        <p:strVal val="visible"/>
+                                      </p:to>
+                                    </p:set>
+                                  </p:childTnLst>
+                                </p:cTn>
+                              </p:par>
+                            </p:childTnLst>
+                          </p:cTn>
+                        </p:par>
+                      </p:childTnLst>
+                    </p:cTn>
+                  </p:par>
+                  <p:par>
+                    <p:cTn id="47" fill="hold">
+                      <p:stCondLst>
+                        <p:cond delay="indefinite"/>
+                      </p:stCondLst>
+                      <p:childTnLst>
+                        <p:par>
+                          <p:cTn id="48" fill="hold">
+                            <p:stCondLst>
+                              <p:cond delay="0"/>
+                            </p:stCondLst>
+                            <p:childTnLst>
+                              <p:par>
+                                <p:cTn id="49" presetID="1" presetClass="entr" presetSubtype="0" fill="hold" nodeType="clickEffect">
+                                  <p:stCondLst>
+                                    <p:cond delay="0"/>
+                                  </p:stCondLst>
+                                  <p:childTnLst>
+                                    <p:set>
+                                      <p:cBhvr>
+                                        <p:cTn id="50" dur="1" fill="hold">
+                                          <p:stCondLst>
+                                            <p:cond delay="0"/>
+                                          </p:stCondLst>
+                                        </p:cTn>
+                                        <p:tgtEl>
+                                          <p:spTgt spid="22"/>
+                                        </p:tgtEl>
+                                        <p:attrNameLst>
+                                          <p:attrName>style.visibility</p:attrName>
+                                        </p:attrNameLst>
+                                      </p:cBhvr>
+                                      <p:to>
+                                        <p:strVal val="visible"/>
+                                      </p:to>
+                                    </p:set>
+                                  </p:childTnLst>
+                                </p:cTn>
+                              </p:par>
+                            </p:childTnLst>
+                          </p:cTn>
+                        </p:par>
+                      </p:childTnLst>
+                    </p:cTn>
+                  </p:par>
+                  <p:par>
+                    <p:cTn id="51" fill="hold">
+                      <p:stCondLst>
+                        <p:cond delay="indefinite"/>
+                      </p:stCondLst>
+                      <p:childTnLst>
+                        <p:par>
+                          <p:cTn id="52" fill="hold">
+                            <p:stCondLst>
+                              <p:cond delay="0"/>
+                            </p:stCondLst>
+                            <p:childTnLst>
+                              <p:par>
+                                <p:cTn id="53" presetID="1" presetClass="entr" presetSubtype="0" fill="hold" nodeType="clickEffect">
+                                  <p:stCondLst>
+                                    <p:cond delay="0"/>
+                                  </p:stCondLst>
+                                  <p:childTnLst>
+                                    <p:set>
+                                      <p:cBhvr>
+                                        <p:cTn id="54" dur="1" fill="hold">
+                                          <p:stCondLst>
+                                            <p:cond delay="0"/>
+                                          </p:stCondLst>
+                                        </p:cTn>
+                                        <p:tgtEl>
+                                          <p:spTgt spid="23"/>
+                                        </p:tgtEl>
+                                        <p:attrNameLst>
+                                          <p:attrName>style.visibility</p:attrName>
+                                        </p:attrNameLst>
+                                      </p:cBhvr>
+                                      <p:to>
+                                        <p:strVal val="visible"/>
+                                      </p:to>
+                                    </p:set>
+                                  </p:childTnLst>
+                                </p:cTn>
+                              </p:par>
+                            </p:childTnLst>
+                          </p:cTn>
+                        </p:par>
+                      </p:childTnLst>
+                    </p:cTn>
+                  </p:par>
+                </p:childTnLst>
+              </p:cTn>
+              <p:prevCondLst>
+                <p:cond evt="onPrev" delay="0">
+                  <p:tgtEl>
+                    <p:sldTgt/>
+                  </p:tgtEl>
+                </p:cond>
+              </p:prevCondLst>
+              <p:nextCondLst>
+                <p:cond evt="onNext" delay="0">
+                  <p:tgtEl>
+                    <p:sldTgt/>
+                  </p:tgtEl>
+                </p:cond>
+              </p:nextCondLst>
+            </p:seq>
+          </p:childTnLst>
+        </p:cTn>
+      </p:par>
+    </p:tnLst>
+    <p:bldLst>
+      <p:bldP spid="351" grpId="0" uiExpand="1" build="p"/>
+      <p:bldP spid="5" grpId="0" animBg="1"/>
+      <p:bldP spid="6" grpId="0" animBg="1"/>
+      <p:bldP spid="7" grpId="0" animBg="1"/>
+      <p:bldP spid="8" grpId="0" animBg="1"/>
+      <p:bldP spid="9" grpId="0"/>
+      <p:bldP spid="17" grpId="0"/>
+      <p:bldP spid="20" grpId="0"/>
+    </p:bldLst>
+  </p:timing>
+</p:sld>
+</file>
+
+<file path=ppt/slides/slide26.xml><?xml version="1.0" encoding="utf-8"?>
+<p:sld xmlns:a="http://schemas.openxmlformats.org/drawingml/2006/main" xmlns:r="http://schemas.openxmlformats.org/officeDocument/2006/relationships" xmlns:p="http://schemas.openxmlformats.org/presentationml/2006/main">
+  <p:cSld>
+    <p:spTree>
+      <p:nvGrpSpPr>
+        <p:cNvPr id="1" name="Shape 349">
+          <a:extLst>
+            <a:ext uri="{FF2B5EF4-FFF2-40B4-BE49-F238E27FC236}">
+              <a16:creationId xmlns:a16="http://schemas.microsoft.com/office/drawing/2014/main" id="{938766C2-BD88-77A6-B552-3C627E752907}"/>
+            </a:ext>
+          </a:extLst>
+        </p:cNvPr>
+        <p:cNvGrpSpPr/>
+        <p:nvPr/>
+      </p:nvGrpSpPr>
+      <p:grpSpPr>
+        <a:xfrm>
+          <a:off x="0" y="0"/>
+          <a:ext cx="0" cy="0"/>
+          <a:chOff x="0" y="0"/>
+          <a:chExt cx="0" cy="0"/>
+        </a:xfrm>
+      </p:grpSpPr>
+      <p:sp>
+        <p:nvSpPr>
+          <p:cNvPr id="350" name="Google Shape;350;p11">
+            <a:extLst>
+              <a:ext uri="{FF2B5EF4-FFF2-40B4-BE49-F238E27FC236}">
+                <a16:creationId xmlns:a16="http://schemas.microsoft.com/office/drawing/2014/main" id="{AA649CED-3EA8-560A-6DD5-090D63B29D83}"/>
+              </a:ext>
+            </a:extLst>
+          </p:cNvPr>
+          <p:cNvSpPr txBox="1">
+            <a:spLocks noGrp="1"/>
+          </p:cNvSpPr>
+          <p:nvPr>
+            <p:ph type="title"/>
+          </p:nvPr>
+        </p:nvSpPr>
+        <p:spPr>
+          <a:xfrm>
+            <a:off x="613700" y="714275"/>
+            <a:ext cx="8253300" cy="314100"/>
+          </a:xfrm>
+          <a:prstGeom prst="rect">
+            <a:avLst/>
+          </a:prstGeom>
+          <a:noFill/>
+          <a:ln>
+            <a:noFill/>
+          </a:ln>
+        </p:spPr>
+        <p:txBody>
+          <a:bodyPr spcFirstLastPara="1" wrap="square" lIns="45700" tIns="45700" rIns="45700" bIns="45700" anchor="b" anchorCtr="0">
+            <a:noAutofit/>
+          </a:bodyPr>
+          <a:lstStyle/>
+          <a:p>
+            <a:pPr marL="0" lvl="0" indent="0" algn="l" rtl="0">
+              <a:lnSpc>
+                <a:spcPct val="90000"/>
+              </a:lnSpc>
+              <a:spcBef>
+                <a:spcPts val="0"/>
+              </a:spcBef>
+              <a:spcAft>
+                <a:spcPts val="0"/>
+              </a:spcAft>
+              <a:buSzPts val="2000"/>
+              <a:buNone/>
+            </a:pPr>
+            <a:r>
+              <a:rPr lang="en-US" dirty="0"/>
+              <a:t>Popular Options</a:t>
+            </a:r>
+            <a:endParaRPr dirty="0">
+              <a:solidFill>
+                <a:schemeClr val="dk1"/>
+              </a:solidFill>
+            </a:endParaRPr>
+          </a:p>
+        </p:txBody>
+      </p:sp>
+      <p:sp>
+        <p:nvSpPr>
+          <p:cNvPr id="351" name="Google Shape;351;p11">
+            <a:extLst>
+              <a:ext uri="{FF2B5EF4-FFF2-40B4-BE49-F238E27FC236}">
+                <a16:creationId xmlns:a16="http://schemas.microsoft.com/office/drawing/2014/main" id="{14FDA7CF-1F39-2BCA-0A6F-270FA3E7D37F}"/>
+              </a:ext>
+            </a:extLst>
+          </p:cNvPr>
+          <p:cNvSpPr txBox="1"/>
+          <p:nvPr/>
+        </p:nvSpPr>
+        <p:spPr>
+          <a:xfrm>
+            <a:off x="613700" y="1208125"/>
+            <a:ext cx="7086600" cy="3221100"/>
+          </a:xfrm>
+          <a:prstGeom prst="rect">
+            <a:avLst/>
+          </a:prstGeom>
+          <a:noFill/>
+          <a:ln>
+            <a:noFill/>
+          </a:ln>
+        </p:spPr>
+        <p:txBody>
+          <a:bodyPr spcFirstLastPara="1" wrap="square" lIns="91400" tIns="91400" rIns="91400" bIns="91400" anchor="t" anchorCtr="0">
+            <a:noAutofit/>
+          </a:bodyPr>
+          <a:lstStyle/>
+          <a:p>
+            <a:pPr marL="133350" lvl="0">
+              <a:lnSpc>
+                <a:spcPct val="150000"/>
+              </a:lnSpc>
+              <a:buClr>
+                <a:srgbClr val="404040"/>
+              </a:buClr>
+              <a:buSzPts val="1500"/>
+            </a:pPr>
+            <a:r>
+              <a:rPr lang="en-US" sz="1500" dirty="0">
+                <a:solidFill>
+                  <a:srgbClr val="404040"/>
+                </a:solidFill>
+              </a:rPr>
+              <a:t>Include:</a:t>
+            </a:r>
+          </a:p>
+          <a:p>
+            <a:pPr marL="457200" lvl="0" indent="-323850">
+              <a:lnSpc>
+                <a:spcPct val="150000"/>
+              </a:lnSpc>
+              <a:buClr>
+                <a:srgbClr val="404040"/>
+              </a:buClr>
+              <a:buSzPts val="1500"/>
+              <a:buFont typeface="Arial"/>
+              <a:buChar char="●"/>
+            </a:pPr>
+            <a:r>
+              <a:rPr lang="en-US" sz="1500" dirty="0">
+                <a:solidFill>
+                  <a:srgbClr val="404040"/>
+                </a:solidFill>
+              </a:rPr>
+              <a:t>Nessus</a:t>
+            </a:r>
+          </a:p>
+          <a:p>
+            <a:pPr marL="457200" lvl="0" indent="-323850">
+              <a:lnSpc>
+                <a:spcPct val="150000"/>
+              </a:lnSpc>
+              <a:buClr>
+                <a:srgbClr val="404040"/>
+              </a:buClr>
+              <a:buSzPts val="1500"/>
+              <a:buFont typeface="Arial"/>
+              <a:buChar char="●"/>
+            </a:pPr>
+            <a:r>
+              <a:rPr lang="en-US" sz="1500" b="0" i="0" u="none" strike="noStrike" cap="none" dirty="0" err="1">
+                <a:solidFill>
+                  <a:srgbClr val="404040"/>
+                </a:solidFill>
+                <a:sym typeface="Arial"/>
+              </a:rPr>
+              <a:t>QualysGuard</a:t>
+            </a:r>
+            <a:endParaRPr lang="en-US" sz="1500" b="0" i="0" u="none" strike="noStrike" cap="none" dirty="0">
+              <a:solidFill>
+                <a:srgbClr val="404040"/>
+              </a:solidFill>
+              <a:sym typeface="Arial"/>
+            </a:endParaRPr>
+          </a:p>
+          <a:p>
+            <a:pPr marL="457200" lvl="0" indent="-323850">
+              <a:lnSpc>
+                <a:spcPct val="150000"/>
+              </a:lnSpc>
+              <a:buClr>
+                <a:srgbClr val="404040"/>
+              </a:buClr>
+              <a:buSzPts val="1500"/>
+              <a:buFont typeface="Arial"/>
+              <a:buChar char="●"/>
+            </a:pPr>
+            <a:r>
+              <a:rPr lang="en-US" sz="1500" dirty="0" err="1">
+                <a:solidFill>
+                  <a:srgbClr val="404040"/>
+                </a:solidFill>
+              </a:rPr>
+              <a:t>Lynis</a:t>
+            </a:r>
+            <a:endParaRPr lang="en-US" sz="1500" dirty="0">
+              <a:solidFill>
+                <a:srgbClr val="404040"/>
+              </a:solidFill>
+            </a:endParaRPr>
+          </a:p>
+          <a:p>
+            <a:pPr marL="457200" lvl="0" indent="-323850">
+              <a:lnSpc>
+                <a:spcPct val="150000"/>
+              </a:lnSpc>
+              <a:buClr>
+                <a:srgbClr val="404040"/>
+              </a:buClr>
+              <a:buSzPts val="1500"/>
+              <a:buFont typeface="Arial"/>
+              <a:buChar char="●"/>
+            </a:pPr>
+            <a:r>
+              <a:rPr lang="en-US" sz="1500" b="0" i="0" u="none" strike="noStrike" cap="none" dirty="0" err="1">
+                <a:solidFill>
+                  <a:srgbClr val="404040"/>
+                </a:solidFill>
+                <a:sym typeface="Arial"/>
+              </a:rPr>
+              <a:t>Nikto</a:t>
+            </a:r>
+            <a:endParaRPr lang="en-US" sz="1500" b="0" i="0" u="none" strike="noStrike" cap="none" dirty="0">
+              <a:solidFill>
+                <a:srgbClr val="404040"/>
+              </a:solidFill>
+              <a:sym typeface="Arial"/>
+            </a:endParaRPr>
+          </a:p>
+        </p:txBody>
+      </p:sp>
+      <p:sp>
+        <p:nvSpPr>
+          <p:cNvPr id="2" name="Google Shape;238;p2">
+            <a:extLst>
+              <a:ext uri="{FF2B5EF4-FFF2-40B4-BE49-F238E27FC236}">
+                <a16:creationId xmlns:a16="http://schemas.microsoft.com/office/drawing/2014/main" id="{A1D9E80F-F923-B1CB-E6AA-833CD73899BD}"/>
+              </a:ext>
+            </a:extLst>
+          </p:cNvPr>
+          <p:cNvSpPr txBox="1">
+            <a:spLocks noGrp="1"/>
+          </p:cNvSpPr>
+          <p:nvPr>
+            <p:ph type="sldNum" idx="12"/>
+          </p:nvPr>
+        </p:nvSpPr>
+        <p:spPr>
+          <a:xfrm>
+            <a:off x="8556784" y="4749851"/>
+            <a:ext cx="548700" cy="393600"/>
+          </a:xfrm>
+          <a:prstGeom prst="rect">
+            <a:avLst/>
+          </a:prstGeom>
+          <a:noFill/>
+          <a:ln>
+            <a:noFill/>
+          </a:ln>
+        </p:spPr>
+        <p:txBody>
+          <a:bodyPr spcFirstLastPara="1" wrap="square" lIns="91425" tIns="91425" rIns="91425" bIns="91425" anchor="t" anchorCtr="0">
+            <a:noAutofit/>
+          </a:bodyPr>
+          <a:lstStyle/>
+          <a:p>
+            <a:pPr marL="0" lvl="0" indent="0" algn="r" rtl="0">
+              <a:lnSpc>
+                <a:spcPct val="100000"/>
+              </a:lnSpc>
+              <a:spcBef>
+                <a:spcPts val="0"/>
+              </a:spcBef>
+              <a:spcAft>
+                <a:spcPts val="0"/>
+              </a:spcAft>
+              <a:buSzPts val="1300"/>
+              <a:buNone/>
+            </a:pPr>
+            <a:fld id="{00000000-1234-1234-1234-123412341234}" type="slidenum">
+              <a:rPr lang="en-US"/>
+              <a:t>26</a:t>
+            </a:fld>
+            <a:endParaRPr/>
+          </a:p>
+        </p:txBody>
+      </p:sp>
+      <p:pic>
+        <p:nvPicPr>
+          <p:cNvPr id="4" name="Graphic 3" descr="High voltage with solid fill">
+            <a:extLst>
+              <a:ext uri="{FF2B5EF4-FFF2-40B4-BE49-F238E27FC236}">
+                <a16:creationId xmlns:a16="http://schemas.microsoft.com/office/drawing/2014/main" id="{C9A0C338-0068-B9A2-50E4-DE4DB9128B71}"/>
+              </a:ext>
+            </a:extLst>
+          </p:cNvPr>
+          <p:cNvPicPr>
+            <a:picLocks noChangeAspect="1"/>
+          </p:cNvPicPr>
+          <p:nvPr/>
+        </p:nvPicPr>
+        <p:blipFill>
+          <a:blip r:embed="rId3">
+            <a:extLst>
+              <a:ext uri="{96DAC541-7B7A-43D3-8B79-37D633B846F1}">
+                <asvg:svgBlip xmlns:asvg="http://schemas.microsoft.com/office/drawing/2016/SVG/main" r:embed="rId4"/>
+              </a:ext>
+            </a:extLst>
+          </a:blip>
+          <a:stretch>
+            <a:fillRect/>
+          </a:stretch>
+        </p:blipFill>
+        <p:spPr>
+          <a:xfrm>
+            <a:off x="7916734" y="113975"/>
+            <a:ext cx="914400" cy="914400"/>
+          </a:xfrm>
+          <a:prstGeom prst="rect">
+            <a:avLst/>
+          </a:prstGeom>
+        </p:spPr>
+      </p:pic>
+    </p:spTree>
+    <p:extLst>
+      <p:ext uri="{BB962C8B-B14F-4D97-AF65-F5344CB8AC3E}">
+        <p14:creationId xmlns:p14="http://schemas.microsoft.com/office/powerpoint/2010/main" val="2699549620"/>
+      </p:ext>
+    </p:extLst>
+  </p:cSld>
+  <p:clrMapOvr>
+    <a:masterClrMapping/>
+  </p:clrMapOvr>
+  <p:timing>
+    <p:tnLst>
+      <p:par>
+        <p:cTn id="1" dur="indefinite" restart="never" nodeType="tmRoot">
+          <p:childTnLst>
+            <p:seq concurrent="1" nextAc="seek">
+              <p:cTn id="2" dur="indefinite" nodeType="mainSeq">
+                <p:childTnLst>
+                  <p:par>
+                    <p:cTn id="3" fill="hold">
+                      <p:stCondLst>
+                        <p:cond delay="indefinite"/>
+                      </p:stCondLst>
+                      <p:childTnLst>
+                        <p:par>
+                          <p:cTn id="4" fill="hold">
+                            <p:stCondLst>
+                              <p:cond delay="0"/>
+                            </p:stCondLst>
+                            <p:childTnLst>
+                              <p:par>
+                                <p:cTn id="5" presetID="1" presetClass="entr" presetSubtype="0" fill="hold" grpId="0" nodeType="clickEffect">
+                                  <p:stCondLst>
+                                    <p:cond delay="0"/>
+                                  </p:stCondLst>
+                                  <p:childTnLst>
+                                    <p:set>
+                                      <p:cBhvr>
+                                        <p:cTn id="6" dur="1" fill="hold">
+                                          <p:stCondLst>
+                                            <p:cond delay="0"/>
+                                          </p:stCondLst>
+                                        </p:cTn>
+                                        <p:tgtEl>
+                                          <p:spTgt spid="351">
+                                            <p:txEl>
+                                              <p:pRg st="0" end="0"/>
+                                            </p:txEl>
+                                          </p:spTgt>
+                                        </p:tgtEl>
+                                        <p:attrNameLst>
+                                          <p:attrName>style.visibility</p:attrName>
+                                        </p:attrNameLst>
+                                      </p:cBhvr>
+                                      <p:to>
+                                        <p:strVal val="visible"/>
+                                      </p:to>
+                                    </p:set>
+                                  </p:childTnLst>
+                                </p:cTn>
+                              </p:par>
+                            </p:childTnLst>
+                          </p:cTn>
+                        </p:par>
+                      </p:childTnLst>
+                    </p:cTn>
+                  </p:par>
+                  <p:par>
+                    <p:cTn id="7" fill="hold">
+                      <p:stCondLst>
+                        <p:cond delay="indefinite"/>
+                      </p:stCondLst>
+                      <p:childTnLst>
+                        <p:par>
+                          <p:cTn id="8" fill="hold">
+                            <p:stCondLst>
+                              <p:cond delay="0"/>
+                            </p:stCondLst>
+                            <p:childTnLst>
+                              <p:par>
+                                <p:cTn id="9" presetID="1" presetClass="entr" presetSubtype="0" fill="hold" grpId="0" nodeType="clickEffect">
+                                  <p:stCondLst>
+                                    <p:cond delay="0"/>
+                                  </p:stCondLst>
+                                  <p:childTnLst>
+                                    <p:set>
+                                      <p:cBhvr>
+                                        <p:cTn id="10" dur="1" fill="hold">
+                                          <p:stCondLst>
+                                            <p:cond delay="0"/>
+                                          </p:stCondLst>
+                                        </p:cTn>
+                                        <p:tgtEl>
+                                          <p:spTgt spid="351">
+                                            <p:txEl>
+                                              <p:pRg st="1" end="1"/>
+                                            </p:txEl>
+                                          </p:spTgt>
+                                        </p:tgtEl>
+                                        <p:attrNameLst>
+                                          <p:attrName>style.visibility</p:attrName>
+                                        </p:attrNameLst>
+                                      </p:cBhvr>
+                                      <p:to>
+                                        <p:strVal val="visible"/>
+                                      </p:to>
+                                    </p:set>
+                                  </p:childTnLst>
+                                </p:cTn>
+                              </p:par>
+                            </p:childTnLst>
+                          </p:cTn>
+                        </p:par>
+                      </p:childTnLst>
+                    </p:cTn>
+                  </p:par>
+                  <p:par>
+                    <p:cTn id="11" fill="hold">
+                      <p:stCondLst>
+                        <p:cond delay="indefinite"/>
+                      </p:stCondLst>
+                      <p:childTnLst>
+                        <p:par>
+                          <p:cTn id="12" fill="hold">
+                            <p:stCondLst>
+                              <p:cond delay="0"/>
+                            </p:stCondLst>
+                            <p:childTnLst>
+                              <p:par>
+                                <p:cTn id="13" presetID="1" presetClass="entr" presetSubtype="0" fill="hold" grpId="0" nodeType="clickEffect">
+                                  <p:stCondLst>
+                                    <p:cond delay="0"/>
+                                  </p:stCondLst>
+                                  <p:childTnLst>
+                                    <p:set>
+                                      <p:cBhvr>
+                                        <p:cTn id="14" dur="1" fill="hold">
+                                          <p:stCondLst>
+                                            <p:cond delay="0"/>
+                                          </p:stCondLst>
+                                        </p:cTn>
+                                        <p:tgtEl>
+                                          <p:spTgt spid="351">
+                                            <p:txEl>
+                                              <p:pRg st="2" end="2"/>
+                                            </p:txEl>
+                                          </p:spTgt>
+                                        </p:tgtEl>
+                                        <p:attrNameLst>
+                                          <p:attrName>style.visibility</p:attrName>
+                                        </p:attrNameLst>
+                                      </p:cBhvr>
+                                      <p:to>
+                                        <p:strVal val="visible"/>
+                                      </p:to>
+                                    </p:set>
+                                  </p:childTnLst>
+                                </p:cTn>
+                              </p:par>
+                            </p:childTnLst>
+                          </p:cTn>
+                        </p:par>
+                      </p:childTnLst>
+                    </p:cTn>
+                  </p:par>
+                  <p:par>
+                    <p:cTn id="15" fill="hold">
+                      <p:stCondLst>
+                        <p:cond delay="indefinite"/>
+                      </p:stCondLst>
+                      <p:childTnLst>
+                        <p:par>
+                          <p:cTn id="16" fill="hold">
+                            <p:stCondLst>
+                              <p:cond delay="0"/>
+                            </p:stCondLst>
+                            <p:childTnLst>
+                              <p:par>
+                                <p:cTn id="17" presetID="1" presetClass="entr" presetSubtype="0" fill="hold" grpId="0" nodeType="clickEffect">
+                                  <p:stCondLst>
+                                    <p:cond delay="0"/>
+                                  </p:stCondLst>
+                                  <p:childTnLst>
+                                    <p:set>
+                                      <p:cBhvr>
+                                        <p:cTn id="18" dur="1" fill="hold">
+                                          <p:stCondLst>
+                                            <p:cond delay="0"/>
+                                          </p:stCondLst>
+                                        </p:cTn>
+                                        <p:tgtEl>
+                                          <p:spTgt spid="351">
+                                            <p:txEl>
+                                              <p:pRg st="3" end="3"/>
+                                            </p:txEl>
+                                          </p:spTgt>
+                                        </p:tgtEl>
+                                        <p:attrNameLst>
+                                          <p:attrName>style.visibility</p:attrName>
+                                        </p:attrNameLst>
+                                      </p:cBhvr>
+                                      <p:to>
+                                        <p:strVal val="visible"/>
+                                      </p:to>
+                                    </p:set>
+                                  </p:childTnLst>
+                                </p:cTn>
+                              </p:par>
+                            </p:childTnLst>
+                          </p:cTn>
+                        </p:par>
+                      </p:childTnLst>
+                    </p:cTn>
+                  </p:par>
+                  <p:par>
+                    <p:cTn id="19" fill="hold">
+                      <p:stCondLst>
+                        <p:cond delay="indefinite"/>
+                      </p:stCondLst>
+                      <p:childTnLst>
+                        <p:par>
+                          <p:cTn id="20" fill="hold">
+                            <p:stCondLst>
+                              <p:cond delay="0"/>
+                            </p:stCondLst>
+                            <p:childTnLst>
+                              <p:par>
+                                <p:cTn id="21" presetID="1" presetClass="entr" presetSubtype="0" fill="hold" grpId="0" nodeType="clickEffect">
+                                  <p:stCondLst>
+                                    <p:cond delay="0"/>
+                                  </p:stCondLst>
+                                  <p:childTnLst>
+                                    <p:set>
+                                      <p:cBhvr>
+                                        <p:cTn id="22" dur="1" fill="hold">
+                                          <p:stCondLst>
+                                            <p:cond delay="0"/>
+                                          </p:stCondLst>
+                                        </p:cTn>
+                                        <p:tgtEl>
+                                          <p:spTgt spid="351">
+                                            <p:txEl>
+                                              <p:pRg st="4" end="4"/>
+                                            </p:txEl>
+                                          </p:spTgt>
+                                        </p:tgtEl>
+                                        <p:attrNameLst>
+                                          <p:attrName>style.visibility</p:attrName>
+                                        </p:attrNameLst>
+                                      </p:cBhvr>
+                                      <p:to>
+                                        <p:strVal val="visible"/>
+                                      </p:to>
+                                    </p:set>
+                                  </p:childTnLst>
+                                </p:cTn>
+                              </p:par>
+                            </p:childTnLst>
+                          </p:cTn>
+                        </p:par>
+                      </p:childTnLst>
+                    </p:cTn>
+                  </p:par>
+                </p:childTnLst>
+              </p:cTn>
+              <p:prevCondLst>
+                <p:cond evt="onPrev" delay="0">
+                  <p:tgtEl>
+                    <p:sldTgt/>
+                  </p:tgtEl>
+                </p:cond>
+              </p:prevCondLst>
+              <p:nextCondLst>
+                <p:cond evt="onNext" delay="0">
+                  <p:tgtEl>
+                    <p:sldTgt/>
+                  </p:tgtEl>
+                </p:cond>
+              </p:nextCondLst>
+            </p:seq>
+          </p:childTnLst>
+        </p:cTn>
+      </p:par>
+    </p:tnLst>
+    <p:bldLst>
+      <p:bldP spid="351" grpId="0" uiExpand="1" build="p"/>
+    </p:bldLst>
+  </p:timing>
+</p:sld>
+</file>
+
+<file path=ppt/slides/slide27.xml><?xml version="1.0" encoding="utf-8"?>
+<p:sld xmlns:a="http://schemas.openxmlformats.org/drawingml/2006/main" xmlns:r="http://schemas.openxmlformats.org/officeDocument/2006/relationships" xmlns:p="http://schemas.openxmlformats.org/presentationml/2006/main">
+  <p:cSld>
+    <p:spTree>
+      <p:nvGrpSpPr>
+        <p:cNvPr id="1" name="Shape 349">
+          <a:extLst>
+            <a:ext uri="{FF2B5EF4-FFF2-40B4-BE49-F238E27FC236}">
+              <a16:creationId xmlns:a16="http://schemas.microsoft.com/office/drawing/2014/main" id="{42D9055D-02D3-31BD-48CB-AC1FABB87940}"/>
+            </a:ext>
+          </a:extLst>
+        </p:cNvPr>
+        <p:cNvGrpSpPr/>
+        <p:nvPr/>
+      </p:nvGrpSpPr>
+      <p:grpSpPr>
+        <a:xfrm>
+          <a:off x="0" y="0"/>
+          <a:ext cx="0" cy="0"/>
+          <a:chOff x="0" y="0"/>
+          <a:chExt cx="0" cy="0"/>
+        </a:xfrm>
+      </p:grpSpPr>
+      <p:sp>
+        <p:nvSpPr>
+          <p:cNvPr id="350" name="Google Shape;350;p11">
+            <a:extLst>
+              <a:ext uri="{FF2B5EF4-FFF2-40B4-BE49-F238E27FC236}">
+                <a16:creationId xmlns:a16="http://schemas.microsoft.com/office/drawing/2014/main" id="{1AF6500E-4720-3023-8829-4584B8CC35CA}"/>
+              </a:ext>
+            </a:extLst>
+          </p:cNvPr>
+          <p:cNvSpPr txBox="1">
+            <a:spLocks noGrp="1"/>
+          </p:cNvSpPr>
+          <p:nvPr>
+            <p:ph type="title"/>
+          </p:nvPr>
+        </p:nvSpPr>
+        <p:spPr>
+          <a:xfrm>
+            <a:off x="613700" y="714275"/>
+            <a:ext cx="8253300" cy="314100"/>
+          </a:xfrm>
+          <a:prstGeom prst="rect">
+            <a:avLst/>
+          </a:prstGeom>
+          <a:noFill/>
+          <a:ln>
+            <a:noFill/>
+          </a:ln>
+        </p:spPr>
+        <p:txBody>
+          <a:bodyPr spcFirstLastPara="1" wrap="square" lIns="45700" tIns="45700" rIns="45700" bIns="45700" anchor="b" anchorCtr="0">
+            <a:noAutofit/>
+          </a:bodyPr>
+          <a:lstStyle/>
+          <a:p>
+            <a:pPr marL="0" lvl="0" indent="0" algn="l" rtl="0">
+              <a:lnSpc>
+                <a:spcPct val="90000"/>
+              </a:lnSpc>
+              <a:spcBef>
+                <a:spcPts val="0"/>
+              </a:spcBef>
+              <a:spcAft>
+                <a:spcPts val="0"/>
+              </a:spcAft>
+              <a:buSzPts val="2000"/>
+              <a:buNone/>
+            </a:pPr>
+            <a:r>
+              <a:rPr lang="en-US" dirty="0"/>
+              <a:t>Additional Protections</a:t>
+            </a:r>
+            <a:endParaRPr dirty="0">
+              <a:solidFill>
+                <a:schemeClr val="dk1"/>
+              </a:solidFill>
+            </a:endParaRPr>
+          </a:p>
+        </p:txBody>
+      </p:sp>
+      <p:sp>
+        <p:nvSpPr>
+          <p:cNvPr id="351" name="Google Shape;351;p11">
+            <a:extLst>
+              <a:ext uri="{FF2B5EF4-FFF2-40B4-BE49-F238E27FC236}">
+                <a16:creationId xmlns:a16="http://schemas.microsoft.com/office/drawing/2014/main" id="{7B7CF9DF-2D3A-36CD-61F8-7554820A2319}"/>
+              </a:ext>
+            </a:extLst>
+          </p:cNvPr>
+          <p:cNvSpPr txBox="1"/>
+          <p:nvPr/>
+        </p:nvSpPr>
+        <p:spPr>
+          <a:xfrm>
+            <a:off x="613700" y="1208125"/>
+            <a:ext cx="7086600" cy="3221100"/>
+          </a:xfrm>
+          <a:prstGeom prst="rect">
+            <a:avLst/>
+          </a:prstGeom>
+          <a:noFill/>
+          <a:ln>
+            <a:noFill/>
+          </a:ln>
+        </p:spPr>
+        <p:txBody>
+          <a:bodyPr spcFirstLastPara="1" wrap="square" lIns="91400" tIns="91400" rIns="91400" bIns="91400" anchor="t" anchorCtr="0">
+            <a:noAutofit/>
+          </a:bodyPr>
+          <a:lstStyle/>
+          <a:p>
+            <a:pPr marL="457200" lvl="0" indent="-323850">
+              <a:lnSpc>
+                <a:spcPct val="150000"/>
+              </a:lnSpc>
+              <a:buClr>
+                <a:srgbClr val="404040"/>
+              </a:buClr>
+              <a:buSzPts val="1500"/>
+              <a:buFont typeface="Arial"/>
+              <a:buChar char="●"/>
+            </a:pPr>
+            <a:r>
+              <a:rPr lang="en-US" sz="1500" dirty="0">
+                <a:solidFill>
+                  <a:srgbClr val="404040"/>
+                </a:solidFill>
+              </a:rPr>
+              <a:t>Regular check of key log locations on the system</a:t>
+            </a:r>
+          </a:p>
+          <a:p>
+            <a:pPr marL="457200" lvl="0" indent="-323850">
+              <a:lnSpc>
+                <a:spcPct val="150000"/>
+              </a:lnSpc>
+              <a:buClr>
+                <a:srgbClr val="404040"/>
+              </a:buClr>
+              <a:buSzPts val="1500"/>
+              <a:buFont typeface="Arial"/>
+              <a:buChar char="●"/>
+            </a:pPr>
+            <a:r>
+              <a:rPr lang="en-US" sz="1500" b="0" i="0" u="none" strike="noStrike" cap="none" dirty="0">
+                <a:solidFill>
+                  <a:srgbClr val="404040"/>
+                </a:solidFill>
+                <a:sym typeface="Arial"/>
+              </a:rPr>
+              <a:t>Regular patching &amp; security update application</a:t>
+            </a:r>
+          </a:p>
+        </p:txBody>
+      </p:sp>
+      <p:sp>
+        <p:nvSpPr>
+          <p:cNvPr id="2" name="Google Shape;238;p2">
+            <a:extLst>
+              <a:ext uri="{FF2B5EF4-FFF2-40B4-BE49-F238E27FC236}">
+                <a16:creationId xmlns:a16="http://schemas.microsoft.com/office/drawing/2014/main" id="{CFA4A69C-3EFB-6BD6-30BC-A16E984693F6}"/>
+              </a:ext>
+            </a:extLst>
+          </p:cNvPr>
+          <p:cNvSpPr txBox="1">
+            <a:spLocks noGrp="1"/>
+          </p:cNvSpPr>
+          <p:nvPr>
+            <p:ph type="sldNum" idx="12"/>
+          </p:nvPr>
+        </p:nvSpPr>
+        <p:spPr>
+          <a:xfrm>
+            <a:off x="8556784" y="4749851"/>
+            <a:ext cx="548700" cy="393600"/>
+          </a:xfrm>
+          <a:prstGeom prst="rect">
+            <a:avLst/>
+          </a:prstGeom>
+          <a:noFill/>
+          <a:ln>
+            <a:noFill/>
+          </a:ln>
+        </p:spPr>
+        <p:txBody>
+          <a:bodyPr spcFirstLastPara="1" wrap="square" lIns="91425" tIns="91425" rIns="91425" bIns="91425" anchor="t" anchorCtr="0">
+            <a:noAutofit/>
+          </a:bodyPr>
+          <a:lstStyle/>
+          <a:p>
+            <a:pPr marL="0" lvl="0" indent="0" algn="r" rtl="0">
+              <a:lnSpc>
+                <a:spcPct val="100000"/>
+              </a:lnSpc>
+              <a:spcBef>
+                <a:spcPts val="0"/>
+              </a:spcBef>
+              <a:spcAft>
+                <a:spcPts val="0"/>
+              </a:spcAft>
+              <a:buSzPts val="1300"/>
+              <a:buNone/>
+            </a:pPr>
+            <a:fld id="{00000000-1234-1234-1234-123412341234}" type="slidenum">
+              <a:rPr lang="en-US"/>
+              <a:t>27</a:t>
+            </a:fld>
+            <a:endParaRPr/>
+          </a:p>
+        </p:txBody>
+      </p:sp>
+      <p:pic>
+        <p:nvPicPr>
+          <p:cNvPr id="4" name="Graphic 3" descr="High voltage with solid fill">
+            <a:extLst>
+              <a:ext uri="{FF2B5EF4-FFF2-40B4-BE49-F238E27FC236}">
+                <a16:creationId xmlns:a16="http://schemas.microsoft.com/office/drawing/2014/main" id="{6152F715-CD07-7F59-E718-7798F0744AB6}"/>
+              </a:ext>
+            </a:extLst>
+          </p:cNvPr>
+          <p:cNvPicPr>
+            <a:picLocks noChangeAspect="1"/>
+          </p:cNvPicPr>
+          <p:nvPr/>
+        </p:nvPicPr>
+        <p:blipFill>
+          <a:blip r:embed="rId3">
+            <a:extLst>
+              <a:ext uri="{96DAC541-7B7A-43D3-8B79-37D633B846F1}">
+                <asvg:svgBlip xmlns:asvg="http://schemas.microsoft.com/office/drawing/2016/SVG/main" r:embed="rId4"/>
+              </a:ext>
+            </a:extLst>
+          </a:blip>
+          <a:stretch>
+            <a:fillRect/>
+          </a:stretch>
+        </p:blipFill>
+        <p:spPr>
+          <a:xfrm>
+            <a:off x="7916734" y="113975"/>
+            <a:ext cx="914400" cy="914400"/>
+          </a:xfrm>
+          <a:prstGeom prst="rect">
+            <a:avLst/>
+          </a:prstGeom>
+        </p:spPr>
+      </p:pic>
+    </p:spTree>
+    <p:extLst>
+      <p:ext uri="{BB962C8B-B14F-4D97-AF65-F5344CB8AC3E}">
+        <p14:creationId xmlns:p14="http://schemas.microsoft.com/office/powerpoint/2010/main" val="900566905"/>
+      </p:ext>
+    </p:extLst>
+  </p:cSld>
+  <p:clrMapOvr>
+    <a:masterClrMapping/>
+  </p:clrMapOvr>
+  <p:timing>
+    <p:tnLst>
+      <p:par>
+        <p:cTn id="1" dur="indefinite" restart="never" nodeType="tmRoot">
+          <p:childTnLst>
+            <p:seq concurrent="1" nextAc="seek">
+              <p:cTn id="2" dur="indefinite" nodeType="mainSeq">
+                <p:childTnLst>
+                  <p:par>
+                    <p:cTn id="3" fill="hold">
+                      <p:stCondLst>
+                        <p:cond delay="indefinite"/>
+                      </p:stCondLst>
+                      <p:childTnLst>
+                        <p:par>
+                          <p:cTn id="4" fill="hold">
+                            <p:stCondLst>
+                              <p:cond delay="0"/>
+                            </p:stCondLst>
+                            <p:childTnLst>
+                              <p:par>
+                                <p:cTn id="5" presetID="1" presetClass="entr" presetSubtype="0" fill="hold" grpId="0" nodeType="clickEffect">
+                                  <p:stCondLst>
+                                    <p:cond delay="0"/>
+                                  </p:stCondLst>
+                                  <p:childTnLst>
+                                    <p:set>
+                                      <p:cBhvr>
+                                        <p:cTn id="6" dur="1" fill="hold">
+                                          <p:stCondLst>
+                                            <p:cond delay="0"/>
+                                          </p:stCondLst>
+                                        </p:cTn>
+                                        <p:tgtEl>
+                                          <p:spTgt spid="351">
+                                            <p:txEl>
+                                              <p:pRg st="0" end="0"/>
+                                            </p:txEl>
+                                          </p:spTgt>
+                                        </p:tgtEl>
+                                        <p:attrNameLst>
+                                          <p:attrName>style.visibility</p:attrName>
+                                        </p:attrNameLst>
+                                      </p:cBhvr>
+                                      <p:to>
+                                        <p:strVal val="visible"/>
+                                      </p:to>
+                                    </p:set>
+                                  </p:childTnLst>
+                                </p:cTn>
+                              </p:par>
+                            </p:childTnLst>
+                          </p:cTn>
+                        </p:par>
+                      </p:childTnLst>
+                    </p:cTn>
+                  </p:par>
+                  <p:par>
+                    <p:cTn id="7" fill="hold">
+                      <p:stCondLst>
+                        <p:cond delay="indefinite"/>
+                      </p:stCondLst>
+                      <p:childTnLst>
+                        <p:par>
+                          <p:cTn id="8" fill="hold">
+                            <p:stCondLst>
+                              <p:cond delay="0"/>
+                            </p:stCondLst>
+                            <p:childTnLst>
+                              <p:par>
+                                <p:cTn id="9" presetID="1" presetClass="entr" presetSubtype="0" fill="hold" grpId="0" nodeType="clickEffect">
+                                  <p:stCondLst>
+                                    <p:cond delay="0"/>
+                                  </p:stCondLst>
+                                  <p:childTnLst>
+                                    <p:set>
+                                      <p:cBhvr>
+                                        <p:cTn id="10" dur="1" fill="hold">
+                                          <p:stCondLst>
+                                            <p:cond delay="0"/>
+                                          </p:stCondLst>
+                                        </p:cTn>
+                                        <p:tgtEl>
+                                          <p:spTgt spid="351">
+                                            <p:txEl>
+                                              <p:pRg st="1" end="1"/>
+                                            </p:txEl>
+                                          </p:spTgt>
+                                        </p:tgtEl>
+                                        <p:attrNameLst>
+                                          <p:attrName>style.visibility</p:attrName>
+                                        </p:attrNameLst>
+                                      </p:cBhvr>
+                                      <p:to>
+                                        <p:strVal val="visible"/>
+                                      </p:to>
+                                    </p:set>
+                                  </p:childTnLst>
+                                </p:cTn>
+                              </p:par>
+                            </p:childTnLst>
+                          </p:cTn>
+                        </p:par>
+                      </p:childTnLst>
+                    </p:cTn>
+                  </p:par>
+                </p:childTnLst>
+              </p:cTn>
+              <p:prevCondLst>
+                <p:cond evt="onPrev" delay="0">
+                  <p:tgtEl>
+                    <p:sldTgt/>
+                  </p:tgtEl>
+                </p:cond>
+              </p:prevCondLst>
+              <p:nextCondLst>
+                <p:cond evt="onNext" delay="0">
+                  <p:tgtEl>
+                    <p:sldTgt/>
+                  </p:tgtEl>
+                </p:cond>
+              </p:nextCondLst>
+            </p:seq>
+          </p:childTnLst>
+        </p:cTn>
+      </p:par>
+    </p:tnLst>
+    <p:bldLst>
+      <p:bldP spid="351" grpId="0" uiExpand="1" build="p"/>
+    </p:bldLst>
+  </p:timing>
+</p:sld>
+</file>
+
+<file path=ppt/slides/slide28.xml><?xml version="1.0" encoding="utf-8"?>
 <p:sld xmlns:a="http://schemas.openxmlformats.org/drawingml/2006/main" xmlns:r="http://schemas.openxmlformats.org/officeDocument/2006/relationships" xmlns:p="http://schemas.openxmlformats.org/presentationml/2006/main">
   <p:cSld>
     <p:spTree>
@@ -25192,6 +30575,33 @@
                 </a:solidFill>
               </a:rPr>
               <a:t>Securing your application in GitLab</a:t>
+            </a:r>
+          </a:p>
+          <a:p>
+            <a:pPr marL="457200" marR="0" lvl="0" indent="-323850" algn="l" rtl="0">
+              <a:lnSpc>
+                <a:spcPct val="150000"/>
+              </a:lnSpc>
+              <a:spcBef>
+                <a:spcPts val="0"/>
+              </a:spcBef>
+              <a:spcAft>
+                <a:spcPts val="0"/>
+              </a:spcAft>
+              <a:buClr>
+                <a:srgbClr val="404040"/>
+              </a:buClr>
+              <a:buSzPts val="1500"/>
+              <a:buFont typeface="Arial"/>
+              <a:buChar char="●"/>
+            </a:pPr>
+            <a:r>
+              <a:rPr lang="en-US" sz="1500" dirty="0">
+                <a:solidFill>
+                  <a:srgbClr val="404040"/>
+                </a:solidFill>
+              </a:rPr>
+              <a:t>Managing server vulnerabilities</a:t>
             </a:r>
           </a:p>
         </p:txBody>
@@ -25441,6 +30851,55 @@
                                           <p:spTgt spid="337">
                                             <p:txEl>
                                               <p:pRg st="3" end="3"/>
+                                            </p:txEl>
+                                          </p:spTgt>
+                                        </p:tgtEl>
+                                        <p:attrNameLst>
+                                          <p:attrName>style.visibility</p:attrName>
+                                        </p:attrNameLst>
+                                      </p:cBhvr>
+                                      <p:to>
+                                        <p:strVal val="visible"/>
+                                      </p:to>
+                                    </p:set>
+                                  </p:childTnLst>
+                                </p:cTn>
+                              </p:par>
+                            </p:childTnLst>
+                          </p:cTn>
+                        </p:par>
+                      </p:childTnLst>
+                    </p:cTn>
+                  </p:par>
+                  <p:par>
+                    <p:cTn id="19" fill="hold">
+                      <p:stCondLst>
+                        <p:cond delay="indefinite"/>
+                      </p:stCondLst>
+                      <p:childTnLst>
+                        <p:par>
+                          <p:cTn id="20" fill="hold">
+                            <p:stCondLst>
+                              <p:cond delay="0"/>
+                            </p:stCondLst>
+                            <p:childTnLst>
+                              <p:par>
+                                <p:cTn id="21" presetID="1" presetClass="entr" presetSubtype="0" fill="hold" grpId="0" nodeType="clickEffect">
+                                  <p:stCondLst>
+                                    <p:cond delay="0"/>
+                                  </p:stCondLst>
+                                  <p:childTnLst>
+                                    <p:set>
+                                      <p:cBhvr>
+                                        <p:cTn id="22" dur="1" fill="hold">
+                                          <p:stCondLst>
+                                            <p:cond delay="0"/>
+                                          </p:stCondLst>
+                                        </p:cTn>
+                                        <p:tgtEl>
+                                          <p:spTgt spid="337">
+                                            <p:txEl>
+                                              <p:pRg st="4" end="4"/>
                                             </p:txEl>
                                           </p:spTgt>
                                         </p:tgtEl>
